--- a/slides/db_keys_communication.pptx
+++ b/slides/db_keys_communication.pptx
@@ -17,30 +17,33 @@
     <p:sldId id="262" r:id="rId11"/>
     <p:sldId id="263" r:id="rId12"/>
     <p:sldId id="264" r:id="rId13"/>
+    <p:sldId id="265" r:id="rId14"/>
+    <p:sldId id="266" r:id="rId15"/>
+    <p:sldId id="267" r:id="rId16"/>
   </p:sldIdLst>
   <p:sldSz cy="5143500" cx="9144000"/>
   <p:notesSz cx="6858000" cy="9144000"/>
   <p:embeddedFontLst>
     <p:embeddedFont>
       <p:font typeface="Roboto"/>
-      <p:regular r:id="rId14"/>
-      <p:bold r:id="rId15"/>
-      <p:italic r:id="rId16"/>
-      <p:boldItalic r:id="rId17"/>
+      <p:regular r:id="rId17"/>
+      <p:bold r:id="rId18"/>
+      <p:italic r:id="rId19"/>
+      <p:boldItalic r:id="rId20"/>
     </p:embeddedFont>
     <p:embeddedFont>
       <p:font typeface="Source Code Pro"/>
-      <p:regular r:id="rId18"/>
-      <p:bold r:id="rId19"/>
-      <p:italic r:id="rId20"/>
-      <p:boldItalic r:id="rId21"/>
+      <p:regular r:id="rId21"/>
+      <p:bold r:id="rId22"/>
+      <p:italic r:id="rId23"/>
+      <p:boldItalic r:id="rId24"/>
     </p:embeddedFont>
     <p:embeddedFont>
       <p:font typeface="Merriweather"/>
-      <p:regular r:id="rId22"/>
-      <p:bold r:id="rId23"/>
-      <p:italic r:id="rId24"/>
-      <p:boldItalic r:id="rId25"/>
+      <p:regular r:id="rId25"/>
+      <p:bold r:id="rId26"/>
+      <p:italic r:id="rId27"/>
+      <p:boldItalic r:id="rId28"/>
     </p:embeddedFont>
   </p:embeddedFontLst>
   <p:defaultTextStyle>
@@ -274,7 +277,7 @@
   </p:defaultTextStyle>
   <p:extLst>
     <p:ext uri="http://customooxmlschemas.google.com/">
-      <go:slidesCustomData xmlns:go="http://customooxmlschemas.google.com/" r:id="rId26" roundtripDataSignature="AMtx7mjQbht6MNtLN/OdM5gwZofOFVLvWg=="/>
+      <go:slidesCustomData xmlns:go="http://customooxmlschemas.google.com/" r:id="rId29" roundtripDataSignature="AMtx7miFS63xfZ77AyXkY7HOLymlXHjnsg=="/>
     </p:ext>
   </p:extLst>
 </p:presentation>
@@ -946,12 +949,12 @@
 </p:notes>
 </file>
 
-<file path=ppt/notesSlides/notesSlide2.xml><?xml version="1.0" encoding="utf-8"?>
+<file path=ppt/notesSlides/notesSlide10.xml><?xml version="1.0" encoding="utf-8"?>
 <p:notes xmlns:a="http://schemas.openxmlformats.org/drawingml/2006/main" xmlns:r="http://schemas.openxmlformats.org/officeDocument/2006/relationships" xmlns:mc="http://schemas.openxmlformats.org/markup-compatibility/2006" xmlns:mv="urn:schemas-microsoft-com:mac:vml" xmlns:p="http://schemas.openxmlformats.org/presentationml/2006/main" xmlns:c="http://schemas.openxmlformats.org/drawingml/2006/chart" xmlns:dgm="http://schemas.openxmlformats.org/drawingml/2006/diagram" xmlns:o="urn:schemas-microsoft-com:office:office" xmlns:v="urn:schemas-microsoft-com:vml" xmlns:pvml="urn:schemas-microsoft-com:office:powerpoint" xmlns:com="http://schemas.openxmlformats.org/drawingml/2006/compatibility" xmlns:p14="http://schemas.microsoft.com/office/powerpoint/2010/main" xmlns:p15="http://schemas.microsoft.com/office/powerpoint/2012/main" xmlns:ahyp="http://schemas.microsoft.com/office/drawing/2018/hyperlinkcolor" showMasterPhAnim="0" showMasterSp="0">
   <p:cSld>
     <p:spTree>
       <p:nvGrpSpPr>
-        <p:cNvPr id="65" name="Shape 65"/>
+        <p:cNvPr id="126" name="Shape 126"/>
         <p:cNvGrpSpPr/>
         <p:nvPr/>
       </p:nvGrpSpPr>
@@ -965,7 +968,7 @@
       </p:grpSpPr>
       <p:sp>
         <p:nvSpPr>
-          <p:cNvPr id="66" name="Google Shape;66;p2:notes"/>
+          <p:cNvPr id="127" name="Google Shape;127;p7:notes"/>
           <p:cNvSpPr txBox="1"/>
           <p:nvPr>
             <p:ph idx="1" type="body"/>
@@ -1012,7 +1015,7 @@
       </p:sp>
       <p:sp>
         <p:nvSpPr>
-          <p:cNvPr id="67" name="Google Shape;67;p2:notes"/>
+          <p:cNvPr id="128" name="Google Shape;128;p7:notes"/>
           <p:cNvSpPr/>
           <p:nvPr>
             <p:ph idx="2" type="sldImg"/>
@@ -1057,12 +1060,12 @@
 </p:notes>
 </file>
 
-<file path=ppt/notesSlides/notesSlide3.xml><?xml version="1.0" encoding="utf-8"?>
+<file path=ppt/notesSlides/notesSlide11.xml><?xml version="1.0" encoding="utf-8"?>
 <p:notes xmlns:a="http://schemas.openxmlformats.org/drawingml/2006/main" xmlns:r="http://schemas.openxmlformats.org/officeDocument/2006/relationships" xmlns:mc="http://schemas.openxmlformats.org/markup-compatibility/2006" xmlns:mv="urn:schemas-microsoft-com:mac:vml" xmlns:p="http://schemas.openxmlformats.org/presentationml/2006/main" xmlns:c="http://schemas.openxmlformats.org/drawingml/2006/chart" xmlns:dgm="http://schemas.openxmlformats.org/drawingml/2006/diagram" xmlns:o="urn:schemas-microsoft-com:office:office" xmlns:v="urn:schemas-microsoft-com:vml" xmlns:pvml="urn:schemas-microsoft-com:office:powerpoint" xmlns:com="http://schemas.openxmlformats.org/drawingml/2006/compatibility" xmlns:p14="http://schemas.microsoft.com/office/powerpoint/2010/main" xmlns:p15="http://schemas.microsoft.com/office/powerpoint/2012/main" xmlns:ahyp="http://schemas.microsoft.com/office/drawing/2018/hyperlinkcolor" showMasterPhAnim="0" showMasterSp="0">
   <p:cSld>
     <p:spTree>
       <p:nvGrpSpPr>
-        <p:cNvPr id="74" name="Shape 74"/>
+        <p:cNvPr id="134" name="Shape 134"/>
         <p:cNvGrpSpPr/>
         <p:nvPr/>
       </p:nvGrpSpPr>
@@ -1076,7 +1079,7 @@
       </p:grpSpPr>
       <p:sp>
         <p:nvSpPr>
-          <p:cNvPr id="75" name="Google Shape;75;p3:notes"/>
+          <p:cNvPr id="135" name="Google Shape;135;p8:notes"/>
           <p:cNvSpPr txBox="1"/>
           <p:nvPr>
             <p:ph idx="1" type="body"/>
@@ -1123,7 +1126,7 @@
       </p:sp>
       <p:sp>
         <p:nvSpPr>
-          <p:cNvPr id="76" name="Google Shape;76;p3:notes"/>
+          <p:cNvPr id="136" name="Google Shape;136;p8:notes"/>
           <p:cNvSpPr/>
           <p:nvPr>
             <p:ph idx="2" type="sldImg"/>
@@ -1168,12 +1171,12 @@
 </p:notes>
 </file>
 
-<file path=ppt/notesSlides/notesSlide4.xml><?xml version="1.0" encoding="utf-8"?>
+<file path=ppt/notesSlides/notesSlide12.xml><?xml version="1.0" encoding="utf-8"?>
 <p:notes xmlns:a="http://schemas.openxmlformats.org/drawingml/2006/main" xmlns:r="http://schemas.openxmlformats.org/officeDocument/2006/relationships" xmlns:mc="http://schemas.openxmlformats.org/markup-compatibility/2006" xmlns:mv="urn:schemas-microsoft-com:mac:vml" xmlns:p="http://schemas.openxmlformats.org/presentationml/2006/main" xmlns:c="http://schemas.openxmlformats.org/drawingml/2006/chart" xmlns:dgm="http://schemas.openxmlformats.org/drawingml/2006/diagram" xmlns:o="urn:schemas-microsoft-com:office:office" xmlns:v="urn:schemas-microsoft-com:vml" xmlns:pvml="urn:schemas-microsoft-com:office:powerpoint" xmlns:com="http://schemas.openxmlformats.org/drawingml/2006/compatibility" xmlns:p14="http://schemas.microsoft.com/office/powerpoint/2010/main" xmlns:p15="http://schemas.microsoft.com/office/powerpoint/2012/main" xmlns:ahyp="http://schemas.microsoft.com/office/drawing/2018/hyperlinkcolor" showMasterPhAnim="0" showMasterSp="0">
   <p:cSld>
     <p:spTree>
       <p:nvGrpSpPr>
-        <p:cNvPr id="83" name="Shape 83"/>
+        <p:cNvPr id="142" name="Shape 142"/>
         <p:cNvGrpSpPr/>
         <p:nvPr/>
       </p:nvGrpSpPr>
@@ -1187,7 +1190,7 @@
       </p:grpSpPr>
       <p:sp>
         <p:nvSpPr>
-          <p:cNvPr id="84" name="Google Shape;84;p4:notes"/>
+          <p:cNvPr id="143" name="Google Shape;143;p9:notes"/>
           <p:cNvSpPr txBox="1"/>
           <p:nvPr>
             <p:ph idx="1" type="body"/>
@@ -1234,7 +1237,7 @@
       </p:sp>
       <p:sp>
         <p:nvSpPr>
-          <p:cNvPr id="85" name="Google Shape;85;p4:notes"/>
+          <p:cNvPr id="144" name="Google Shape;144;p9:notes"/>
           <p:cNvSpPr/>
           <p:nvPr>
             <p:ph idx="2" type="sldImg"/>
@@ -1279,12 +1282,12 @@
 </p:notes>
 </file>
 
-<file path=ppt/notesSlides/notesSlide5.xml><?xml version="1.0" encoding="utf-8"?>
+<file path=ppt/notesSlides/notesSlide2.xml><?xml version="1.0" encoding="utf-8"?>
 <p:notes xmlns:a="http://schemas.openxmlformats.org/drawingml/2006/main" xmlns:r="http://schemas.openxmlformats.org/officeDocument/2006/relationships" xmlns:mc="http://schemas.openxmlformats.org/markup-compatibility/2006" xmlns:mv="urn:schemas-microsoft-com:mac:vml" xmlns:p="http://schemas.openxmlformats.org/presentationml/2006/main" xmlns:c="http://schemas.openxmlformats.org/drawingml/2006/chart" xmlns:dgm="http://schemas.openxmlformats.org/drawingml/2006/diagram" xmlns:o="urn:schemas-microsoft-com:office:office" xmlns:v="urn:schemas-microsoft-com:vml" xmlns:pvml="urn:schemas-microsoft-com:office:powerpoint" xmlns:com="http://schemas.openxmlformats.org/drawingml/2006/compatibility" xmlns:p14="http://schemas.microsoft.com/office/powerpoint/2010/main" xmlns:p15="http://schemas.microsoft.com/office/powerpoint/2012/main" xmlns:ahyp="http://schemas.microsoft.com/office/drawing/2018/hyperlinkcolor" showMasterPhAnim="0" showMasterSp="0">
   <p:cSld>
     <p:spTree>
       <p:nvGrpSpPr>
-        <p:cNvPr id="91" name="Shape 91"/>
+        <p:cNvPr id="65" name="Shape 65"/>
         <p:cNvGrpSpPr/>
         <p:nvPr/>
       </p:nvGrpSpPr>
@@ -1298,7 +1301,304 @@
       </p:grpSpPr>
       <p:sp>
         <p:nvSpPr>
-          <p:cNvPr id="92" name="Google Shape;92;p5:notes"/>
+          <p:cNvPr id="66" name="Google Shape;66;gf17ddd57ad_0_0:notes"/>
+          <p:cNvSpPr/>
+          <p:nvPr>
+            <p:ph idx="2" type="sldImg"/>
+          </p:nvPr>
+        </p:nvSpPr>
+        <p:spPr>
+          <a:xfrm>
+            <a:off x="1143000" y="685800"/>
+            <a:ext cx="4572000" cy="3429000"/>
+          </a:xfrm>
+          <a:custGeom>
+            <a:rect b="b" l="l" r="r" t="t"/>
+            <a:pathLst>
+              <a:path extrusionOk="0" h="120000" w="120000">
+                <a:moveTo>
+                  <a:pt x="0" y="0"/>
+                </a:moveTo>
+                <a:lnTo>
+                  <a:pt x="120000" y="0"/>
+                </a:lnTo>
+                <a:lnTo>
+                  <a:pt x="120000" y="120000"/>
+                </a:lnTo>
+                <a:lnTo>
+                  <a:pt x="0" y="120000"/>
+                </a:lnTo>
+                <a:close/>
+              </a:path>
+            </a:pathLst>
+          </a:custGeom>
+        </p:spPr>
+      </p:sp>
+      <p:sp>
+        <p:nvSpPr>
+          <p:cNvPr id="67" name="Google Shape;67;gf17ddd57ad_0_0:notes"/>
+          <p:cNvSpPr txBox="1"/>
+          <p:nvPr>
+            <p:ph idx="1" type="body"/>
+          </p:nvPr>
+        </p:nvSpPr>
+        <p:spPr>
+          <a:xfrm>
+            <a:off x="914400" y="4343400"/>
+            <a:ext cx="5029200" cy="4114800"/>
+          </a:xfrm>
+          <a:prstGeom prst="rect">
+            <a:avLst/>
+          </a:prstGeom>
+        </p:spPr>
+        <p:txBody>
+          <a:bodyPr anchorCtr="0" anchor="t" bIns="45700" lIns="91425" spcFirstLastPara="1" rIns="91425" wrap="square" tIns="45700">
+            <a:noAutofit/>
+          </a:bodyPr>
+          <a:lstStyle/>
+          <a:p>
+            <a:pPr indent="0" lvl="0" marL="0" rtl="0" algn="l">
+              <a:spcBef>
+                <a:spcPts val="0"/>
+              </a:spcBef>
+              <a:spcAft>
+                <a:spcPts val="0"/>
+              </a:spcAft>
+              <a:buNone/>
+            </a:pPr>
+            <a:r>
+              <a:t/>
+            </a:r>
+            <a:endParaRPr/>
+          </a:p>
+        </p:txBody>
+      </p:sp>
+    </p:spTree>
+  </p:cSld>
+  <p:clrMapOvr>
+    <a:masterClrMapping/>
+  </p:clrMapOvr>
+</p:notes>
+</file>
+
+<file path=ppt/notesSlides/notesSlide3.xml><?xml version="1.0" encoding="utf-8"?>
+<p:notes xmlns:a="http://schemas.openxmlformats.org/drawingml/2006/main" xmlns:r="http://schemas.openxmlformats.org/officeDocument/2006/relationships" xmlns:mc="http://schemas.openxmlformats.org/markup-compatibility/2006" xmlns:mv="urn:schemas-microsoft-com:mac:vml" xmlns:p="http://schemas.openxmlformats.org/presentationml/2006/main" xmlns:c="http://schemas.openxmlformats.org/drawingml/2006/chart" xmlns:dgm="http://schemas.openxmlformats.org/drawingml/2006/diagram" xmlns:o="urn:schemas-microsoft-com:office:office" xmlns:v="urn:schemas-microsoft-com:vml" xmlns:pvml="urn:schemas-microsoft-com:office:powerpoint" xmlns:com="http://schemas.openxmlformats.org/drawingml/2006/compatibility" xmlns:p14="http://schemas.microsoft.com/office/powerpoint/2010/main" xmlns:p15="http://schemas.microsoft.com/office/powerpoint/2012/main" xmlns:ahyp="http://schemas.microsoft.com/office/drawing/2018/hyperlinkcolor" showMasterPhAnim="0" showMasterSp="0">
+  <p:cSld>
+    <p:spTree>
+      <p:nvGrpSpPr>
+        <p:cNvPr id="72" name="Shape 72"/>
+        <p:cNvGrpSpPr/>
+        <p:nvPr/>
+      </p:nvGrpSpPr>
+      <p:grpSpPr>
+        <a:xfrm>
+          <a:off x="0" y="0"/>
+          <a:ext cx="0" cy="0"/>
+          <a:chOff x="0" y="0"/>
+          <a:chExt cx="0" cy="0"/>
+        </a:xfrm>
+      </p:grpSpPr>
+      <p:sp>
+        <p:nvSpPr>
+          <p:cNvPr id="73" name="Google Shape;73;gf17ddd57ad_0_6:notes"/>
+          <p:cNvSpPr/>
+          <p:nvPr>
+            <p:ph idx="2" type="sldImg"/>
+          </p:nvPr>
+        </p:nvSpPr>
+        <p:spPr>
+          <a:xfrm>
+            <a:off x="1143000" y="685800"/>
+            <a:ext cx="4572000" cy="3429000"/>
+          </a:xfrm>
+          <a:custGeom>
+            <a:rect b="b" l="l" r="r" t="t"/>
+            <a:pathLst>
+              <a:path extrusionOk="0" h="120000" w="120000">
+                <a:moveTo>
+                  <a:pt x="0" y="0"/>
+                </a:moveTo>
+                <a:lnTo>
+                  <a:pt x="120000" y="0"/>
+                </a:lnTo>
+                <a:lnTo>
+                  <a:pt x="120000" y="120000"/>
+                </a:lnTo>
+                <a:lnTo>
+                  <a:pt x="0" y="120000"/>
+                </a:lnTo>
+                <a:close/>
+              </a:path>
+            </a:pathLst>
+          </a:custGeom>
+        </p:spPr>
+      </p:sp>
+      <p:sp>
+        <p:nvSpPr>
+          <p:cNvPr id="74" name="Google Shape;74;gf17ddd57ad_0_6:notes"/>
+          <p:cNvSpPr txBox="1"/>
+          <p:nvPr>
+            <p:ph idx="1" type="body"/>
+          </p:nvPr>
+        </p:nvSpPr>
+        <p:spPr>
+          <a:xfrm>
+            <a:off x="914400" y="4343400"/>
+            <a:ext cx="5029200" cy="4114800"/>
+          </a:xfrm>
+          <a:prstGeom prst="rect">
+            <a:avLst/>
+          </a:prstGeom>
+        </p:spPr>
+        <p:txBody>
+          <a:bodyPr anchorCtr="0" anchor="t" bIns="45700" lIns="91425" spcFirstLastPara="1" rIns="91425" wrap="square" tIns="45700">
+            <a:noAutofit/>
+          </a:bodyPr>
+          <a:lstStyle/>
+          <a:p>
+            <a:pPr indent="0" lvl="0" marL="0" rtl="0" algn="l">
+              <a:spcBef>
+                <a:spcPts val="0"/>
+              </a:spcBef>
+              <a:spcAft>
+                <a:spcPts val="0"/>
+              </a:spcAft>
+              <a:buNone/>
+            </a:pPr>
+            <a:r>
+              <a:t/>
+            </a:r>
+            <a:endParaRPr/>
+          </a:p>
+        </p:txBody>
+      </p:sp>
+    </p:spTree>
+  </p:cSld>
+  <p:clrMapOvr>
+    <a:masterClrMapping/>
+  </p:clrMapOvr>
+</p:notes>
+</file>
+
+<file path=ppt/notesSlides/notesSlide4.xml><?xml version="1.0" encoding="utf-8"?>
+<p:notes xmlns:a="http://schemas.openxmlformats.org/drawingml/2006/main" xmlns:r="http://schemas.openxmlformats.org/officeDocument/2006/relationships" xmlns:mc="http://schemas.openxmlformats.org/markup-compatibility/2006" xmlns:mv="urn:schemas-microsoft-com:mac:vml" xmlns:p="http://schemas.openxmlformats.org/presentationml/2006/main" xmlns:c="http://schemas.openxmlformats.org/drawingml/2006/chart" xmlns:dgm="http://schemas.openxmlformats.org/drawingml/2006/diagram" xmlns:o="urn:schemas-microsoft-com:office:office" xmlns:v="urn:schemas-microsoft-com:vml" xmlns:pvml="urn:schemas-microsoft-com:office:powerpoint" xmlns:com="http://schemas.openxmlformats.org/drawingml/2006/compatibility" xmlns:p14="http://schemas.microsoft.com/office/powerpoint/2010/main" xmlns:p15="http://schemas.microsoft.com/office/powerpoint/2012/main" xmlns:ahyp="http://schemas.microsoft.com/office/drawing/2018/hyperlinkcolor" showMasterPhAnim="0" showMasterSp="0">
+  <p:cSld>
+    <p:spTree>
+      <p:nvGrpSpPr>
+        <p:cNvPr id="79" name="Shape 79"/>
+        <p:cNvGrpSpPr/>
+        <p:nvPr/>
+      </p:nvGrpSpPr>
+      <p:grpSpPr>
+        <a:xfrm>
+          <a:off x="0" y="0"/>
+          <a:ext cx="0" cy="0"/>
+          <a:chOff x="0" y="0"/>
+          <a:chExt cx="0" cy="0"/>
+        </a:xfrm>
+      </p:grpSpPr>
+      <p:sp>
+        <p:nvSpPr>
+          <p:cNvPr id="80" name="Google Shape;80;gf17ddd57ad_0_12:notes"/>
+          <p:cNvSpPr/>
+          <p:nvPr>
+            <p:ph idx="2" type="sldImg"/>
+          </p:nvPr>
+        </p:nvSpPr>
+        <p:spPr>
+          <a:xfrm>
+            <a:off x="1143000" y="685800"/>
+            <a:ext cx="4572000" cy="3429000"/>
+          </a:xfrm>
+          <a:custGeom>
+            <a:rect b="b" l="l" r="r" t="t"/>
+            <a:pathLst>
+              <a:path extrusionOk="0" h="120000" w="120000">
+                <a:moveTo>
+                  <a:pt x="0" y="0"/>
+                </a:moveTo>
+                <a:lnTo>
+                  <a:pt x="120000" y="0"/>
+                </a:lnTo>
+                <a:lnTo>
+                  <a:pt x="120000" y="120000"/>
+                </a:lnTo>
+                <a:lnTo>
+                  <a:pt x="0" y="120000"/>
+                </a:lnTo>
+                <a:close/>
+              </a:path>
+            </a:pathLst>
+          </a:custGeom>
+        </p:spPr>
+      </p:sp>
+      <p:sp>
+        <p:nvSpPr>
+          <p:cNvPr id="81" name="Google Shape;81;gf17ddd57ad_0_12:notes"/>
+          <p:cNvSpPr txBox="1"/>
+          <p:nvPr>
+            <p:ph idx="1" type="body"/>
+          </p:nvPr>
+        </p:nvSpPr>
+        <p:spPr>
+          <a:xfrm>
+            <a:off x="914400" y="4343400"/>
+            <a:ext cx="5029200" cy="4114800"/>
+          </a:xfrm>
+          <a:prstGeom prst="rect">
+            <a:avLst/>
+          </a:prstGeom>
+        </p:spPr>
+        <p:txBody>
+          <a:bodyPr anchorCtr="0" anchor="t" bIns="45700" lIns="91425" spcFirstLastPara="1" rIns="91425" wrap="square" tIns="45700">
+            <a:noAutofit/>
+          </a:bodyPr>
+          <a:lstStyle/>
+          <a:p>
+            <a:pPr indent="0" lvl="0" marL="0" rtl="0" algn="l">
+              <a:spcBef>
+                <a:spcPts val="0"/>
+              </a:spcBef>
+              <a:spcAft>
+                <a:spcPts val="0"/>
+              </a:spcAft>
+              <a:buNone/>
+            </a:pPr>
+            <a:r>
+              <a:t/>
+            </a:r>
+            <a:endParaRPr/>
+          </a:p>
+        </p:txBody>
+      </p:sp>
+    </p:spTree>
+  </p:cSld>
+  <p:clrMapOvr>
+    <a:masterClrMapping/>
+  </p:clrMapOvr>
+</p:notes>
+</file>
+
+<file path=ppt/notesSlides/notesSlide5.xml><?xml version="1.0" encoding="utf-8"?>
+<p:notes xmlns:a="http://schemas.openxmlformats.org/drawingml/2006/main" xmlns:r="http://schemas.openxmlformats.org/officeDocument/2006/relationships" xmlns:mc="http://schemas.openxmlformats.org/markup-compatibility/2006" xmlns:mv="urn:schemas-microsoft-com:mac:vml" xmlns:p="http://schemas.openxmlformats.org/presentationml/2006/main" xmlns:c="http://schemas.openxmlformats.org/drawingml/2006/chart" xmlns:dgm="http://schemas.openxmlformats.org/drawingml/2006/diagram" xmlns:o="urn:schemas-microsoft-com:office:office" xmlns:v="urn:schemas-microsoft-com:vml" xmlns:pvml="urn:schemas-microsoft-com:office:powerpoint" xmlns:com="http://schemas.openxmlformats.org/drawingml/2006/compatibility" xmlns:p14="http://schemas.microsoft.com/office/powerpoint/2010/main" xmlns:p15="http://schemas.microsoft.com/office/powerpoint/2012/main" xmlns:ahyp="http://schemas.microsoft.com/office/drawing/2018/hyperlinkcolor" showMasterPhAnim="0" showMasterSp="0">
+  <p:cSld>
+    <p:spTree>
+      <p:nvGrpSpPr>
+        <p:cNvPr id="86" name="Shape 86"/>
+        <p:cNvGrpSpPr/>
+        <p:nvPr/>
+      </p:nvGrpSpPr>
+      <p:grpSpPr>
+        <a:xfrm>
+          <a:off x="0" y="0"/>
+          <a:ext cx="0" cy="0"/>
+          <a:chOff x="0" y="0"/>
+          <a:chExt cx="0" cy="0"/>
+        </a:xfrm>
+      </p:grpSpPr>
+      <p:sp>
+        <p:nvSpPr>
+          <p:cNvPr id="87" name="Google Shape;87;p2:notes"/>
           <p:cNvSpPr txBox="1"/>
           <p:nvPr>
             <p:ph idx="1" type="body"/>
@@ -1345,7 +1645,7 @@
       </p:sp>
       <p:sp>
         <p:nvSpPr>
-          <p:cNvPr id="93" name="Google Shape;93;p5:notes"/>
+          <p:cNvPr id="88" name="Google Shape;88;p2:notes"/>
           <p:cNvSpPr/>
           <p:nvPr>
             <p:ph idx="2" type="sldImg"/>
@@ -1395,7 +1695,7 @@
   <p:cSld>
     <p:spTree>
       <p:nvGrpSpPr>
-        <p:cNvPr id="98" name="Shape 98"/>
+        <p:cNvPr id="95" name="Shape 95"/>
         <p:cNvGrpSpPr/>
         <p:nvPr/>
       </p:nvGrpSpPr>
@@ -1409,7 +1709,7 @@
       </p:grpSpPr>
       <p:sp>
         <p:nvSpPr>
-          <p:cNvPr id="99" name="Google Shape;99;p6:notes"/>
+          <p:cNvPr id="96" name="Google Shape;96;p3:notes"/>
           <p:cNvSpPr txBox="1"/>
           <p:nvPr>
             <p:ph idx="1" type="body"/>
@@ -1456,7 +1756,7 @@
       </p:sp>
       <p:sp>
         <p:nvSpPr>
-          <p:cNvPr id="100" name="Google Shape;100;p6:notes"/>
+          <p:cNvPr id="97" name="Google Shape;97;p3:notes"/>
           <p:cNvSpPr/>
           <p:nvPr>
             <p:ph idx="2" type="sldImg"/>
@@ -1506,7 +1806,7 @@
   <p:cSld>
     <p:spTree>
       <p:nvGrpSpPr>
-        <p:cNvPr id="105" name="Shape 105"/>
+        <p:cNvPr id="104" name="Shape 104"/>
         <p:cNvGrpSpPr/>
         <p:nvPr/>
       </p:nvGrpSpPr>
@@ -1520,7 +1820,7 @@
       </p:grpSpPr>
       <p:sp>
         <p:nvSpPr>
-          <p:cNvPr id="106" name="Google Shape;106;p7:notes"/>
+          <p:cNvPr id="105" name="Google Shape;105;p4:notes"/>
           <p:cNvSpPr txBox="1"/>
           <p:nvPr>
             <p:ph idx="1" type="body"/>
@@ -1567,7 +1867,7 @@
       </p:sp>
       <p:sp>
         <p:nvSpPr>
-          <p:cNvPr id="107" name="Google Shape;107;p7:notes"/>
+          <p:cNvPr id="106" name="Google Shape;106;p4:notes"/>
           <p:cNvSpPr/>
           <p:nvPr>
             <p:ph idx="2" type="sldImg"/>
@@ -1617,7 +1917,7 @@
   <p:cSld>
     <p:spTree>
       <p:nvGrpSpPr>
-        <p:cNvPr id="113" name="Shape 113"/>
+        <p:cNvPr id="112" name="Shape 112"/>
         <p:cNvGrpSpPr/>
         <p:nvPr/>
       </p:nvGrpSpPr>
@@ -1631,7 +1931,7 @@
       </p:grpSpPr>
       <p:sp>
         <p:nvSpPr>
-          <p:cNvPr id="114" name="Google Shape;114;p8:notes"/>
+          <p:cNvPr id="113" name="Google Shape;113;p5:notes"/>
           <p:cNvSpPr txBox="1"/>
           <p:nvPr>
             <p:ph idx="1" type="body"/>
@@ -1678,7 +1978,7 @@
       </p:sp>
       <p:sp>
         <p:nvSpPr>
-          <p:cNvPr id="115" name="Google Shape;115;p8:notes"/>
+          <p:cNvPr id="114" name="Google Shape;114;p5:notes"/>
           <p:cNvSpPr/>
           <p:nvPr>
             <p:ph idx="2" type="sldImg"/>
@@ -1728,7 +2028,7 @@
   <p:cSld>
     <p:spTree>
       <p:nvGrpSpPr>
-        <p:cNvPr id="121" name="Shape 121"/>
+        <p:cNvPr id="119" name="Shape 119"/>
         <p:cNvGrpSpPr/>
         <p:nvPr/>
       </p:nvGrpSpPr>
@@ -1742,7 +2042,7 @@
       </p:grpSpPr>
       <p:sp>
         <p:nvSpPr>
-          <p:cNvPr id="122" name="Google Shape;122;p9:notes"/>
+          <p:cNvPr id="120" name="Google Shape;120;p6:notes"/>
           <p:cNvSpPr txBox="1"/>
           <p:nvPr>
             <p:ph idx="1" type="body"/>
@@ -1789,7 +2089,7 @@
       </p:sp>
       <p:sp>
         <p:nvSpPr>
-          <p:cNvPr id="123" name="Google Shape;123;p9:notes"/>
+          <p:cNvPr id="121" name="Google Shape;121;p6:notes"/>
           <p:cNvSpPr/>
           <p:nvPr>
             <p:ph idx="2" type="sldImg"/>
@@ -10811,6 +11111,2229 @@
 </p:sld>
 </file>
 
+<file path=ppt/slides/slide10.xml><?xml version="1.0" encoding="utf-8"?>
+<p:sld xmlns:a="http://schemas.openxmlformats.org/drawingml/2006/main" xmlns:r="http://schemas.openxmlformats.org/officeDocument/2006/relationships" xmlns:mc="http://schemas.openxmlformats.org/markup-compatibility/2006" xmlns:mv="urn:schemas-microsoft-com:mac:vml" xmlns:p="http://schemas.openxmlformats.org/presentationml/2006/main" xmlns:c="http://schemas.openxmlformats.org/drawingml/2006/chart" xmlns:dgm="http://schemas.openxmlformats.org/drawingml/2006/diagram" xmlns:o="urn:schemas-microsoft-com:office:office" xmlns:v="urn:schemas-microsoft-com:vml" xmlns:pvml="urn:schemas-microsoft-com:office:powerpoint" xmlns:com="http://schemas.openxmlformats.org/drawingml/2006/compatibility" xmlns:p14="http://schemas.microsoft.com/office/powerpoint/2010/main" xmlns:p15="http://schemas.microsoft.com/office/powerpoint/2012/main" xmlns:ahyp="http://schemas.microsoft.com/office/drawing/2018/hyperlinkcolor">
+  <p:cSld>
+    <p:spTree>
+      <p:nvGrpSpPr>
+        <p:cNvPr id="129" name="Shape 129"/>
+        <p:cNvGrpSpPr/>
+        <p:nvPr/>
+      </p:nvGrpSpPr>
+      <p:grpSpPr>
+        <a:xfrm>
+          <a:off x="0" y="0"/>
+          <a:ext cx="0" cy="0"/>
+          <a:chOff x="0" y="0"/>
+          <a:chExt cx="0" cy="0"/>
+        </a:xfrm>
+      </p:grpSpPr>
+      <p:sp>
+        <p:nvSpPr>
+          <p:cNvPr id="130" name="Google Shape;130;p7"/>
+          <p:cNvSpPr txBox="1"/>
+          <p:nvPr>
+            <p:ph type="title"/>
+          </p:nvPr>
+        </p:nvSpPr>
+        <p:spPr>
+          <a:xfrm>
+            <a:off x="311724" y="500924"/>
+            <a:ext cx="8520602" cy="623702"/>
+          </a:xfrm>
+          <a:prstGeom prst="rect">
+            <a:avLst/>
+          </a:prstGeom>
+          <a:noFill/>
+          <a:ln>
+            <a:noFill/>
+          </a:ln>
+        </p:spPr>
+        <p:txBody>
+          <a:bodyPr anchorCtr="0" anchor="t" bIns="91400" lIns="91400" spcFirstLastPara="1" rIns="91400" wrap="square" tIns="91400">
+            <a:normAutofit/>
+          </a:bodyPr>
+          <a:lstStyle/>
+          <a:p>
+            <a:pPr indent="0" lvl="0" marL="0" rtl="0" algn="l">
+              <a:lnSpc>
+                <a:spcPct val="100000"/>
+              </a:lnSpc>
+              <a:spcBef>
+                <a:spcPts val="0"/>
+              </a:spcBef>
+              <a:spcAft>
+                <a:spcPts val="0"/>
+              </a:spcAft>
+              <a:buClr>
+                <a:srgbClr val="FFFFFF"/>
+              </a:buClr>
+              <a:buSzPts val="2800"/>
+              <a:buFont typeface="Merriweather"/>
+              <a:buNone/>
+            </a:pPr>
+            <a:r>
+              <a:rPr b="0" i="0" lang="en-US" sz="2800" u="none" cap="none" strike="noStrike">
+                <a:solidFill>
+                  <a:srgbClr val="FFFFFF"/>
+                </a:solidFill>
+                <a:latin typeface="Merriweather"/>
+                <a:ea typeface="Merriweather"/>
+                <a:cs typeface="Merriweather"/>
+                <a:sym typeface="Merriweather"/>
+              </a:rPr>
+              <a:t>Foreign </a:t>
+            </a:r>
+            <a:r>
+              <a:rPr lang="en-US"/>
+              <a:t>k</a:t>
+            </a:r>
+            <a:r>
+              <a:rPr b="0" i="0" lang="en-US" sz="2800" u="none" cap="none" strike="noStrike">
+                <a:solidFill>
+                  <a:srgbClr val="FFFFFF"/>
+                </a:solidFill>
+                <a:latin typeface="Merriweather"/>
+                <a:ea typeface="Merriweather"/>
+                <a:cs typeface="Merriweather"/>
+                <a:sym typeface="Merriweather"/>
+              </a:rPr>
+              <a:t>ey </a:t>
+            </a:r>
+            <a:endParaRPr/>
+          </a:p>
+        </p:txBody>
+      </p:sp>
+      <p:sp>
+        <p:nvSpPr>
+          <p:cNvPr id="131" name="Google Shape;131;p7"/>
+          <p:cNvSpPr txBox="1"/>
+          <p:nvPr>
+            <p:ph idx="1" type="body"/>
+          </p:nvPr>
+        </p:nvSpPr>
+        <p:spPr>
+          <a:xfrm>
+            <a:off x="311700" y="2012275"/>
+            <a:ext cx="3999900" cy="2569500"/>
+          </a:xfrm>
+          <a:prstGeom prst="rect">
+            <a:avLst/>
+          </a:prstGeom>
+          <a:noFill/>
+          <a:ln cap="flat" cmpd="sng" w="9525">
+            <a:solidFill>
+              <a:srgbClr val="000000"/>
+            </a:solidFill>
+            <a:prstDash val="solid"/>
+            <a:round/>
+            <a:headEnd len="sm" w="sm" type="none"/>
+            <a:tailEnd len="sm" w="sm" type="none"/>
+          </a:ln>
+        </p:spPr>
+        <p:txBody>
+          <a:bodyPr anchorCtr="0" anchor="t" bIns="91400" lIns="91400" spcFirstLastPara="1" rIns="91400" wrap="square" tIns="91400">
+            <a:normAutofit lnSpcReduction="10000"/>
+          </a:bodyPr>
+          <a:lstStyle/>
+          <a:p>
+            <a:pPr indent="0" lvl="0" marL="0" rtl="0" algn="l">
+              <a:lnSpc>
+                <a:spcPct val="115000"/>
+              </a:lnSpc>
+              <a:spcBef>
+                <a:spcPts val="0"/>
+              </a:spcBef>
+              <a:spcAft>
+                <a:spcPts val="0"/>
+              </a:spcAft>
+              <a:buSzPts val="1300"/>
+              <a:buNone/>
+            </a:pPr>
+            <a:r>
+              <a:t/>
+            </a:r>
+            <a:endParaRPr sz="1600">
+              <a:solidFill>
+                <a:schemeClr val="dk1"/>
+              </a:solidFill>
+              <a:latin typeface="Arial"/>
+              <a:ea typeface="Arial"/>
+              <a:cs typeface="Arial"/>
+              <a:sym typeface="Arial"/>
+            </a:endParaRPr>
+          </a:p>
+          <a:p>
+            <a:pPr indent="0" lvl="0" marL="0" rtl="0" algn="l">
+              <a:lnSpc>
+                <a:spcPct val="115000"/>
+              </a:lnSpc>
+              <a:spcBef>
+                <a:spcPts val="0"/>
+              </a:spcBef>
+              <a:spcAft>
+                <a:spcPts val="0"/>
+              </a:spcAft>
+              <a:buSzPts val="1300"/>
+              <a:buNone/>
+            </a:pPr>
+            <a:r>
+              <a:t/>
+            </a:r>
+            <a:endParaRPr sz="1600">
+              <a:solidFill>
+                <a:schemeClr val="dk1"/>
+              </a:solidFill>
+              <a:latin typeface="Arial"/>
+              <a:ea typeface="Arial"/>
+              <a:cs typeface="Arial"/>
+              <a:sym typeface="Arial"/>
+            </a:endParaRPr>
+          </a:p>
+          <a:p>
+            <a:pPr indent="0" lvl="0" marL="0" rtl="0" algn="l">
+              <a:lnSpc>
+                <a:spcPct val="115000"/>
+              </a:lnSpc>
+              <a:spcBef>
+                <a:spcPts val="0"/>
+              </a:spcBef>
+              <a:spcAft>
+                <a:spcPts val="0"/>
+              </a:spcAft>
+              <a:buSzPts val="1300"/>
+              <a:buNone/>
+            </a:pPr>
+            <a:r>
+              <a:t/>
+            </a:r>
+            <a:endParaRPr sz="1600">
+              <a:solidFill>
+                <a:schemeClr val="dk1"/>
+              </a:solidFill>
+              <a:latin typeface="Arial"/>
+              <a:ea typeface="Arial"/>
+              <a:cs typeface="Arial"/>
+              <a:sym typeface="Arial"/>
+            </a:endParaRPr>
+          </a:p>
+          <a:p>
+            <a:pPr indent="0" lvl="0" marL="0" rtl="0" algn="l">
+              <a:lnSpc>
+                <a:spcPct val="115000"/>
+              </a:lnSpc>
+              <a:spcBef>
+                <a:spcPts val="0"/>
+              </a:spcBef>
+              <a:spcAft>
+                <a:spcPts val="0"/>
+              </a:spcAft>
+              <a:buSzPts val="1300"/>
+              <a:buNone/>
+            </a:pPr>
+            <a:r>
+              <a:rPr b="1" lang="en-US" sz="1600">
+                <a:solidFill>
+                  <a:srgbClr val="CC7832"/>
+                </a:solidFill>
+                <a:latin typeface="Courier New"/>
+                <a:ea typeface="Courier New"/>
+                <a:cs typeface="Courier New"/>
+                <a:sym typeface="Courier New"/>
+              </a:rPr>
+              <a:t>INSERT INTO </a:t>
+            </a:r>
+            <a:r>
+              <a:rPr b="1" lang="en-US" sz="1600">
+                <a:solidFill>
+                  <a:srgbClr val="A9B7C6"/>
+                </a:solidFill>
+                <a:latin typeface="Courier New"/>
+                <a:ea typeface="Courier New"/>
+                <a:cs typeface="Courier New"/>
+                <a:sym typeface="Courier New"/>
+              </a:rPr>
+              <a:t>Score </a:t>
+            </a:r>
+            <a:endParaRPr b="1" sz="1600">
+              <a:solidFill>
+                <a:srgbClr val="A9B7C6"/>
+              </a:solidFill>
+              <a:latin typeface="Courier New"/>
+              <a:ea typeface="Courier New"/>
+              <a:cs typeface="Courier New"/>
+              <a:sym typeface="Courier New"/>
+            </a:endParaRPr>
+          </a:p>
+          <a:p>
+            <a:pPr indent="0" lvl="0" marL="0" rtl="0" algn="l">
+              <a:lnSpc>
+                <a:spcPct val="115000"/>
+              </a:lnSpc>
+              <a:spcBef>
+                <a:spcPts val="0"/>
+              </a:spcBef>
+              <a:spcAft>
+                <a:spcPts val="0"/>
+              </a:spcAft>
+              <a:buSzPts val="1300"/>
+              <a:buNone/>
+            </a:pPr>
+            <a:r>
+              <a:rPr b="1" lang="en-US" sz="1600">
+                <a:solidFill>
+                  <a:srgbClr val="CC7832"/>
+                </a:solidFill>
+                <a:latin typeface="Courier New"/>
+                <a:ea typeface="Courier New"/>
+                <a:cs typeface="Courier New"/>
+                <a:sym typeface="Courier New"/>
+              </a:rPr>
+              <a:t>VALUES</a:t>
+            </a:r>
+            <a:endParaRPr b="1" sz="1600">
+              <a:solidFill>
+                <a:srgbClr val="CC7832"/>
+              </a:solidFill>
+              <a:latin typeface="Courier New"/>
+              <a:ea typeface="Courier New"/>
+              <a:cs typeface="Courier New"/>
+              <a:sym typeface="Courier New"/>
+            </a:endParaRPr>
+          </a:p>
+          <a:p>
+            <a:pPr indent="0" lvl="0" marL="0" rtl="0" algn="l">
+              <a:lnSpc>
+                <a:spcPct val="115000"/>
+              </a:lnSpc>
+              <a:spcBef>
+                <a:spcPts val="0"/>
+              </a:spcBef>
+              <a:spcAft>
+                <a:spcPts val="0"/>
+              </a:spcAft>
+              <a:buSzPts val="1300"/>
+              <a:buNone/>
+            </a:pPr>
+            <a:r>
+              <a:rPr b="1" lang="en-US" sz="1600">
+                <a:solidFill>
+                  <a:srgbClr val="A9B7C6"/>
+                </a:solidFill>
+                <a:latin typeface="Courier New"/>
+                <a:ea typeface="Courier New"/>
+                <a:cs typeface="Courier New"/>
+                <a:sym typeface="Courier New"/>
+              </a:rPr>
+              <a:t>(</a:t>
+            </a:r>
+            <a:r>
+              <a:rPr b="1" lang="en-US" sz="1600">
+                <a:solidFill>
+                  <a:srgbClr val="6897BB"/>
+                </a:solidFill>
+                <a:latin typeface="Courier New"/>
+                <a:ea typeface="Courier New"/>
+                <a:cs typeface="Courier New"/>
+                <a:sym typeface="Courier New"/>
+              </a:rPr>
+              <a:t>4</a:t>
+            </a:r>
+            <a:r>
+              <a:rPr b="1" lang="en-US" sz="1600">
+                <a:solidFill>
+                  <a:srgbClr val="CC7832"/>
+                </a:solidFill>
+                <a:latin typeface="Courier New"/>
+                <a:ea typeface="Courier New"/>
+                <a:cs typeface="Courier New"/>
+                <a:sym typeface="Courier New"/>
+              </a:rPr>
+              <a:t>,</a:t>
+            </a:r>
+            <a:r>
+              <a:rPr b="1" lang="en-US" sz="1600">
+                <a:solidFill>
+                  <a:srgbClr val="6897BB"/>
+                </a:solidFill>
+                <a:latin typeface="Courier New"/>
+                <a:ea typeface="Courier New"/>
+                <a:cs typeface="Courier New"/>
+                <a:sym typeface="Courier New"/>
+              </a:rPr>
+              <a:t>66</a:t>
+            </a:r>
+            <a:r>
+              <a:rPr b="1" lang="en-US" sz="1600">
+                <a:solidFill>
+                  <a:srgbClr val="CC7832"/>
+                </a:solidFill>
+                <a:latin typeface="Courier New"/>
+                <a:ea typeface="Courier New"/>
+                <a:cs typeface="Courier New"/>
+                <a:sym typeface="Courier New"/>
+              </a:rPr>
+              <a:t>,</a:t>
+            </a:r>
+            <a:r>
+              <a:rPr b="1" lang="en-US" sz="1600">
+                <a:solidFill>
+                  <a:srgbClr val="6897BB"/>
+                </a:solidFill>
+                <a:latin typeface="Courier New"/>
+                <a:ea typeface="Courier New"/>
+                <a:cs typeface="Courier New"/>
+                <a:sym typeface="Courier New"/>
+              </a:rPr>
+              <a:t>78</a:t>
+            </a:r>
+            <a:r>
+              <a:rPr b="1" lang="en-US" sz="1600">
+                <a:solidFill>
+                  <a:srgbClr val="A9B7C6"/>
+                </a:solidFill>
+                <a:latin typeface="Courier New"/>
+                <a:ea typeface="Courier New"/>
+                <a:cs typeface="Courier New"/>
+                <a:sym typeface="Courier New"/>
+              </a:rPr>
+              <a:t>)</a:t>
+            </a:r>
+            <a:r>
+              <a:rPr b="1" lang="en-US" sz="1600">
+                <a:solidFill>
+                  <a:srgbClr val="CC7832"/>
+                </a:solidFill>
+                <a:latin typeface="Courier New"/>
+                <a:ea typeface="Courier New"/>
+                <a:cs typeface="Courier New"/>
+                <a:sym typeface="Courier New"/>
+              </a:rPr>
+              <a:t>;</a:t>
+            </a:r>
+            <a:endParaRPr b="1" sz="1600">
+              <a:solidFill>
+                <a:srgbClr val="CC7832"/>
+              </a:solidFill>
+              <a:latin typeface="Courier New"/>
+              <a:ea typeface="Courier New"/>
+              <a:cs typeface="Courier New"/>
+              <a:sym typeface="Courier New"/>
+            </a:endParaRPr>
+          </a:p>
+          <a:p>
+            <a:pPr indent="0" lvl="0" marL="0" rtl="0" algn="l">
+              <a:lnSpc>
+                <a:spcPct val="115000"/>
+              </a:lnSpc>
+              <a:spcBef>
+                <a:spcPts val="0"/>
+              </a:spcBef>
+              <a:spcAft>
+                <a:spcPts val="0"/>
+              </a:spcAft>
+              <a:buSzPts val="1300"/>
+              <a:buNone/>
+            </a:pPr>
+            <a:r>
+              <a:t/>
+            </a:r>
+            <a:endParaRPr b="1" sz="1600">
+              <a:solidFill>
+                <a:srgbClr val="CC7832"/>
+              </a:solidFill>
+              <a:latin typeface="Courier New"/>
+              <a:ea typeface="Courier New"/>
+              <a:cs typeface="Courier New"/>
+              <a:sym typeface="Courier New"/>
+            </a:endParaRPr>
+          </a:p>
+          <a:p>
+            <a:pPr indent="0" lvl="0" marL="0" rtl="0" algn="l">
+              <a:lnSpc>
+                <a:spcPct val="115000"/>
+              </a:lnSpc>
+              <a:spcBef>
+                <a:spcPts val="0"/>
+              </a:spcBef>
+              <a:spcAft>
+                <a:spcPts val="0"/>
+              </a:spcAft>
+              <a:buSzPts val="1300"/>
+              <a:buNone/>
+            </a:pPr>
+            <a:r>
+              <a:t/>
+            </a:r>
+            <a:endParaRPr b="1" sz="1600">
+              <a:solidFill>
+                <a:srgbClr val="CC7832"/>
+              </a:solidFill>
+              <a:latin typeface="Courier New"/>
+              <a:ea typeface="Courier New"/>
+              <a:cs typeface="Courier New"/>
+              <a:sym typeface="Courier New"/>
+            </a:endParaRPr>
+          </a:p>
+          <a:p>
+            <a:pPr indent="0" lvl="0" marL="0" rtl="0" algn="l">
+              <a:lnSpc>
+                <a:spcPct val="115000"/>
+              </a:lnSpc>
+              <a:spcBef>
+                <a:spcPts val="0"/>
+              </a:spcBef>
+              <a:spcAft>
+                <a:spcPts val="0"/>
+              </a:spcAft>
+              <a:buSzPts val="1300"/>
+              <a:buNone/>
+            </a:pPr>
+            <a:r>
+              <a:t/>
+            </a:r>
+            <a:endParaRPr sz="1600">
+              <a:solidFill>
+                <a:schemeClr val="dk1"/>
+              </a:solidFill>
+              <a:latin typeface="Arial"/>
+              <a:ea typeface="Arial"/>
+              <a:cs typeface="Arial"/>
+              <a:sym typeface="Arial"/>
+            </a:endParaRPr>
+          </a:p>
+        </p:txBody>
+      </p:sp>
+      <p:sp>
+        <p:nvSpPr>
+          <p:cNvPr id="132" name="Google Shape;132;p7"/>
+          <p:cNvSpPr txBox="1"/>
+          <p:nvPr>
+            <p:ph idx="2" type="body"/>
+          </p:nvPr>
+        </p:nvSpPr>
+        <p:spPr>
+          <a:xfrm>
+            <a:off x="4832399" y="1505699"/>
+            <a:ext cx="3999902" cy="3076201"/>
+          </a:xfrm>
+          <a:prstGeom prst="rect">
+            <a:avLst/>
+          </a:prstGeom>
+          <a:noFill/>
+          <a:ln cap="flat" cmpd="sng" w="9525">
+            <a:solidFill>
+              <a:srgbClr val="000000"/>
+            </a:solidFill>
+            <a:prstDash val="solid"/>
+            <a:round/>
+            <a:headEnd len="sm" w="sm" type="none"/>
+            <a:tailEnd len="sm" w="sm" type="none"/>
+          </a:ln>
+        </p:spPr>
+        <p:txBody>
+          <a:bodyPr anchorCtr="0" anchor="t" bIns="91400" lIns="91400" spcFirstLastPara="1" rIns="91400" wrap="square" tIns="91400">
+            <a:normAutofit/>
+          </a:bodyPr>
+          <a:lstStyle/>
+          <a:p>
+            <a:pPr indent="0" lvl="0" marL="0" rtl="0" algn="l">
+              <a:lnSpc>
+                <a:spcPct val="115000"/>
+              </a:lnSpc>
+              <a:spcBef>
+                <a:spcPts val="0"/>
+              </a:spcBef>
+              <a:spcAft>
+                <a:spcPts val="0"/>
+              </a:spcAft>
+              <a:buSzPts val="1300"/>
+              <a:buNone/>
+            </a:pPr>
+            <a:r>
+              <a:rPr lang="en-US" sz="1350">
+                <a:solidFill>
+                  <a:srgbClr val="FF0000"/>
+                </a:solidFill>
+                <a:latin typeface="Source Code Pro"/>
+                <a:ea typeface="Source Code Pro"/>
+                <a:cs typeface="Source Code Pro"/>
+                <a:sym typeface="Source Code Pro"/>
+              </a:rPr>
+              <a:t>ERROR: insert or update on table "score" violates foreign key constraint "score_id_fkey"</a:t>
+            </a:r>
+            <a:endParaRPr sz="1350">
+              <a:solidFill>
+                <a:srgbClr val="FF0000"/>
+              </a:solidFill>
+              <a:latin typeface="Source Code Pro"/>
+              <a:ea typeface="Source Code Pro"/>
+              <a:cs typeface="Source Code Pro"/>
+              <a:sym typeface="Source Code Pro"/>
+            </a:endParaRPr>
+          </a:p>
+          <a:p>
+            <a:pPr indent="0" lvl="0" marL="0" rtl="0" algn="l">
+              <a:lnSpc>
+                <a:spcPct val="115000"/>
+              </a:lnSpc>
+              <a:spcBef>
+                <a:spcPts val="0"/>
+              </a:spcBef>
+              <a:spcAft>
+                <a:spcPts val="0"/>
+              </a:spcAft>
+              <a:buSzPts val="1300"/>
+              <a:buNone/>
+            </a:pPr>
+            <a:r>
+              <a:t/>
+            </a:r>
+            <a:endParaRPr sz="1350">
+              <a:solidFill>
+                <a:srgbClr val="FF0000"/>
+              </a:solidFill>
+              <a:latin typeface="Source Code Pro"/>
+              <a:ea typeface="Source Code Pro"/>
+              <a:cs typeface="Source Code Pro"/>
+              <a:sym typeface="Source Code Pro"/>
+            </a:endParaRPr>
+          </a:p>
+          <a:p>
+            <a:pPr indent="0" lvl="0" marL="0" rtl="0" algn="l">
+              <a:lnSpc>
+                <a:spcPct val="115000"/>
+              </a:lnSpc>
+              <a:spcBef>
+                <a:spcPts val="0"/>
+              </a:spcBef>
+              <a:spcAft>
+                <a:spcPts val="0"/>
+              </a:spcAft>
+              <a:buSzPts val="1300"/>
+              <a:buNone/>
+            </a:pPr>
+            <a:r>
+              <a:rPr lang="en-US" sz="1350">
+                <a:solidFill>
+                  <a:srgbClr val="FF0000"/>
+                </a:solidFill>
+                <a:latin typeface="Source Code Pro"/>
+                <a:ea typeface="Source Code Pro"/>
+                <a:cs typeface="Source Code Pro"/>
+                <a:sym typeface="Source Code Pro"/>
+              </a:rPr>
+              <a:t>Detail: Key (id)=(4) is not present in table "student".</a:t>
+            </a:r>
+            <a:endParaRPr sz="1350">
+              <a:solidFill>
+                <a:srgbClr val="FF0000"/>
+              </a:solidFill>
+              <a:latin typeface="Source Code Pro"/>
+              <a:ea typeface="Source Code Pro"/>
+              <a:cs typeface="Source Code Pro"/>
+              <a:sym typeface="Source Code Pro"/>
+            </a:endParaRPr>
+          </a:p>
+          <a:p>
+            <a:pPr indent="0" lvl="0" marL="0" rtl="0" algn="l">
+              <a:lnSpc>
+                <a:spcPct val="115000"/>
+              </a:lnSpc>
+              <a:spcBef>
+                <a:spcPts val="0"/>
+              </a:spcBef>
+              <a:spcAft>
+                <a:spcPts val="0"/>
+              </a:spcAft>
+              <a:buClr>
+                <a:srgbClr val="666666"/>
+              </a:buClr>
+              <a:buSzPts val="1300"/>
+              <a:buFont typeface="Roboto"/>
+              <a:buNone/>
+            </a:pPr>
+            <a:r>
+              <a:t/>
+            </a:r>
+            <a:endParaRPr sz="1350">
+              <a:latin typeface="Source Code Pro"/>
+              <a:ea typeface="Source Code Pro"/>
+              <a:cs typeface="Source Code Pro"/>
+              <a:sym typeface="Source Code Pro"/>
+            </a:endParaRPr>
+          </a:p>
+          <a:p>
+            <a:pPr indent="0" lvl="0" marL="0" rtl="0" algn="l">
+              <a:lnSpc>
+                <a:spcPct val="115000"/>
+              </a:lnSpc>
+              <a:spcBef>
+                <a:spcPts val="0"/>
+              </a:spcBef>
+              <a:spcAft>
+                <a:spcPts val="0"/>
+              </a:spcAft>
+              <a:buSzPts val="1300"/>
+              <a:buNone/>
+            </a:pPr>
+            <a:r>
+              <a:t/>
+            </a:r>
+            <a:endParaRPr sz="1350">
+              <a:latin typeface="Source Code Pro"/>
+              <a:ea typeface="Source Code Pro"/>
+              <a:cs typeface="Source Code Pro"/>
+              <a:sym typeface="Source Code Pro"/>
+            </a:endParaRPr>
+          </a:p>
+        </p:txBody>
+      </p:sp>
+      <p:sp>
+        <p:nvSpPr>
+          <p:cNvPr id="133" name="Google Shape;133;p7"/>
+          <p:cNvSpPr txBox="1"/>
+          <p:nvPr/>
+        </p:nvSpPr>
+        <p:spPr>
+          <a:xfrm>
+            <a:off x="311700" y="1551525"/>
+            <a:ext cx="3999900" cy="400200"/>
+          </a:xfrm>
+          <a:prstGeom prst="rect">
+            <a:avLst/>
+          </a:prstGeom>
+          <a:noFill/>
+          <a:ln>
+            <a:noFill/>
+          </a:ln>
+        </p:spPr>
+        <p:txBody>
+          <a:bodyPr anchorCtr="0" anchor="t" bIns="91425" lIns="91425" spcFirstLastPara="1" rIns="91425" wrap="square" tIns="91425">
+            <a:spAutoFit/>
+          </a:bodyPr>
+          <a:lstStyle/>
+          <a:p>
+            <a:pPr indent="0" lvl="0" marL="0" marR="0" rtl="0" algn="l">
+              <a:lnSpc>
+                <a:spcPct val="100000"/>
+              </a:lnSpc>
+              <a:spcBef>
+                <a:spcPts val="0"/>
+              </a:spcBef>
+              <a:spcAft>
+                <a:spcPts val="0"/>
+              </a:spcAft>
+              <a:buClr>
+                <a:srgbClr val="000000"/>
+              </a:buClr>
+              <a:buSzPts val="1400"/>
+              <a:buFont typeface="Arial"/>
+              <a:buNone/>
+            </a:pPr>
+            <a:r>
+              <a:rPr b="0" i="0" lang="en-US" sz="1400" u="none" cap="none" strike="noStrike">
+                <a:solidFill>
+                  <a:srgbClr val="000000"/>
+                </a:solidFill>
+                <a:latin typeface="Roboto"/>
+                <a:ea typeface="Roboto"/>
+                <a:cs typeface="Roboto"/>
+                <a:sym typeface="Roboto"/>
+              </a:rPr>
+              <a:t>Prevents insertion of invalid values</a:t>
+            </a:r>
+            <a:endParaRPr b="0" i="0" sz="1400" u="none" cap="none" strike="noStrike">
+              <a:solidFill>
+                <a:srgbClr val="000000"/>
+              </a:solidFill>
+              <a:latin typeface="Roboto"/>
+              <a:ea typeface="Roboto"/>
+              <a:cs typeface="Roboto"/>
+              <a:sym typeface="Roboto"/>
+            </a:endParaRPr>
+          </a:p>
+        </p:txBody>
+      </p:sp>
+    </p:spTree>
+  </p:cSld>
+  <p:clrMapOvr>
+    <a:masterClrMapping/>
+  </p:clrMapOvr>
+</p:sld>
+</file>
+
+<file path=ppt/slides/slide11.xml><?xml version="1.0" encoding="utf-8"?>
+<p:sld xmlns:a="http://schemas.openxmlformats.org/drawingml/2006/main" xmlns:r="http://schemas.openxmlformats.org/officeDocument/2006/relationships" xmlns:mc="http://schemas.openxmlformats.org/markup-compatibility/2006" xmlns:mv="urn:schemas-microsoft-com:mac:vml" xmlns:p="http://schemas.openxmlformats.org/presentationml/2006/main" xmlns:c="http://schemas.openxmlformats.org/drawingml/2006/chart" xmlns:dgm="http://schemas.openxmlformats.org/drawingml/2006/diagram" xmlns:o="urn:schemas-microsoft-com:office:office" xmlns:v="urn:schemas-microsoft-com:vml" xmlns:pvml="urn:schemas-microsoft-com:office:powerpoint" xmlns:com="http://schemas.openxmlformats.org/drawingml/2006/compatibility" xmlns:p14="http://schemas.microsoft.com/office/powerpoint/2010/main" xmlns:p15="http://schemas.microsoft.com/office/powerpoint/2012/main" xmlns:ahyp="http://schemas.microsoft.com/office/drawing/2018/hyperlinkcolor">
+  <p:cSld>
+    <p:spTree>
+      <p:nvGrpSpPr>
+        <p:cNvPr id="137" name="Shape 137"/>
+        <p:cNvGrpSpPr/>
+        <p:nvPr/>
+      </p:nvGrpSpPr>
+      <p:grpSpPr>
+        <a:xfrm>
+          <a:off x="0" y="0"/>
+          <a:ext cx="0" cy="0"/>
+          <a:chOff x="0" y="0"/>
+          <a:chExt cx="0" cy="0"/>
+        </a:xfrm>
+      </p:grpSpPr>
+      <p:sp>
+        <p:nvSpPr>
+          <p:cNvPr id="138" name="Google Shape;138;p8"/>
+          <p:cNvSpPr txBox="1"/>
+          <p:nvPr>
+            <p:ph type="title"/>
+          </p:nvPr>
+        </p:nvSpPr>
+        <p:spPr>
+          <a:xfrm>
+            <a:off x="311724" y="500924"/>
+            <a:ext cx="8520602" cy="623702"/>
+          </a:xfrm>
+          <a:prstGeom prst="rect">
+            <a:avLst/>
+          </a:prstGeom>
+          <a:noFill/>
+          <a:ln>
+            <a:noFill/>
+          </a:ln>
+        </p:spPr>
+        <p:txBody>
+          <a:bodyPr anchorCtr="0" anchor="t" bIns="91400" lIns="91400" spcFirstLastPara="1" rIns="91400" wrap="square" tIns="91400">
+            <a:normAutofit/>
+          </a:bodyPr>
+          <a:lstStyle/>
+          <a:p>
+            <a:pPr indent="0" lvl="0" marL="0" rtl="0" algn="l">
+              <a:lnSpc>
+                <a:spcPct val="100000"/>
+              </a:lnSpc>
+              <a:spcBef>
+                <a:spcPts val="0"/>
+              </a:spcBef>
+              <a:spcAft>
+                <a:spcPts val="0"/>
+              </a:spcAft>
+              <a:buClr>
+                <a:srgbClr val="FFFFFF"/>
+              </a:buClr>
+              <a:buSzPts val="2800"/>
+              <a:buFont typeface="Merriweather"/>
+              <a:buNone/>
+            </a:pPr>
+            <a:r>
+              <a:rPr b="0" i="0" lang="en-US" sz="2800" u="none" cap="none" strike="noStrike">
+                <a:solidFill>
+                  <a:srgbClr val="FFFFFF"/>
+                </a:solidFill>
+                <a:latin typeface="Merriweather"/>
+                <a:ea typeface="Merriweather"/>
+                <a:cs typeface="Merriweather"/>
+                <a:sym typeface="Merriweather"/>
+              </a:rPr>
+              <a:t>Unique key</a:t>
+            </a:r>
+            <a:endParaRPr/>
+          </a:p>
+        </p:txBody>
+      </p:sp>
+      <p:sp>
+        <p:nvSpPr>
+          <p:cNvPr id="139" name="Google Shape;139;p8"/>
+          <p:cNvSpPr txBox="1"/>
+          <p:nvPr>
+            <p:ph idx="1" type="body"/>
+          </p:nvPr>
+        </p:nvSpPr>
+        <p:spPr>
+          <a:xfrm>
+            <a:off x="311724" y="1505699"/>
+            <a:ext cx="3999902" cy="3076201"/>
+          </a:xfrm>
+          <a:prstGeom prst="rect">
+            <a:avLst/>
+          </a:prstGeom>
+          <a:noFill/>
+          <a:ln cap="flat" cmpd="sng" w="9525">
+            <a:solidFill>
+              <a:srgbClr val="000000"/>
+            </a:solidFill>
+            <a:prstDash val="solid"/>
+            <a:round/>
+            <a:headEnd len="sm" w="sm" type="none"/>
+            <a:tailEnd len="sm" w="sm" type="none"/>
+          </a:ln>
+        </p:spPr>
+        <p:txBody>
+          <a:bodyPr anchorCtr="0" anchor="t" bIns="91400" lIns="91400" spcFirstLastPara="1" rIns="91400" wrap="square" tIns="91400">
+            <a:normAutofit/>
+          </a:bodyPr>
+          <a:lstStyle/>
+          <a:p>
+            <a:pPr indent="0" lvl="0" marL="0" rtl="0" algn="l">
+              <a:lnSpc>
+                <a:spcPct val="115000"/>
+              </a:lnSpc>
+              <a:spcBef>
+                <a:spcPts val="1200"/>
+              </a:spcBef>
+              <a:spcAft>
+                <a:spcPts val="0"/>
+              </a:spcAft>
+              <a:buSzPts val="1300"/>
+              <a:buNone/>
+            </a:pPr>
+            <a:r>
+              <a:rPr b="1" lang="en-US" sz="1600">
+                <a:solidFill>
+                  <a:srgbClr val="CC7832"/>
+                </a:solidFill>
+                <a:latin typeface="Courier New"/>
+                <a:ea typeface="Courier New"/>
+                <a:cs typeface="Courier New"/>
+                <a:sym typeface="Courier New"/>
+              </a:rPr>
+              <a:t>CREATE TABLE </a:t>
+            </a:r>
+            <a:r>
+              <a:rPr b="1" lang="en-US" sz="1600">
+                <a:solidFill>
+                  <a:srgbClr val="A9B7C6"/>
+                </a:solidFill>
+                <a:latin typeface="Courier New"/>
+                <a:ea typeface="Courier New"/>
+                <a:cs typeface="Courier New"/>
+                <a:sym typeface="Courier New"/>
+              </a:rPr>
+              <a:t>Student</a:t>
+            </a:r>
+            <a:endParaRPr b="1" sz="1600">
+              <a:solidFill>
+                <a:srgbClr val="A9B7C6"/>
+              </a:solidFill>
+              <a:latin typeface="Courier New"/>
+              <a:ea typeface="Courier New"/>
+              <a:cs typeface="Courier New"/>
+              <a:sym typeface="Courier New"/>
+            </a:endParaRPr>
+          </a:p>
+          <a:p>
+            <a:pPr indent="0" lvl="0" marL="0" rtl="0" algn="l">
+              <a:lnSpc>
+                <a:spcPct val="115000"/>
+              </a:lnSpc>
+              <a:spcBef>
+                <a:spcPts val="1200"/>
+              </a:spcBef>
+              <a:spcAft>
+                <a:spcPts val="0"/>
+              </a:spcAft>
+              <a:buSzPts val="1300"/>
+              <a:buNone/>
+            </a:pPr>
+            <a:r>
+              <a:rPr b="1" lang="en-US" sz="1600">
+                <a:solidFill>
+                  <a:srgbClr val="A9B7C6"/>
+                </a:solidFill>
+                <a:latin typeface="Courier New"/>
+                <a:ea typeface="Courier New"/>
+                <a:cs typeface="Courier New"/>
+                <a:sym typeface="Courier New"/>
+              </a:rPr>
+              <a:t>(</a:t>
+            </a:r>
+            <a:r>
+              <a:rPr b="1" lang="en-US" sz="1600">
+                <a:solidFill>
+                  <a:srgbClr val="9876AA"/>
+                </a:solidFill>
+                <a:latin typeface="Courier New"/>
+                <a:ea typeface="Courier New"/>
+                <a:cs typeface="Courier New"/>
+                <a:sym typeface="Courier New"/>
+              </a:rPr>
+              <a:t>student_id </a:t>
+            </a:r>
+            <a:r>
+              <a:rPr b="1" lang="en-US" sz="1600">
+                <a:solidFill>
+                  <a:srgbClr val="CC7832"/>
+                </a:solidFill>
+                <a:latin typeface="Courier New"/>
+                <a:ea typeface="Courier New"/>
+                <a:cs typeface="Courier New"/>
+                <a:sym typeface="Courier New"/>
+              </a:rPr>
+              <a:t>INTEGER,</a:t>
+            </a:r>
+            <a:endParaRPr b="1" sz="1600">
+              <a:solidFill>
+                <a:srgbClr val="CC7832"/>
+              </a:solidFill>
+              <a:latin typeface="Courier New"/>
+              <a:ea typeface="Courier New"/>
+              <a:cs typeface="Courier New"/>
+              <a:sym typeface="Courier New"/>
+            </a:endParaRPr>
+          </a:p>
+          <a:p>
+            <a:pPr indent="0" lvl="0" marL="0" rtl="0" algn="l">
+              <a:lnSpc>
+                <a:spcPct val="115000"/>
+              </a:lnSpc>
+              <a:spcBef>
+                <a:spcPts val="1200"/>
+              </a:spcBef>
+              <a:spcAft>
+                <a:spcPts val="0"/>
+              </a:spcAft>
+              <a:buSzPts val="1300"/>
+              <a:buNone/>
+            </a:pPr>
+            <a:r>
+              <a:rPr b="1" lang="en-US" sz="1600">
+                <a:solidFill>
+                  <a:srgbClr val="9876AA"/>
+                </a:solidFill>
+                <a:latin typeface="Courier New"/>
+                <a:ea typeface="Courier New"/>
+                <a:cs typeface="Courier New"/>
+                <a:sym typeface="Courier New"/>
+              </a:rPr>
+              <a:t>first_name </a:t>
+            </a:r>
+            <a:r>
+              <a:rPr b="1" lang="en-US" sz="1600">
+                <a:solidFill>
+                  <a:srgbClr val="CC7832"/>
+                </a:solidFill>
+                <a:latin typeface="Courier New"/>
+                <a:ea typeface="Courier New"/>
+                <a:cs typeface="Courier New"/>
+                <a:sym typeface="Courier New"/>
+              </a:rPr>
+              <a:t>varchar,</a:t>
+            </a:r>
+            <a:endParaRPr b="1" sz="1600">
+              <a:solidFill>
+                <a:srgbClr val="CC7832"/>
+              </a:solidFill>
+              <a:latin typeface="Courier New"/>
+              <a:ea typeface="Courier New"/>
+              <a:cs typeface="Courier New"/>
+              <a:sym typeface="Courier New"/>
+            </a:endParaRPr>
+          </a:p>
+          <a:p>
+            <a:pPr indent="0" lvl="0" marL="0" rtl="0" algn="l">
+              <a:lnSpc>
+                <a:spcPct val="115000"/>
+              </a:lnSpc>
+              <a:spcBef>
+                <a:spcPts val="1200"/>
+              </a:spcBef>
+              <a:spcAft>
+                <a:spcPts val="0"/>
+              </a:spcAft>
+              <a:buSzPts val="1300"/>
+              <a:buNone/>
+            </a:pPr>
+            <a:r>
+              <a:rPr b="1" lang="en-US" sz="1600">
+                <a:solidFill>
+                  <a:srgbClr val="9876AA"/>
+                </a:solidFill>
+                <a:latin typeface="Courier New"/>
+                <a:ea typeface="Courier New"/>
+                <a:cs typeface="Courier New"/>
+                <a:sym typeface="Courier New"/>
+              </a:rPr>
+              <a:t>last_name </a:t>
+            </a:r>
+            <a:r>
+              <a:rPr b="1" lang="en-US" sz="1600">
+                <a:solidFill>
+                  <a:srgbClr val="CC7832"/>
+                </a:solidFill>
+                <a:latin typeface="Courier New"/>
+                <a:ea typeface="Courier New"/>
+                <a:cs typeface="Courier New"/>
+                <a:sym typeface="Courier New"/>
+              </a:rPr>
+              <a:t>varchar,</a:t>
+            </a:r>
+            <a:endParaRPr b="1" sz="1600">
+              <a:solidFill>
+                <a:srgbClr val="CC7832"/>
+              </a:solidFill>
+              <a:latin typeface="Courier New"/>
+              <a:ea typeface="Courier New"/>
+              <a:cs typeface="Courier New"/>
+              <a:sym typeface="Courier New"/>
+            </a:endParaRPr>
+          </a:p>
+          <a:p>
+            <a:pPr indent="0" lvl="0" marL="0" rtl="0" algn="l">
+              <a:lnSpc>
+                <a:spcPct val="115000"/>
+              </a:lnSpc>
+              <a:spcBef>
+                <a:spcPts val="1200"/>
+              </a:spcBef>
+              <a:spcAft>
+                <a:spcPts val="0"/>
+              </a:spcAft>
+              <a:buSzPts val="1300"/>
+              <a:buNone/>
+            </a:pPr>
+            <a:r>
+              <a:rPr b="1" lang="en-US" sz="1600">
+                <a:solidFill>
+                  <a:srgbClr val="CC7832"/>
+                </a:solidFill>
+                <a:latin typeface="Courier New"/>
+                <a:ea typeface="Courier New"/>
+                <a:cs typeface="Courier New"/>
+                <a:sym typeface="Courier New"/>
+              </a:rPr>
+              <a:t>UNIQUE KEY </a:t>
+            </a:r>
+            <a:r>
+              <a:rPr b="1" lang="en-US" sz="1600">
+                <a:solidFill>
+                  <a:srgbClr val="A9B7C6"/>
+                </a:solidFill>
+                <a:latin typeface="Courier New"/>
+                <a:ea typeface="Courier New"/>
+                <a:cs typeface="Courier New"/>
+                <a:sym typeface="Courier New"/>
+              </a:rPr>
+              <a:t>(student_id))</a:t>
+            </a:r>
+            <a:r>
+              <a:rPr b="1" lang="en-US" sz="1600">
+                <a:solidFill>
+                  <a:srgbClr val="CC7832"/>
+                </a:solidFill>
+                <a:latin typeface="Courier New"/>
+                <a:ea typeface="Courier New"/>
+                <a:cs typeface="Courier New"/>
+                <a:sym typeface="Courier New"/>
+              </a:rPr>
+              <a:t>;</a:t>
+            </a:r>
+            <a:endParaRPr b="1" sz="1600">
+              <a:solidFill>
+                <a:srgbClr val="CC7832"/>
+              </a:solidFill>
+              <a:latin typeface="Courier New"/>
+              <a:ea typeface="Courier New"/>
+              <a:cs typeface="Courier New"/>
+              <a:sym typeface="Courier New"/>
+            </a:endParaRPr>
+          </a:p>
+          <a:p>
+            <a:pPr indent="0" lvl="0" marL="0" rtl="0" algn="l">
+              <a:lnSpc>
+                <a:spcPct val="115000"/>
+              </a:lnSpc>
+              <a:spcBef>
+                <a:spcPts val="1200"/>
+              </a:spcBef>
+              <a:spcAft>
+                <a:spcPts val="0"/>
+              </a:spcAft>
+              <a:buSzPts val="1300"/>
+              <a:buNone/>
+            </a:pPr>
+            <a:r>
+              <a:t/>
+            </a:r>
+            <a:endParaRPr/>
+          </a:p>
+        </p:txBody>
+      </p:sp>
+      <p:sp>
+        <p:nvSpPr>
+          <p:cNvPr id="140" name="Google Shape;140;p8"/>
+          <p:cNvSpPr txBox="1"/>
+          <p:nvPr>
+            <p:ph idx="2" type="body"/>
+          </p:nvPr>
+        </p:nvSpPr>
+        <p:spPr>
+          <a:xfrm>
+            <a:off x="4832399" y="2179782"/>
+            <a:ext cx="3999902" cy="2402118"/>
+          </a:xfrm>
+          <a:prstGeom prst="rect">
+            <a:avLst/>
+          </a:prstGeom>
+          <a:noFill/>
+          <a:ln cap="flat" cmpd="sng" w="9525">
+            <a:solidFill>
+              <a:srgbClr val="000000"/>
+            </a:solidFill>
+            <a:prstDash val="solid"/>
+            <a:round/>
+            <a:headEnd len="sm" w="sm" type="none"/>
+            <a:tailEnd len="sm" w="sm" type="none"/>
+          </a:ln>
+        </p:spPr>
+        <p:txBody>
+          <a:bodyPr anchorCtr="0" anchor="t" bIns="91400" lIns="91400" spcFirstLastPara="1" rIns="91400" wrap="square" tIns="91400">
+            <a:normAutofit/>
+          </a:bodyPr>
+          <a:lstStyle/>
+          <a:p>
+            <a:pPr indent="0" lvl="0" marL="0" rtl="0" algn="l">
+              <a:lnSpc>
+                <a:spcPct val="115000"/>
+              </a:lnSpc>
+              <a:spcBef>
+                <a:spcPts val="1200"/>
+              </a:spcBef>
+              <a:spcAft>
+                <a:spcPts val="0"/>
+              </a:spcAft>
+              <a:buSzPts val="1300"/>
+              <a:buNone/>
+            </a:pPr>
+            <a:r>
+              <a:rPr b="1" lang="en-US" sz="1600">
+                <a:solidFill>
+                  <a:srgbClr val="CC7832"/>
+                </a:solidFill>
+                <a:latin typeface="Courier New"/>
+                <a:ea typeface="Courier New"/>
+                <a:cs typeface="Courier New"/>
+                <a:sym typeface="Courier New"/>
+              </a:rPr>
+              <a:t>INSERT INTO </a:t>
+            </a:r>
+            <a:r>
+              <a:rPr b="1" lang="en-US" sz="1600">
+                <a:solidFill>
+                  <a:srgbClr val="A9B7C6"/>
+                </a:solidFill>
+                <a:latin typeface="Courier New"/>
+                <a:ea typeface="Courier New"/>
+                <a:cs typeface="Courier New"/>
+                <a:sym typeface="Courier New"/>
+              </a:rPr>
+              <a:t>Student</a:t>
+            </a:r>
+            <a:endParaRPr b="1" sz="1600">
+              <a:solidFill>
+                <a:srgbClr val="A9B7C6"/>
+              </a:solidFill>
+              <a:latin typeface="Courier New"/>
+              <a:ea typeface="Courier New"/>
+              <a:cs typeface="Courier New"/>
+              <a:sym typeface="Courier New"/>
+            </a:endParaRPr>
+          </a:p>
+          <a:p>
+            <a:pPr indent="0" lvl="0" marL="0" rtl="0" algn="l">
+              <a:lnSpc>
+                <a:spcPct val="115000"/>
+              </a:lnSpc>
+              <a:spcBef>
+                <a:spcPts val="1200"/>
+              </a:spcBef>
+              <a:spcAft>
+                <a:spcPts val="0"/>
+              </a:spcAft>
+              <a:buSzPts val="1300"/>
+              <a:buNone/>
+            </a:pPr>
+            <a:r>
+              <a:rPr b="1" lang="en-US" sz="1600">
+                <a:solidFill>
+                  <a:srgbClr val="CC7832"/>
+                </a:solidFill>
+                <a:latin typeface="Courier New"/>
+                <a:ea typeface="Courier New"/>
+                <a:cs typeface="Courier New"/>
+                <a:sym typeface="Courier New"/>
+              </a:rPr>
+              <a:t>VALUES</a:t>
+            </a:r>
+            <a:endParaRPr b="1" sz="1600">
+              <a:solidFill>
+                <a:srgbClr val="CC7832"/>
+              </a:solidFill>
+              <a:latin typeface="Courier New"/>
+              <a:ea typeface="Courier New"/>
+              <a:cs typeface="Courier New"/>
+              <a:sym typeface="Courier New"/>
+            </a:endParaRPr>
+          </a:p>
+          <a:p>
+            <a:pPr indent="0" lvl="0" marL="0" rtl="0" algn="l">
+              <a:lnSpc>
+                <a:spcPct val="115000"/>
+              </a:lnSpc>
+              <a:spcBef>
+                <a:spcPts val="1200"/>
+              </a:spcBef>
+              <a:spcAft>
+                <a:spcPts val="0"/>
+              </a:spcAft>
+              <a:buSzPts val="1300"/>
+              <a:buNone/>
+            </a:pPr>
+            <a:r>
+              <a:rPr b="1" lang="en-US" sz="1600">
+                <a:solidFill>
+                  <a:srgbClr val="A9B7C6"/>
+                </a:solidFill>
+                <a:latin typeface="Courier New"/>
+                <a:ea typeface="Courier New"/>
+                <a:cs typeface="Courier New"/>
+                <a:sym typeface="Courier New"/>
+              </a:rPr>
+              <a:t>(</a:t>
+            </a:r>
+            <a:r>
+              <a:rPr b="1" lang="en-US" sz="1600">
+                <a:solidFill>
+                  <a:srgbClr val="CC7832"/>
+                </a:solidFill>
+                <a:latin typeface="Courier New"/>
+                <a:ea typeface="Courier New"/>
+                <a:cs typeface="Courier New"/>
+                <a:sym typeface="Courier New"/>
+              </a:rPr>
+              <a:t>NULL, </a:t>
+            </a:r>
+            <a:r>
+              <a:rPr b="1" lang="en-US" sz="1600">
+                <a:solidFill>
+                  <a:srgbClr val="6A8759"/>
+                </a:solidFill>
+                <a:latin typeface="Courier New"/>
+                <a:ea typeface="Courier New"/>
+                <a:cs typeface="Courier New"/>
+                <a:sym typeface="Courier New"/>
+              </a:rPr>
+              <a:t>'Patrick'</a:t>
+            </a:r>
+            <a:r>
+              <a:rPr b="1" lang="en-US" sz="1600">
+                <a:solidFill>
+                  <a:srgbClr val="CC7832"/>
+                </a:solidFill>
+                <a:latin typeface="Courier New"/>
+                <a:ea typeface="Courier New"/>
+                <a:cs typeface="Courier New"/>
+                <a:sym typeface="Courier New"/>
+              </a:rPr>
+              <a:t>, </a:t>
+            </a:r>
+            <a:r>
+              <a:rPr b="1" lang="en-US" sz="1600">
+                <a:solidFill>
+                  <a:srgbClr val="6A8759"/>
+                </a:solidFill>
+                <a:latin typeface="Courier New"/>
+                <a:ea typeface="Courier New"/>
+                <a:cs typeface="Courier New"/>
+                <a:sym typeface="Courier New"/>
+              </a:rPr>
+              <a:t>'Lenn'</a:t>
+            </a:r>
+            <a:r>
+              <a:rPr b="1" lang="en-US" sz="1600">
+                <a:solidFill>
+                  <a:srgbClr val="A9B7C6"/>
+                </a:solidFill>
+                <a:latin typeface="Courier New"/>
+                <a:ea typeface="Courier New"/>
+                <a:cs typeface="Courier New"/>
+                <a:sym typeface="Courier New"/>
+              </a:rPr>
+              <a:t>)</a:t>
+            </a:r>
+            <a:r>
+              <a:rPr b="1" lang="en-US" sz="1600">
+                <a:solidFill>
+                  <a:srgbClr val="CC7832"/>
+                </a:solidFill>
+                <a:latin typeface="Courier New"/>
+                <a:ea typeface="Courier New"/>
+                <a:cs typeface="Courier New"/>
+                <a:sym typeface="Courier New"/>
+              </a:rPr>
+              <a:t>;</a:t>
+            </a:r>
+            <a:endParaRPr b="1" sz="1600">
+              <a:solidFill>
+                <a:srgbClr val="CC7832"/>
+              </a:solidFill>
+              <a:latin typeface="Courier New"/>
+              <a:ea typeface="Courier New"/>
+              <a:cs typeface="Courier New"/>
+              <a:sym typeface="Courier New"/>
+            </a:endParaRPr>
+          </a:p>
+          <a:p>
+            <a:pPr indent="0" lvl="0" marL="0" rtl="0" algn="l">
+              <a:lnSpc>
+                <a:spcPct val="115000"/>
+              </a:lnSpc>
+              <a:spcBef>
+                <a:spcPts val="1200"/>
+              </a:spcBef>
+              <a:spcAft>
+                <a:spcPts val="0"/>
+              </a:spcAft>
+              <a:buSzPts val="900"/>
+              <a:buNone/>
+            </a:pPr>
+            <a:r>
+              <a:t/>
+            </a:r>
+            <a:endParaRPr/>
+          </a:p>
+          <a:p>
+            <a:pPr indent="0" lvl="0" marL="0" rtl="0" algn="l">
+              <a:lnSpc>
+                <a:spcPct val="115000"/>
+              </a:lnSpc>
+              <a:spcBef>
+                <a:spcPts val="1200"/>
+              </a:spcBef>
+              <a:spcAft>
+                <a:spcPts val="0"/>
+              </a:spcAft>
+              <a:buSzPts val="900"/>
+              <a:buNone/>
+            </a:pPr>
+            <a:r>
+              <a:rPr lang="en-US" sz="900">
+                <a:solidFill>
+                  <a:srgbClr val="222222"/>
+                </a:solidFill>
+                <a:latin typeface="Source Code Pro"/>
+                <a:ea typeface="Source Code Pro"/>
+                <a:cs typeface="Source Code Pro"/>
+                <a:sym typeface="Source Code Pro"/>
+              </a:rPr>
+              <a:t>INSERT 0 1</a:t>
+            </a:r>
+            <a:endParaRPr/>
+          </a:p>
+          <a:p>
+            <a:pPr indent="0" lvl="0" marL="0" rtl="0" algn="l">
+              <a:lnSpc>
+                <a:spcPct val="115000"/>
+              </a:lnSpc>
+              <a:spcBef>
+                <a:spcPts val="1200"/>
+              </a:spcBef>
+              <a:spcAft>
+                <a:spcPts val="0"/>
+              </a:spcAft>
+              <a:buSzPts val="900"/>
+              <a:buNone/>
+            </a:pPr>
+            <a:r>
+              <a:rPr lang="en-US" sz="900">
+                <a:solidFill>
+                  <a:srgbClr val="222222"/>
+                </a:solidFill>
+                <a:latin typeface="Source Code Pro"/>
+                <a:ea typeface="Source Code Pro"/>
+                <a:cs typeface="Source Code Pro"/>
+                <a:sym typeface="Source Code Pro"/>
+              </a:rPr>
+              <a:t>Query returned successfully in 47 msec.</a:t>
+            </a:r>
+            <a:endParaRPr/>
+          </a:p>
+        </p:txBody>
+      </p:sp>
+      <p:sp>
+        <p:nvSpPr>
+          <p:cNvPr id="141" name="Google Shape;141;p8"/>
+          <p:cNvSpPr txBox="1"/>
+          <p:nvPr/>
+        </p:nvSpPr>
+        <p:spPr>
+          <a:xfrm>
+            <a:off x="4878119" y="1505699"/>
+            <a:ext cx="3908400" cy="338700"/>
+          </a:xfrm>
+          <a:prstGeom prst="rect">
+            <a:avLst/>
+          </a:prstGeom>
+          <a:noFill/>
+          <a:ln>
+            <a:noFill/>
+          </a:ln>
+        </p:spPr>
+        <p:txBody>
+          <a:bodyPr anchorCtr="0" anchor="t" bIns="45700" lIns="45700" spcFirstLastPara="1" rIns="45700" wrap="square" tIns="45700">
+            <a:spAutoFit/>
+          </a:bodyPr>
+          <a:lstStyle/>
+          <a:p>
+            <a:pPr indent="0" lvl="0" marL="0" marR="0" rtl="0" algn="l">
+              <a:lnSpc>
+                <a:spcPct val="100000"/>
+              </a:lnSpc>
+              <a:spcBef>
+                <a:spcPts val="0"/>
+              </a:spcBef>
+              <a:spcAft>
+                <a:spcPts val="0"/>
+              </a:spcAft>
+              <a:buClr>
+                <a:srgbClr val="000000"/>
+              </a:buClr>
+              <a:buSzPts val="1400"/>
+              <a:buFont typeface="Arial"/>
+              <a:buNone/>
+            </a:pPr>
+            <a:r>
+              <a:rPr b="0" i="0" lang="en-US" sz="1600" u="none" cap="none" strike="noStrike">
+                <a:solidFill>
+                  <a:srgbClr val="000000"/>
+                </a:solidFill>
+                <a:latin typeface="Arial"/>
+                <a:ea typeface="Arial"/>
+                <a:cs typeface="Arial"/>
+                <a:sym typeface="Arial"/>
+              </a:rPr>
+              <a:t>Unique Key can be NULL</a:t>
+            </a:r>
+            <a:endParaRPr b="0" i="0" sz="1600" u="none" cap="none" strike="noStrike">
+              <a:solidFill>
+                <a:srgbClr val="000000"/>
+              </a:solidFill>
+              <a:latin typeface="Arial"/>
+              <a:ea typeface="Arial"/>
+              <a:cs typeface="Arial"/>
+              <a:sym typeface="Arial"/>
+            </a:endParaRPr>
+          </a:p>
+        </p:txBody>
+      </p:sp>
+    </p:spTree>
+  </p:cSld>
+  <p:clrMapOvr>
+    <a:masterClrMapping/>
+  </p:clrMapOvr>
+</p:sld>
+</file>
+
+<file path=ppt/slides/slide12.xml><?xml version="1.0" encoding="utf-8"?>
+<p:sld xmlns:a="http://schemas.openxmlformats.org/drawingml/2006/main" xmlns:r="http://schemas.openxmlformats.org/officeDocument/2006/relationships" xmlns:mc="http://schemas.openxmlformats.org/markup-compatibility/2006" xmlns:mv="urn:schemas-microsoft-com:mac:vml" xmlns:p="http://schemas.openxmlformats.org/presentationml/2006/main" xmlns:c="http://schemas.openxmlformats.org/drawingml/2006/chart" xmlns:dgm="http://schemas.openxmlformats.org/drawingml/2006/diagram" xmlns:o="urn:schemas-microsoft-com:office:office" xmlns:v="urn:schemas-microsoft-com:vml" xmlns:pvml="urn:schemas-microsoft-com:office:powerpoint" xmlns:com="http://schemas.openxmlformats.org/drawingml/2006/compatibility" xmlns:p14="http://schemas.microsoft.com/office/powerpoint/2010/main" xmlns:p15="http://schemas.microsoft.com/office/powerpoint/2012/main" xmlns:ahyp="http://schemas.microsoft.com/office/drawing/2018/hyperlinkcolor">
+  <p:cSld>
+    <p:spTree>
+      <p:nvGrpSpPr>
+        <p:cNvPr id="145" name="Shape 145"/>
+        <p:cNvGrpSpPr/>
+        <p:nvPr/>
+      </p:nvGrpSpPr>
+      <p:grpSpPr>
+        <a:xfrm>
+          <a:off x="0" y="0"/>
+          <a:ext cx="0" cy="0"/>
+          <a:chOff x="0" y="0"/>
+          <a:chExt cx="0" cy="0"/>
+        </a:xfrm>
+      </p:grpSpPr>
+      <p:sp>
+        <p:nvSpPr>
+          <p:cNvPr id="146" name="Google Shape;146;p9"/>
+          <p:cNvSpPr txBox="1"/>
+          <p:nvPr/>
+        </p:nvSpPr>
+        <p:spPr>
+          <a:xfrm>
+            <a:off x="549099" y="201700"/>
+            <a:ext cx="8034600" cy="400200"/>
+          </a:xfrm>
+          <a:prstGeom prst="rect">
+            <a:avLst/>
+          </a:prstGeom>
+          <a:noFill/>
+          <a:ln>
+            <a:noFill/>
+          </a:ln>
+        </p:spPr>
+        <p:txBody>
+          <a:bodyPr anchorCtr="0" anchor="t" bIns="91400" lIns="91400" spcFirstLastPara="1" rIns="91400" wrap="square" tIns="91400">
+            <a:spAutoFit/>
+          </a:bodyPr>
+          <a:lstStyle/>
+          <a:p>
+            <a:pPr indent="0" lvl="0" marL="0" marR="0" rtl="0" algn="ctr">
+              <a:lnSpc>
+                <a:spcPct val="100000"/>
+              </a:lnSpc>
+              <a:spcBef>
+                <a:spcPts val="0"/>
+              </a:spcBef>
+              <a:spcAft>
+                <a:spcPts val="0"/>
+              </a:spcAft>
+              <a:buClr>
+                <a:srgbClr val="000000"/>
+              </a:buClr>
+              <a:buSzPts val="1800"/>
+              <a:buFont typeface="Roboto"/>
+              <a:buNone/>
+            </a:pPr>
+            <a:r>
+              <a:t/>
+            </a:r>
+            <a:endParaRPr b="0" i="0" sz="1400" u="none" cap="none" strike="noStrike">
+              <a:solidFill>
+                <a:srgbClr val="000000"/>
+              </a:solidFill>
+              <a:latin typeface="Arial"/>
+              <a:ea typeface="Arial"/>
+              <a:cs typeface="Arial"/>
+              <a:sym typeface="Arial"/>
+            </a:endParaRPr>
+          </a:p>
+        </p:txBody>
+      </p:sp>
+      <p:sp>
+        <p:nvSpPr>
+          <p:cNvPr id="147" name="Google Shape;147;p9"/>
+          <p:cNvSpPr txBox="1"/>
+          <p:nvPr/>
+        </p:nvSpPr>
+        <p:spPr>
+          <a:xfrm>
+            <a:off x="683550" y="1472401"/>
+            <a:ext cx="7978500" cy="7326600"/>
+          </a:xfrm>
+          <a:prstGeom prst="rect">
+            <a:avLst/>
+          </a:prstGeom>
+          <a:noFill/>
+          <a:ln>
+            <a:noFill/>
+          </a:ln>
+        </p:spPr>
+        <p:txBody>
+          <a:bodyPr anchorCtr="0" anchor="t" bIns="91400" lIns="91400" spcFirstLastPara="1" rIns="91400" wrap="square" tIns="91400">
+            <a:spAutoFit/>
+          </a:bodyPr>
+          <a:lstStyle/>
+          <a:p>
+            <a:pPr indent="-330200" lvl="0" marL="457200" marR="0" rtl="0" algn="l">
+              <a:lnSpc>
+                <a:spcPct val="200000"/>
+              </a:lnSpc>
+              <a:spcBef>
+                <a:spcPts val="0"/>
+              </a:spcBef>
+              <a:spcAft>
+                <a:spcPts val="0"/>
+              </a:spcAft>
+              <a:buClr>
+                <a:srgbClr val="000000"/>
+              </a:buClr>
+              <a:buSzPts val="1600"/>
+              <a:buFont typeface="Arial"/>
+              <a:buChar char="●"/>
+            </a:pPr>
+            <a:r>
+              <a:rPr b="0" i="0" lang="en-US" sz="1600" u="none" cap="none" strike="noStrike">
+                <a:solidFill>
+                  <a:srgbClr val="000000"/>
+                </a:solidFill>
+                <a:latin typeface="Arial"/>
+                <a:ea typeface="Arial"/>
+                <a:cs typeface="Arial"/>
+                <a:sym typeface="Arial"/>
+              </a:rPr>
+              <a:t>Primary key are column(s) that uniquely identify each row</a:t>
+            </a:r>
+            <a:endParaRPr b="0" i="0" sz="1600" u="none" cap="none" strike="noStrike">
+              <a:solidFill>
+                <a:srgbClr val="000000"/>
+              </a:solidFill>
+              <a:latin typeface="Arial"/>
+              <a:ea typeface="Arial"/>
+              <a:cs typeface="Arial"/>
+              <a:sym typeface="Arial"/>
+            </a:endParaRPr>
+          </a:p>
+          <a:p>
+            <a:pPr indent="-330200" lvl="0" marL="457200" marR="0" rtl="0" algn="l">
+              <a:lnSpc>
+                <a:spcPct val="200000"/>
+              </a:lnSpc>
+              <a:spcBef>
+                <a:spcPts val="0"/>
+              </a:spcBef>
+              <a:spcAft>
+                <a:spcPts val="0"/>
+              </a:spcAft>
+              <a:buClr>
+                <a:srgbClr val="000000"/>
+              </a:buClr>
+              <a:buSzPts val="1600"/>
+              <a:buFont typeface="Arial"/>
+              <a:buChar char="●"/>
+            </a:pPr>
+            <a:r>
+              <a:rPr b="0" i="0" lang="en-US" sz="1600" u="none" cap="none" strike="noStrike">
+                <a:solidFill>
+                  <a:srgbClr val="000000"/>
+                </a:solidFill>
+                <a:latin typeface="Arial"/>
+                <a:ea typeface="Arial"/>
+                <a:cs typeface="Arial"/>
+                <a:sym typeface="Arial"/>
+              </a:rPr>
+              <a:t>Foreign key are column(s) used to create relationship between two tables</a:t>
+            </a:r>
+            <a:endParaRPr b="0" i="0" sz="1600" u="none" cap="none" strike="noStrike">
+              <a:solidFill>
+                <a:srgbClr val="000000"/>
+              </a:solidFill>
+              <a:latin typeface="Arial"/>
+              <a:ea typeface="Arial"/>
+              <a:cs typeface="Arial"/>
+              <a:sym typeface="Arial"/>
+            </a:endParaRPr>
+          </a:p>
+          <a:p>
+            <a:pPr indent="-330200" lvl="0" marL="457200" marR="0" rtl="0" algn="l">
+              <a:lnSpc>
+                <a:spcPct val="200000"/>
+              </a:lnSpc>
+              <a:spcBef>
+                <a:spcPts val="0"/>
+              </a:spcBef>
+              <a:spcAft>
+                <a:spcPts val="0"/>
+              </a:spcAft>
+              <a:buClr>
+                <a:srgbClr val="000000"/>
+              </a:buClr>
+              <a:buSzPts val="1600"/>
+              <a:buFont typeface="Arial"/>
+              <a:buChar char="●"/>
+            </a:pPr>
+            <a:r>
+              <a:rPr b="0" i="0" lang="en-US" sz="1600" u="none" cap="none" strike="noStrike">
+                <a:solidFill>
+                  <a:srgbClr val="000000"/>
+                </a:solidFill>
+                <a:latin typeface="Arial"/>
+                <a:ea typeface="Arial"/>
+                <a:cs typeface="Arial"/>
+                <a:sym typeface="Arial"/>
+              </a:rPr>
+              <a:t>Unique key is similar to primary key but can contain null values.</a:t>
+            </a:r>
+            <a:endParaRPr b="0" i="0" sz="1600" u="none" cap="none" strike="noStrike">
+              <a:solidFill>
+                <a:srgbClr val="000000"/>
+              </a:solidFill>
+              <a:latin typeface="Arial"/>
+              <a:ea typeface="Arial"/>
+              <a:cs typeface="Arial"/>
+              <a:sym typeface="Arial"/>
+            </a:endParaRPr>
+          </a:p>
+          <a:p>
+            <a:pPr indent="0" lvl="0" marL="0" marR="0" rtl="0" algn="l">
+              <a:lnSpc>
+                <a:spcPct val="200000"/>
+              </a:lnSpc>
+              <a:spcBef>
+                <a:spcPts val="0"/>
+              </a:spcBef>
+              <a:spcAft>
+                <a:spcPts val="0"/>
+              </a:spcAft>
+              <a:buClr>
+                <a:srgbClr val="000000"/>
+              </a:buClr>
+              <a:buSzPts val="1600"/>
+              <a:buFont typeface="Arial"/>
+              <a:buNone/>
+            </a:pPr>
+            <a:r>
+              <a:t/>
+            </a:r>
+            <a:endParaRPr b="0" i="0" sz="1600" u="none" cap="none" strike="noStrike">
+              <a:solidFill>
+                <a:srgbClr val="000000"/>
+              </a:solidFill>
+              <a:latin typeface="Arial"/>
+              <a:ea typeface="Arial"/>
+              <a:cs typeface="Arial"/>
+              <a:sym typeface="Arial"/>
+            </a:endParaRPr>
+          </a:p>
+          <a:p>
+            <a:pPr indent="0" lvl="0" marL="0" marR="0" rtl="0" algn="l">
+              <a:lnSpc>
+                <a:spcPct val="200000"/>
+              </a:lnSpc>
+              <a:spcBef>
+                <a:spcPts val="0"/>
+              </a:spcBef>
+              <a:spcAft>
+                <a:spcPts val="0"/>
+              </a:spcAft>
+              <a:buClr>
+                <a:srgbClr val="000000"/>
+              </a:buClr>
+              <a:buSzPts val="1600"/>
+              <a:buFont typeface="Arial"/>
+              <a:buNone/>
+            </a:pPr>
+            <a:r>
+              <a:t/>
+            </a:r>
+            <a:endParaRPr b="0" i="0" sz="1600" u="none" cap="none" strike="noStrike">
+              <a:solidFill>
+                <a:srgbClr val="000000"/>
+              </a:solidFill>
+              <a:latin typeface="Arial"/>
+              <a:ea typeface="Arial"/>
+              <a:cs typeface="Arial"/>
+              <a:sym typeface="Arial"/>
+            </a:endParaRPr>
+          </a:p>
+          <a:p>
+            <a:pPr indent="0" lvl="0" marL="0" marR="0" rtl="0" algn="l">
+              <a:lnSpc>
+                <a:spcPct val="200000"/>
+              </a:lnSpc>
+              <a:spcBef>
+                <a:spcPts val="0"/>
+              </a:spcBef>
+              <a:spcAft>
+                <a:spcPts val="0"/>
+              </a:spcAft>
+              <a:buClr>
+                <a:srgbClr val="000000"/>
+              </a:buClr>
+              <a:buSzPts val="1600"/>
+              <a:buFont typeface="Arial"/>
+              <a:buNone/>
+            </a:pPr>
+            <a:r>
+              <a:t/>
+            </a:r>
+            <a:endParaRPr b="0" i="0" sz="1600" u="none" cap="none" strike="noStrike">
+              <a:solidFill>
+                <a:srgbClr val="000000"/>
+              </a:solidFill>
+              <a:latin typeface="Arial"/>
+              <a:ea typeface="Arial"/>
+              <a:cs typeface="Arial"/>
+              <a:sym typeface="Arial"/>
+            </a:endParaRPr>
+          </a:p>
+          <a:p>
+            <a:pPr indent="0" lvl="0" marL="0" marR="0" rtl="0" algn="l">
+              <a:lnSpc>
+                <a:spcPct val="200000"/>
+              </a:lnSpc>
+              <a:spcBef>
+                <a:spcPts val="0"/>
+              </a:spcBef>
+              <a:spcAft>
+                <a:spcPts val="0"/>
+              </a:spcAft>
+              <a:buClr>
+                <a:srgbClr val="000000"/>
+              </a:buClr>
+              <a:buSzPts val="1600"/>
+              <a:buFont typeface="Arial"/>
+              <a:buNone/>
+            </a:pPr>
+            <a:r>
+              <a:t/>
+            </a:r>
+            <a:endParaRPr b="0" i="0" sz="1600" u="none" cap="none" strike="noStrike">
+              <a:solidFill>
+                <a:srgbClr val="000000"/>
+              </a:solidFill>
+              <a:latin typeface="Arial"/>
+              <a:ea typeface="Arial"/>
+              <a:cs typeface="Arial"/>
+              <a:sym typeface="Arial"/>
+            </a:endParaRPr>
+          </a:p>
+          <a:p>
+            <a:pPr indent="0" lvl="0" marL="0" marR="0" rtl="0" algn="l">
+              <a:lnSpc>
+                <a:spcPct val="200000"/>
+              </a:lnSpc>
+              <a:spcBef>
+                <a:spcPts val="0"/>
+              </a:spcBef>
+              <a:spcAft>
+                <a:spcPts val="0"/>
+              </a:spcAft>
+              <a:buClr>
+                <a:srgbClr val="000000"/>
+              </a:buClr>
+              <a:buSzPts val="1600"/>
+              <a:buFont typeface="Arial"/>
+              <a:buNone/>
+            </a:pPr>
+            <a:r>
+              <a:t/>
+            </a:r>
+            <a:endParaRPr b="0" i="0" sz="1600" u="none" cap="none" strike="noStrike">
+              <a:solidFill>
+                <a:srgbClr val="000000"/>
+              </a:solidFill>
+              <a:latin typeface="Arial"/>
+              <a:ea typeface="Arial"/>
+              <a:cs typeface="Arial"/>
+              <a:sym typeface="Arial"/>
+            </a:endParaRPr>
+          </a:p>
+          <a:p>
+            <a:pPr indent="0" lvl="0" marL="0" marR="0" rtl="0" algn="l">
+              <a:lnSpc>
+                <a:spcPct val="200000"/>
+              </a:lnSpc>
+              <a:spcBef>
+                <a:spcPts val="0"/>
+              </a:spcBef>
+              <a:spcAft>
+                <a:spcPts val="0"/>
+              </a:spcAft>
+              <a:buClr>
+                <a:srgbClr val="000000"/>
+              </a:buClr>
+              <a:buSzPts val="1600"/>
+              <a:buFont typeface="Arial"/>
+              <a:buNone/>
+            </a:pPr>
+            <a:r>
+              <a:t/>
+            </a:r>
+            <a:endParaRPr b="0" i="0" sz="1600" u="none" cap="none" strike="noStrike">
+              <a:solidFill>
+                <a:srgbClr val="000000"/>
+              </a:solidFill>
+              <a:latin typeface="Arial"/>
+              <a:ea typeface="Arial"/>
+              <a:cs typeface="Arial"/>
+              <a:sym typeface="Arial"/>
+            </a:endParaRPr>
+          </a:p>
+          <a:p>
+            <a:pPr indent="0" lvl="0" marL="0" marR="0" rtl="0" algn="l">
+              <a:lnSpc>
+                <a:spcPct val="200000"/>
+              </a:lnSpc>
+              <a:spcBef>
+                <a:spcPts val="0"/>
+              </a:spcBef>
+              <a:spcAft>
+                <a:spcPts val="0"/>
+              </a:spcAft>
+              <a:buClr>
+                <a:srgbClr val="000000"/>
+              </a:buClr>
+              <a:buSzPts val="1600"/>
+              <a:buFont typeface="Arial"/>
+              <a:buNone/>
+            </a:pPr>
+            <a:r>
+              <a:t/>
+            </a:r>
+            <a:endParaRPr b="0" i="0" sz="1600" u="none" cap="none" strike="noStrike">
+              <a:solidFill>
+                <a:srgbClr val="000000"/>
+              </a:solidFill>
+              <a:latin typeface="Arial"/>
+              <a:ea typeface="Arial"/>
+              <a:cs typeface="Arial"/>
+              <a:sym typeface="Arial"/>
+            </a:endParaRPr>
+          </a:p>
+          <a:p>
+            <a:pPr indent="0" lvl="0" marL="0" marR="0" rtl="0" algn="l">
+              <a:lnSpc>
+                <a:spcPct val="200000"/>
+              </a:lnSpc>
+              <a:spcBef>
+                <a:spcPts val="0"/>
+              </a:spcBef>
+              <a:spcAft>
+                <a:spcPts val="0"/>
+              </a:spcAft>
+              <a:buClr>
+                <a:srgbClr val="000000"/>
+              </a:buClr>
+              <a:buSzPts val="1600"/>
+              <a:buFont typeface="Arial"/>
+              <a:buNone/>
+            </a:pPr>
+            <a:r>
+              <a:t/>
+            </a:r>
+            <a:endParaRPr b="0" i="0" sz="1600" u="none" cap="none" strike="noStrike">
+              <a:solidFill>
+                <a:srgbClr val="000000"/>
+              </a:solidFill>
+              <a:latin typeface="Arial"/>
+              <a:ea typeface="Arial"/>
+              <a:cs typeface="Arial"/>
+              <a:sym typeface="Arial"/>
+            </a:endParaRPr>
+          </a:p>
+          <a:p>
+            <a:pPr indent="0" lvl="0" marL="0" marR="0" rtl="0" algn="l">
+              <a:lnSpc>
+                <a:spcPct val="200000"/>
+              </a:lnSpc>
+              <a:spcBef>
+                <a:spcPts val="0"/>
+              </a:spcBef>
+              <a:spcAft>
+                <a:spcPts val="0"/>
+              </a:spcAft>
+              <a:buClr>
+                <a:srgbClr val="000000"/>
+              </a:buClr>
+              <a:buSzPts val="1600"/>
+              <a:buFont typeface="Arial"/>
+              <a:buNone/>
+            </a:pPr>
+            <a:r>
+              <a:t/>
+            </a:r>
+            <a:endParaRPr b="0" i="0" sz="1600" u="none" cap="none" strike="noStrike">
+              <a:solidFill>
+                <a:srgbClr val="000000"/>
+              </a:solidFill>
+              <a:latin typeface="Arial"/>
+              <a:ea typeface="Arial"/>
+              <a:cs typeface="Arial"/>
+              <a:sym typeface="Arial"/>
+            </a:endParaRPr>
+          </a:p>
+          <a:p>
+            <a:pPr indent="0" lvl="0" marL="0" marR="0" rtl="0" algn="l">
+              <a:lnSpc>
+                <a:spcPct val="200000"/>
+              </a:lnSpc>
+              <a:spcBef>
+                <a:spcPts val="0"/>
+              </a:spcBef>
+              <a:spcAft>
+                <a:spcPts val="0"/>
+              </a:spcAft>
+              <a:buClr>
+                <a:srgbClr val="000000"/>
+              </a:buClr>
+              <a:buSzPts val="1600"/>
+              <a:buFont typeface="Arial"/>
+              <a:buNone/>
+            </a:pPr>
+            <a:r>
+              <a:t/>
+            </a:r>
+            <a:endParaRPr b="0" i="0" sz="1600" u="none" cap="none" strike="noStrike">
+              <a:solidFill>
+                <a:srgbClr val="000000"/>
+              </a:solidFill>
+              <a:latin typeface="Arial"/>
+              <a:ea typeface="Arial"/>
+              <a:cs typeface="Arial"/>
+              <a:sym typeface="Arial"/>
+            </a:endParaRPr>
+          </a:p>
+          <a:p>
+            <a:pPr indent="0" lvl="0" marL="0" marR="0" rtl="0" algn="l">
+              <a:lnSpc>
+                <a:spcPct val="200000"/>
+              </a:lnSpc>
+              <a:spcBef>
+                <a:spcPts val="0"/>
+              </a:spcBef>
+              <a:spcAft>
+                <a:spcPts val="0"/>
+              </a:spcAft>
+              <a:buClr>
+                <a:srgbClr val="000000"/>
+              </a:buClr>
+              <a:buSzPts val="1600"/>
+              <a:buFont typeface="Arial"/>
+              <a:buNone/>
+            </a:pPr>
+            <a:r>
+              <a:t/>
+            </a:r>
+            <a:endParaRPr b="0" i="0" sz="1600" u="none" cap="none" strike="noStrike">
+              <a:solidFill>
+                <a:srgbClr val="000000"/>
+              </a:solidFill>
+              <a:latin typeface="Arial"/>
+              <a:ea typeface="Arial"/>
+              <a:cs typeface="Arial"/>
+              <a:sym typeface="Arial"/>
+            </a:endParaRPr>
+          </a:p>
+          <a:p>
+            <a:pPr indent="0" lvl="0" marL="0" marR="0" rtl="0" algn="l">
+              <a:lnSpc>
+                <a:spcPct val="200000"/>
+              </a:lnSpc>
+              <a:spcBef>
+                <a:spcPts val="0"/>
+              </a:spcBef>
+              <a:spcAft>
+                <a:spcPts val="0"/>
+              </a:spcAft>
+              <a:buClr>
+                <a:srgbClr val="000000"/>
+              </a:buClr>
+              <a:buSzPts val="1600"/>
+              <a:buFont typeface="Arial"/>
+              <a:buNone/>
+            </a:pPr>
+            <a:r>
+              <a:t/>
+            </a:r>
+            <a:endParaRPr b="0" i="0" sz="1600" u="none" cap="none" strike="noStrike">
+              <a:solidFill>
+                <a:srgbClr val="000000"/>
+              </a:solidFill>
+              <a:latin typeface="Arial"/>
+              <a:ea typeface="Arial"/>
+              <a:cs typeface="Arial"/>
+              <a:sym typeface="Arial"/>
+            </a:endParaRPr>
+          </a:p>
+        </p:txBody>
+      </p:sp>
+      <p:sp>
+        <p:nvSpPr>
+          <p:cNvPr id="148" name="Google Shape;148;p9"/>
+          <p:cNvSpPr txBox="1"/>
+          <p:nvPr>
+            <p:ph type="title"/>
+          </p:nvPr>
+        </p:nvSpPr>
+        <p:spPr>
+          <a:xfrm>
+            <a:off x="311699" y="513024"/>
+            <a:ext cx="8520600" cy="623700"/>
+          </a:xfrm>
+          <a:prstGeom prst="rect">
+            <a:avLst/>
+          </a:prstGeom>
+          <a:noFill/>
+          <a:ln>
+            <a:noFill/>
+          </a:ln>
+        </p:spPr>
+        <p:txBody>
+          <a:bodyPr anchorCtr="0" anchor="t" bIns="91400" lIns="91400" spcFirstLastPara="1" rIns="91400" wrap="square" tIns="91400">
+            <a:normAutofit fontScale="90000"/>
+          </a:bodyPr>
+          <a:lstStyle/>
+          <a:p>
+            <a:pPr indent="0" lvl="0" marL="0" rtl="0" algn="l">
+              <a:lnSpc>
+                <a:spcPct val="100000"/>
+              </a:lnSpc>
+              <a:spcBef>
+                <a:spcPts val="0"/>
+              </a:spcBef>
+              <a:spcAft>
+                <a:spcPts val="0"/>
+              </a:spcAft>
+              <a:buClr>
+                <a:srgbClr val="FFFFFF"/>
+              </a:buClr>
+              <a:buSzPct val="90322"/>
+              <a:buFont typeface="Merriweather"/>
+              <a:buNone/>
+            </a:pPr>
+            <a:r>
+              <a:rPr lang="en-US" sz="3100"/>
+              <a:t>Summary</a:t>
+            </a:r>
+            <a:endParaRPr sz="3100"/>
+          </a:p>
+          <a:p>
+            <a:pPr indent="0" lvl="0" marL="0" rtl="0" algn="ctr">
+              <a:lnSpc>
+                <a:spcPct val="100000"/>
+              </a:lnSpc>
+              <a:spcBef>
+                <a:spcPts val="0"/>
+              </a:spcBef>
+              <a:spcAft>
+                <a:spcPts val="0"/>
+              </a:spcAft>
+              <a:buClr>
+                <a:srgbClr val="000000"/>
+              </a:buClr>
+              <a:buSzPct val="100000"/>
+              <a:buFont typeface="Roboto"/>
+              <a:buNone/>
+            </a:pPr>
+            <a:r>
+              <a:t/>
+            </a:r>
+            <a:endParaRPr b="1" sz="1800">
+              <a:solidFill>
+                <a:srgbClr val="000000"/>
+              </a:solidFill>
+              <a:latin typeface="Roboto"/>
+              <a:ea typeface="Roboto"/>
+              <a:cs typeface="Roboto"/>
+              <a:sym typeface="Roboto"/>
+            </a:endParaRPr>
+          </a:p>
+          <a:p>
+            <a:pPr indent="0" lvl="0" marL="0" rtl="0" algn="l">
+              <a:lnSpc>
+                <a:spcPct val="100000"/>
+              </a:lnSpc>
+              <a:spcBef>
+                <a:spcPts val="0"/>
+              </a:spcBef>
+              <a:spcAft>
+                <a:spcPts val="0"/>
+              </a:spcAft>
+              <a:buSzPct val="71428"/>
+              <a:buNone/>
+            </a:pPr>
+            <a:r>
+              <a:t/>
+            </a:r>
+            <a:endParaRPr/>
+          </a:p>
+        </p:txBody>
+      </p:sp>
+    </p:spTree>
+  </p:cSld>
+  <p:clrMapOvr>
+    <a:masterClrMapping/>
+  </p:clrMapOvr>
+</p:sld>
+</file>
+
 <file path=ppt/slides/slide2.xml><?xml version="1.0" encoding="utf-8"?>
 <p:sld xmlns:a="http://schemas.openxmlformats.org/drawingml/2006/main" xmlns:r="http://schemas.openxmlformats.org/officeDocument/2006/relationships" xmlns:mc="http://schemas.openxmlformats.org/markup-compatibility/2006" xmlns:mv="urn:schemas-microsoft-com:mac:vml" xmlns:p="http://schemas.openxmlformats.org/presentationml/2006/main" xmlns:c="http://schemas.openxmlformats.org/drawingml/2006/chart" xmlns:dgm="http://schemas.openxmlformats.org/drawingml/2006/diagram" xmlns:o="urn:schemas-microsoft-com:office:office" xmlns:v="urn:schemas-microsoft-com:vml" xmlns:pvml="urn:schemas-microsoft-com:office:powerpoint" xmlns:com="http://schemas.openxmlformats.org/drawingml/2006/compatibility" xmlns:p14="http://schemas.microsoft.com/office/powerpoint/2010/main" xmlns:p15="http://schemas.microsoft.com/office/powerpoint/2012/main" xmlns:ahyp="http://schemas.microsoft.com/office/drawing/2018/hyperlinkcolor">
   <p:cSld>
@@ -10830,7 +13353,436 @@
       </p:grpSpPr>
       <p:sp>
         <p:nvSpPr>
-          <p:cNvPr id="69" name="Google Shape;69;p2"/>
+          <p:cNvPr id="69" name="Google Shape;69;gf17ddd57ad_0_0"/>
+          <p:cNvSpPr txBox="1"/>
+          <p:nvPr>
+            <p:ph type="title"/>
+          </p:nvPr>
+        </p:nvSpPr>
+        <p:spPr>
+          <a:xfrm>
+            <a:off x="311724" y="500924"/>
+            <a:ext cx="8520600" cy="623700"/>
+          </a:xfrm>
+          <a:prstGeom prst="rect">
+            <a:avLst/>
+          </a:prstGeom>
+        </p:spPr>
+        <p:txBody>
+          <a:bodyPr anchorCtr="0" anchor="t" bIns="91400" lIns="91400" spcFirstLastPara="1" rIns="91400" wrap="square" tIns="91400">
+            <a:normAutofit/>
+          </a:bodyPr>
+          <a:lstStyle/>
+          <a:p>
+            <a:pPr indent="0" lvl="0" marL="0" rtl="0" algn="l">
+              <a:spcBef>
+                <a:spcPts val="0"/>
+              </a:spcBef>
+              <a:spcAft>
+                <a:spcPts val="0"/>
+              </a:spcAft>
+              <a:buNone/>
+            </a:pPr>
+            <a:r>
+              <a:rPr lang="en-US"/>
+              <a:t>Relational Database Model</a:t>
+            </a:r>
+            <a:endParaRPr/>
+          </a:p>
+        </p:txBody>
+      </p:sp>
+      <p:sp>
+        <p:nvSpPr>
+          <p:cNvPr id="70" name="Google Shape;70;gf17ddd57ad_0_0"/>
+          <p:cNvSpPr txBox="1"/>
+          <p:nvPr>
+            <p:ph idx="1" type="body"/>
+          </p:nvPr>
+        </p:nvSpPr>
+        <p:spPr>
+          <a:xfrm>
+            <a:off x="311699" y="1505699"/>
+            <a:ext cx="3999900" cy="3076200"/>
+          </a:xfrm>
+          <a:prstGeom prst="rect">
+            <a:avLst/>
+          </a:prstGeom>
+        </p:spPr>
+        <p:txBody>
+          <a:bodyPr anchorCtr="0" anchor="t" bIns="91400" lIns="91400" spcFirstLastPara="1" rIns="91400" wrap="square" tIns="91400">
+            <a:normAutofit/>
+          </a:bodyPr>
+          <a:lstStyle/>
+          <a:p>
+            <a:pPr indent="0" lvl="0" marL="0" rtl="0" algn="l">
+              <a:spcBef>
+                <a:spcPts val="0"/>
+              </a:spcBef>
+              <a:spcAft>
+                <a:spcPts val="0"/>
+              </a:spcAft>
+              <a:buNone/>
+            </a:pPr>
+            <a:r>
+              <a:t/>
+            </a:r>
+            <a:endParaRPr/>
+          </a:p>
+        </p:txBody>
+      </p:sp>
+      <p:sp>
+        <p:nvSpPr>
+          <p:cNvPr id="71" name="Google Shape;71;gf17ddd57ad_0_0"/>
+          <p:cNvSpPr txBox="1"/>
+          <p:nvPr>
+            <p:ph idx="2" type="body"/>
+          </p:nvPr>
+        </p:nvSpPr>
+        <p:spPr>
+          <a:xfrm>
+            <a:off x="4832399" y="1505699"/>
+            <a:ext cx="3999900" cy="3076200"/>
+          </a:xfrm>
+          <a:prstGeom prst="rect">
+            <a:avLst/>
+          </a:prstGeom>
+        </p:spPr>
+        <p:txBody>
+          <a:bodyPr anchorCtr="0" anchor="t" bIns="91400" lIns="91400" spcFirstLastPara="1" rIns="91400" wrap="square" tIns="91400">
+            <a:normAutofit/>
+          </a:bodyPr>
+          <a:lstStyle/>
+          <a:p>
+            <a:pPr indent="0" lvl="0" marL="0" rtl="0" algn="l">
+              <a:spcBef>
+                <a:spcPts val="0"/>
+              </a:spcBef>
+              <a:spcAft>
+                <a:spcPts val="0"/>
+              </a:spcAft>
+              <a:buNone/>
+            </a:pPr>
+            <a:r>
+              <a:t/>
+            </a:r>
+            <a:endParaRPr/>
+          </a:p>
+        </p:txBody>
+      </p:sp>
+    </p:spTree>
+  </p:cSld>
+  <p:clrMapOvr>
+    <a:masterClrMapping/>
+  </p:clrMapOvr>
+</p:sld>
+</file>
+
+<file path=ppt/slides/slide3.xml><?xml version="1.0" encoding="utf-8"?>
+<p:sld xmlns:a="http://schemas.openxmlformats.org/drawingml/2006/main" xmlns:r="http://schemas.openxmlformats.org/officeDocument/2006/relationships" xmlns:mc="http://schemas.openxmlformats.org/markup-compatibility/2006" xmlns:mv="urn:schemas-microsoft-com:mac:vml" xmlns:p="http://schemas.openxmlformats.org/presentationml/2006/main" xmlns:c="http://schemas.openxmlformats.org/drawingml/2006/chart" xmlns:dgm="http://schemas.openxmlformats.org/drawingml/2006/diagram" xmlns:o="urn:schemas-microsoft-com:office:office" xmlns:v="urn:schemas-microsoft-com:vml" xmlns:pvml="urn:schemas-microsoft-com:office:powerpoint" xmlns:com="http://schemas.openxmlformats.org/drawingml/2006/compatibility" xmlns:p14="http://schemas.microsoft.com/office/powerpoint/2010/main" xmlns:p15="http://schemas.microsoft.com/office/powerpoint/2012/main" xmlns:ahyp="http://schemas.microsoft.com/office/drawing/2018/hyperlinkcolor">
+  <p:cSld>
+    <p:spTree>
+      <p:nvGrpSpPr>
+        <p:cNvPr id="75" name="Shape 75"/>
+        <p:cNvGrpSpPr/>
+        <p:nvPr/>
+      </p:nvGrpSpPr>
+      <p:grpSpPr>
+        <a:xfrm>
+          <a:off x="0" y="0"/>
+          <a:ext cx="0" cy="0"/>
+          <a:chOff x="0" y="0"/>
+          <a:chExt cx="0" cy="0"/>
+        </a:xfrm>
+      </p:grpSpPr>
+      <p:sp>
+        <p:nvSpPr>
+          <p:cNvPr id="76" name="Google Shape;76;gf17ddd57ad_0_6"/>
+          <p:cNvSpPr txBox="1"/>
+          <p:nvPr>
+            <p:ph type="title"/>
+          </p:nvPr>
+        </p:nvSpPr>
+        <p:spPr>
+          <a:xfrm>
+            <a:off x="311724" y="500924"/>
+            <a:ext cx="8520600" cy="623700"/>
+          </a:xfrm>
+          <a:prstGeom prst="rect">
+            <a:avLst/>
+          </a:prstGeom>
+        </p:spPr>
+        <p:txBody>
+          <a:bodyPr anchorCtr="0" anchor="t" bIns="91400" lIns="91400" spcFirstLastPara="1" rIns="91400" wrap="square" tIns="91400">
+            <a:normAutofit/>
+          </a:bodyPr>
+          <a:lstStyle/>
+          <a:p>
+            <a:pPr indent="0" lvl="0" marL="0" rtl="0" algn="l">
+              <a:spcBef>
+                <a:spcPts val="0"/>
+              </a:spcBef>
+              <a:spcAft>
+                <a:spcPts val="0"/>
+              </a:spcAft>
+              <a:buNone/>
+            </a:pPr>
+            <a:r>
+              <a:rPr lang="en-US"/>
+              <a:t>Entity-Relationship Diagram</a:t>
+            </a:r>
+            <a:endParaRPr/>
+          </a:p>
+        </p:txBody>
+      </p:sp>
+      <p:sp>
+        <p:nvSpPr>
+          <p:cNvPr id="77" name="Google Shape;77;gf17ddd57ad_0_6"/>
+          <p:cNvSpPr txBox="1"/>
+          <p:nvPr>
+            <p:ph idx="1" type="body"/>
+          </p:nvPr>
+        </p:nvSpPr>
+        <p:spPr>
+          <a:xfrm>
+            <a:off x="311699" y="1505699"/>
+            <a:ext cx="3999900" cy="3076200"/>
+          </a:xfrm>
+          <a:prstGeom prst="rect">
+            <a:avLst/>
+          </a:prstGeom>
+        </p:spPr>
+        <p:txBody>
+          <a:bodyPr anchorCtr="0" anchor="t" bIns="91400" lIns="91400" spcFirstLastPara="1" rIns="91400" wrap="square" tIns="91400">
+            <a:normAutofit/>
+          </a:bodyPr>
+          <a:lstStyle/>
+          <a:p>
+            <a:pPr indent="0" lvl="0" marL="0" rtl="0" algn="l">
+              <a:spcBef>
+                <a:spcPts val="0"/>
+              </a:spcBef>
+              <a:spcAft>
+                <a:spcPts val="0"/>
+              </a:spcAft>
+              <a:buNone/>
+            </a:pPr>
+            <a:r>
+              <a:t/>
+            </a:r>
+            <a:endParaRPr/>
+          </a:p>
+        </p:txBody>
+      </p:sp>
+      <p:sp>
+        <p:nvSpPr>
+          <p:cNvPr id="78" name="Google Shape;78;gf17ddd57ad_0_6"/>
+          <p:cNvSpPr txBox="1"/>
+          <p:nvPr>
+            <p:ph idx="2" type="body"/>
+          </p:nvPr>
+        </p:nvSpPr>
+        <p:spPr>
+          <a:xfrm>
+            <a:off x="4832399" y="1505699"/>
+            <a:ext cx="3999900" cy="3076200"/>
+          </a:xfrm>
+          <a:prstGeom prst="rect">
+            <a:avLst/>
+          </a:prstGeom>
+        </p:spPr>
+        <p:txBody>
+          <a:bodyPr anchorCtr="0" anchor="t" bIns="91400" lIns="91400" spcFirstLastPara="1" rIns="91400" wrap="square" tIns="91400">
+            <a:normAutofit/>
+          </a:bodyPr>
+          <a:lstStyle/>
+          <a:p>
+            <a:pPr indent="0" lvl="0" marL="0" rtl="0" algn="l">
+              <a:spcBef>
+                <a:spcPts val="0"/>
+              </a:spcBef>
+              <a:spcAft>
+                <a:spcPts val="0"/>
+              </a:spcAft>
+              <a:buNone/>
+            </a:pPr>
+            <a:r>
+              <a:t/>
+            </a:r>
+            <a:endParaRPr/>
+          </a:p>
+        </p:txBody>
+      </p:sp>
+    </p:spTree>
+  </p:cSld>
+  <p:clrMapOvr>
+    <a:masterClrMapping/>
+  </p:clrMapOvr>
+</p:sld>
+</file>
+
+<file path=ppt/slides/slide4.xml><?xml version="1.0" encoding="utf-8"?>
+<p:sld xmlns:a="http://schemas.openxmlformats.org/drawingml/2006/main" xmlns:r="http://schemas.openxmlformats.org/officeDocument/2006/relationships" xmlns:mc="http://schemas.openxmlformats.org/markup-compatibility/2006" xmlns:mv="urn:schemas-microsoft-com:mac:vml" xmlns:p="http://schemas.openxmlformats.org/presentationml/2006/main" xmlns:c="http://schemas.openxmlformats.org/drawingml/2006/chart" xmlns:dgm="http://schemas.openxmlformats.org/drawingml/2006/diagram" xmlns:o="urn:schemas-microsoft-com:office:office" xmlns:v="urn:schemas-microsoft-com:vml" xmlns:pvml="urn:schemas-microsoft-com:office:powerpoint" xmlns:com="http://schemas.openxmlformats.org/drawingml/2006/compatibility" xmlns:p14="http://schemas.microsoft.com/office/powerpoint/2010/main" xmlns:p15="http://schemas.microsoft.com/office/powerpoint/2012/main" xmlns:ahyp="http://schemas.microsoft.com/office/drawing/2018/hyperlinkcolor">
+  <p:cSld>
+    <p:spTree>
+      <p:nvGrpSpPr>
+        <p:cNvPr id="82" name="Shape 82"/>
+        <p:cNvGrpSpPr/>
+        <p:nvPr/>
+      </p:nvGrpSpPr>
+      <p:grpSpPr>
+        <a:xfrm>
+          <a:off x="0" y="0"/>
+          <a:ext cx="0" cy="0"/>
+          <a:chOff x="0" y="0"/>
+          <a:chExt cx="0" cy="0"/>
+        </a:xfrm>
+      </p:grpSpPr>
+      <p:sp>
+        <p:nvSpPr>
+          <p:cNvPr id="83" name="Google Shape;83;gf17ddd57ad_0_12"/>
+          <p:cNvSpPr txBox="1"/>
+          <p:nvPr>
+            <p:ph type="title"/>
+          </p:nvPr>
+        </p:nvSpPr>
+        <p:spPr>
+          <a:xfrm>
+            <a:off x="311724" y="500924"/>
+            <a:ext cx="8520600" cy="623700"/>
+          </a:xfrm>
+          <a:prstGeom prst="rect">
+            <a:avLst/>
+          </a:prstGeom>
+        </p:spPr>
+        <p:txBody>
+          <a:bodyPr anchorCtr="0" anchor="t" bIns="91400" lIns="91400" spcFirstLastPara="1" rIns="91400" wrap="square" tIns="91400">
+            <a:normAutofit/>
+          </a:bodyPr>
+          <a:lstStyle/>
+          <a:p>
+            <a:pPr indent="0" lvl="0" marL="0" rtl="0" algn="l">
+              <a:spcBef>
+                <a:spcPts val="0"/>
+              </a:spcBef>
+              <a:spcAft>
+                <a:spcPts val="0"/>
+              </a:spcAft>
+              <a:buNone/>
+            </a:pPr>
+            <a:r>
+              <a:rPr lang="en-US"/>
+              <a:t>Tables</a:t>
+            </a:r>
+            <a:endParaRPr/>
+          </a:p>
+        </p:txBody>
+      </p:sp>
+      <p:sp>
+        <p:nvSpPr>
+          <p:cNvPr id="84" name="Google Shape;84;gf17ddd57ad_0_12"/>
+          <p:cNvSpPr txBox="1"/>
+          <p:nvPr>
+            <p:ph idx="1" type="body"/>
+          </p:nvPr>
+        </p:nvSpPr>
+        <p:spPr>
+          <a:xfrm>
+            <a:off x="311699" y="1505699"/>
+            <a:ext cx="3999900" cy="3076200"/>
+          </a:xfrm>
+          <a:prstGeom prst="rect">
+            <a:avLst/>
+          </a:prstGeom>
+        </p:spPr>
+        <p:txBody>
+          <a:bodyPr anchorCtr="0" anchor="t" bIns="91400" lIns="91400" spcFirstLastPara="1" rIns="91400" wrap="square" tIns="91400">
+            <a:normAutofit/>
+          </a:bodyPr>
+          <a:lstStyle/>
+          <a:p>
+            <a:pPr indent="0" lvl="0" marL="0" rtl="0" algn="l">
+              <a:spcBef>
+                <a:spcPts val="0"/>
+              </a:spcBef>
+              <a:spcAft>
+                <a:spcPts val="0"/>
+              </a:spcAft>
+              <a:buNone/>
+            </a:pPr>
+            <a:r>
+              <a:t/>
+            </a:r>
+            <a:endParaRPr/>
+          </a:p>
+        </p:txBody>
+      </p:sp>
+      <p:sp>
+        <p:nvSpPr>
+          <p:cNvPr id="85" name="Google Shape;85;gf17ddd57ad_0_12"/>
+          <p:cNvSpPr txBox="1"/>
+          <p:nvPr>
+            <p:ph idx="2" type="body"/>
+          </p:nvPr>
+        </p:nvSpPr>
+        <p:spPr>
+          <a:xfrm>
+            <a:off x="4832399" y="1505699"/>
+            <a:ext cx="3999900" cy="3076200"/>
+          </a:xfrm>
+          <a:prstGeom prst="rect">
+            <a:avLst/>
+          </a:prstGeom>
+        </p:spPr>
+        <p:txBody>
+          <a:bodyPr anchorCtr="0" anchor="t" bIns="91400" lIns="91400" spcFirstLastPara="1" rIns="91400" wrap="square" tIns="91400">
+            <a:normAutofit/>
+          </a:bodyPr>
+          <a:lstStyle/>
+          <a:p>
+            <a:pPr indent="0" lvl="0" marL="0" rtl="0" algn="l">
+              <a:spcBef>
+                <a:spcPts val="0"/>
+              </a:spcBef>
+              <a:spcAft>
+                <a:spcPts val="0"/>
+              </a:spcAft>
+              <a:buNone/>
+            </a:pPr>
+            <a:r>
+              <a:t/>
+            </a:r>
+            <a:endParaRPr/>
+          </a:p>
+        </p:txBody>
+      </p:sp>
+    </p:spTree>
+  </p:cSld>
+  <p:clrMapOvr>
+    <a:masterClrMapping/>
+  </p:clrMapOvr>
+</p:sld>
+</file>
+
+<file path=ppt/slides/slide5.xml><?xml version="1.0" encoding="utf-8"?>
+<p:sld xmlns:a="http://schemas.openxmlformats.org/drawingml/2006/main" xmlns:r="http://schemas.openxmlformats.org/officeDocument/2006/relationships" xmlns:mc="http://schemas.openxmlformats.org/markup-compatibility/2006" xmlns:mv="urn:schemas-microsoft-com:mac:vml" xmlns:p="http://schemas.openxmlformats.org/presentationml/2006/main" xmlns:c="http://schemas.openxmlformats.org/drawingml/2006/chart" xmlns:dgm="http://schemas.openxmlformats.org/drawingml/2006/diagram" xmlns:o="urn:schemas-microsoft-com:office:office" xmlns:v="urn:schemas-microsoft-com:vml" xmlns:pvml="urn:schemas-microsoft-com:office:powerpoint" xmlns:com="http://schemas.openxmlformats.org/drawingml/2006/compatibility" xmlns:p14="http://schemas.microsoft.com/office/powerpoint/2010/main" xmlns:p15="http://schemas.microsoft.com/office/powerpoint/2012/main" xmlns:ahyp="http://schemas.microsoft.com/office/drawing/2018/hyperlinkcolor">
+  <p:cSld>
+    <p:spTree>
+      <p:nvGrpSpPr>
+        <p:cNvPr id="89" name="Shape 89"/>
+        <p:cNvGrpSpPr/>
+        <p:nvPr/>
+      </p:nvGrpSpPr>
+      <p:grpSpPr>
+        <a:xfrm>
+          <a:off x="0" y="0"/>
+          <a:ext cx="0" cy="0"/>
+          <a:chOff x="0" y="0"/>
+          <a:chExt cx="0" cy="0"/>
+        </a:xfrm>
+      </p:grpSpPr>
+      <p:sp>
+        <p:nvSpPr>
+          <p:cNvPr id="90" name="Google Shape;90;p2"/>
           <p:cNvSpPr txBox="1"/>
           <p:nvPr>
             <p:ph type="title"/>
@@ -10890,7 +13842,7 @@
       </p:sp>
       <p:sp>
         <p:nvSpPr>
-          <p:cNvPr id="70" name="Google Shape;70;p2"/>
+          <p:cNvPr id="91" name="Google Shape;91;p2"/>
           <p:cNvSpPr txBox="1"/>
           <p:nvPr>
             <p:ph idx="1" type="body"/>
@@ -11277,7 +14229,7 @@
       </p:sp>
       <p:sp>
         <p:nvSpPr>
-          <p:cNvPr id="71" name="Google Shape;71;p2"/>
+          <p:cNvPr id="92" name="Google Shape;92;p2"/>
           <p:cNvSpPr txBox="1"/>
           <p:nvPr>
             <p:ph idx="2" type="body"/>
@@ -11690,7 +14642,7 @@
       </p:sp>
       <p:sp>
         <p:nvSpPr>
-          <p:cNvPr id="72" name="Google Shape;72;p2"/>
+          <p:cNvPr id="93" name="Google Shape;93;p2"/>
           <p:cNvSpPr txBox="1"/>
           <p:nvPr/>
         </p:nvSpPr>
@@ -11756,7 +14708,7 @@
       </p:sp>
       <p:sp>
         <p:nvSpPr>
-          <p:cNvPr id="73" name="Google Shape;73;p2"/>
+          <p:cNvPr id="94" name="Google Shape;94;p2"/>
           <p:cNvSpPr txBox="1"/>
           <p:nvPr/>
         </p:nvSpPr>
@@ -11828,12 +14780,12 @@
 </p:sld>
 </file>
 
-<file path=ppt/slides/slide3.xml><?xml version="1.0" encoding="utf-8"?>
+<file path=ppt/slides/slide6.xml><?xml version="1.0" encoding="utf-8"?>
 <p:sld xmlns:a="http://schemas.openxmlformats.org/drawingml/2006/main" xmlns:r="http://schemas.openxmlformats.org/officeDocument/2006/relationships" xmlns:mc="http://schemas.openxmlformats.org/markup-compatibility/2006" xmlns:mv="urn:schemas-microsoft-com:mac:vml" xmlns:p="http://schemas.openxmlformats.org/presentationml/2006/main" xmlns:c="http://schemas.openxmlformats.org/drawingml/2006/chart" xmlns:dgm="http://schemas.openxmlformats.org/drawingml/2006/diagram" xmlns:o="urn:schemas-microsoft-com:office:office" xmlns:v="urn:schemas-microsoft-com:vml" xmlns:pvml="urn:schemas-microsoft-com:office:powerpoint" xmlns:com="http://schemas.openxmlformats.org/drawingml/2006/compatibility" xmlns:p14="http://schemas.microsoft.com/office/powerpoint/2010/main" xmlns:p15="http://schemas.microsoft.com/office/powerpoint/2012/main" xmlns:ahyp="http://schemas.microsoft.com/office/drawing/2018/hyperlinkcolor">
   <p:cSld>
     <p:spTree>
       <p:nvGrpSpPr>
-        <p:cNvPr id="77" name="Shape 77"/>
+        <p:cNvPr id="98" name="Shape 98"/>
         <p:cNvGrpSpPr/>
         <p:nvPr/>
       </p:nvGrpSpPr>
@@ -11847,7 +14799,7 @@
       </p:grpSpPr>
       <p:sp>
         <p:nvSpPr>
-          <p:cNvPr id="78" name="Google Shape;78;p3"/>
+          <p:cNvPr id="99" name="Google Shape;99;p3"/>
           <p:cNvSpPr txBox="1"/>
           <p:nvPr>
             <p:ph type="title"/>
@@ -11907,7 +14859,7 @@
       </p:sp>
       <p:sp>
         <p:nvSpPr>
-          <p:cNvPr id="79" name="Google Shape;79;p3"/>
+          <p:cNvPr id="100" name="Google Shape;100;p3"/>
           <p:cNvSpPr txBox="1"/>
           <p:nvPr>
             <p:ph idx="1" type="body"/>
@@ -12404,7 +15356,7 @@
       </p:sp>
       <p:sp>
         <p:nvSpPr>
-          <p:cNvPr id="80" name="Google Shape;80;p3"/>
+          <p:cNvPr id="101" name="Google Shape;101;p3"/>
           <p:cNvSpPr txBox="1"/>
           <p:nvPr>
             <p:ph idx="2" type="body"/>
@@ -12740,7 +15692,7 @@
       </p:sp>
       <p:sp>
         <p:nvSpPr>
-          <p:cNvPr id="81" name="Google Shape;81;p3"/>
+          <p:cNvPr id="102" name="Google Shape;102;p3"/>
           <p:cNvSpPr txBox="1"/>
           <p:nvPr/>
         </p:nvSpPr>
@@ -12806,7 +15758,7 @@
       </p:sp>
       <p:sp>
         <p:nvSpPr>
-          <p:cNvPr id="82" name="Google Shape;82;p3"/>
+          <p:cNvPr id="103" name="Google Shape;103;p3"/>
           <p:cNvSpPr txBox="1"/>
           <p:nvPr/>
         </p:nvSpPr>
@@ -12878,12 +15830,12 @@
 </p:sld>
 </file>
 
-<file path=ppt/slides/slide4.xml><?xml version="1.0" encoding="utf-8"?>
+<file path=ppt/slides/slide7.xml><?xml version="1.0" encoding="utf-8"?>
 <p:sld xmlns:a="http://schemas.openxmlformats.org/drawingml/2006/main" xmlns:r="http://schemas.openxmlformats.org/officeDocument/2006/relationships" xmlns:mc="http://schemas.openxmlformats.org/markup-compatibility/2006" xmlns:mv="urn:schemas-microsoft-com:mac:vml" xmlns:p="http://schemas.openxmlformats.org/presentationml/2006/main" xmlns:c="http://schemas.openxmlformats.org/drawingml/2006/chart" xmlns:dgm="http://schemas.openxmlformats.org/drawingml/2006/diagram" xmlns:o="urn:schemas-microsoft-com:office:office" xmlns:v="urn:schemas-microsoft-com:vml" xmlns:pvml="urn:schemas-microsoft-com:office:powerpoint" xmlns:com="http://schemas.openxmlformats.org/drawingml/2006/compatibility" xmlns:p14="http://schemas.microsoft.com/office/powerpoint/2010/main" xmlns:p15="http://schemas.microsoft.com/office/powerpoint/2012/main" xmlns:ahyp="http://schemas.microsoft.com/office/drawing/2018/hyperlinkcolor">
   <p:cSld>
     <p:spTree>
       <p:nvGrpSpPr>
-        <p:cNvPr id="86" name="Shape 86"/>
+        <p:cNvPr id="107" name="Shape 107"/>
         <p:cNvGrpSpPr/>
         <p:nvPr/>
       </p:nvGrpSpPr>
@@ -12897,7 +15849,7 @@
       </p:grpSpPr>
       <p:sp>
         <p:nvSpPr>
-          <p:cNvPr id="87" name="Google Shape;87;p4"/>
+          <p:cNvPr id="108" name="Google Shape;108;p4"/>
           <p:cNvSpPr txBox="1"/>
           <p:nvPr>
             <p:ph type="title"/>
@@ -12957,7 +15909,7 @@
       </p:sp>
       <p:sp>
         <p:nvSpPr>
-          <p:cNvPr id="88" name="Google Shape;88;p4"/>
+          <p:cNvPr id="109" name="Google Shape;109;p4"/>
           <p:cNvSpPr txBox="1"/>
           <p:nvPr>
             <p:ph idx="1" type="body"/>
@@ -13574,7 +16526,7 @@
       </p:sp>
       <p:sp>
         <p:nvSpPr>
-          <p:cNvPr id="89" name="Google Shape;89;p4"/>
+          <p:cNvPr id="110" name="Google Shape;110;p4"/>
           <p:cNvSpPr txBox="1"/>
           <p:nvPr>
             <p:ph idx="2" type="body"/>
@@ -13780,7 +16732,7 @@
       </p:sp>
       <p:sp>
         <p:nvSpPr>
-          <p:cNvPr id="90" name="Google Shape;90;p4"/>
+          <p:cNvPr id="111" name="Google Shape;111;p4"/>
           <p:cNvSpPr txBox="1"/>
           <p:nvPr/>
         </p:nvSpPr>
@@ -13852,12 +16804,12 @@
 </p:sld>
 </file>
 
-<file path=ppt/slides/slide5.xml><?xml version="1.0" encoding="utf-8"?>
+<file path=ppt/slides/slide8.xml><?xml version="1.0" encoding="utf-8"?>
 <p:sld xmlns:a="http://schemas.openxmlformats.org/drawingml/2006/main" xmlns:r="http://schemas.openxmlformats.org/officeDocument/2006/relationships" xmlns:mc="http://schemas.openxmlformats.org/markup-compatibility/2006" xmlns:mv="urn:schemas-microsoft-com:mac:vml" xmlns:p="http://schemas.openxmlformats.org/presentationml/2006/main" xmlns:c="http://schemas.openxmlformats.org/drawingml/2006/chart" xmlns:dgm="http://schemas.openxmlformats.org/drawingml/2006/diagram" xmlns:o="urn:schemas-microsoft-com:office:office" xmlns:v="urn:schemas-microsoft-com:vml" xmlns:pvml="urn:schemas-microsoft-com:office:powerpoint" xmlns:com="http://schemas.openxmlformats.org/drawingml/2006/compatibility" xmlns:p14="http://schemas.microsoft.com/office/powerpoint/2010/main" xmlns:p15="http://schemas.microsoft.com/office/powerpoint/2012/main" xmlns:ahyp="http://schemas.microsoft.com/office/drawing/2018/hyperlinkcolor">
   <p:cSld>
     <p:spTree>
       <p:nvGrpSpPr>
-        <p:cNvPr id="94" name="Shape 94"/>
+        <p:cNvPr id="115" name="Shape 115"/>
         <p:cNvGrpSpPr/>
         <p:nvPr/>
       </p:nvGrpSpPr>
@@ -13871,7 +16823,7 @@
       </p:grpSpPr>
       <p:sp>
         <p:nvSpPr>
-          <p:cNvPr id="95" name="Google Shape;95;p5"/>
+          <p:cNvPr id="116" name="Google Shape;116;p5"/>
           <p:cNvSpPr txBox="1"/>
           <p:nvPr>
             <p:ph type="title"/>
@@ -13931,7 +16883,7 @@
       </p:sp>
       <p:sp>
         <p:nvSpPr>
-          <p:cNvPr id="96" name="Google Shape;96;p5"/>
+          <p:cNvPr id="117" name="Google Shape;117;p5"/>
           <p:cNvSpPr txBox="1"/>
           <p:nvPr>
             <p:ph idx="1" type="body"/>
@@ -14432,7 +17384,7 @@
       </p:sp>
       <p:sp>
         <p:nvSpPr>
-          <p:cNvPr id="97" name="Google Shape;97;p5"/>
+          <p:cNvPr id="118" name="Google Shape;118;p5"/>
           <p:cNvSpPr txBox="1"/>
           <p:nvPr>
             <p:ph idx="2" type="body"/>
@@ -14935,12 +17887,12 @@
 </p:sld>
 </file>
 
-<file path=ppt/slides/slide6.xml><?xml version="1.0" encoding="utf-8"?>
+<file path=ppt/slides/slide9.xml><?xml version="1.0" encoding="utf-8"?>
 <p:sld xmlns:a="http://schemas.openxmlformats.org/drawingml/2006/main" xmlns:r="http://schemas.openxmlformats.org/officeDocument/2006/relationships" xmlns:mc="http://schemas.openxmlformats.org/markup-compatibility/2006" xmlns:mv="urn:schemas-microsoft-com:mac:vml" xmlns:p="http://schemas.openxmlformats.org/presentationml/2006/main" xmlns:c="http://schemas.openxmlformats.org/drawingml/2006/chart" xmlns:dgm="http://schemas.openxmlformats.org/drawingml/2006/diagram" xmlns:o="urn:schemas-microsoft-com:office:office" xmlns:v="urn:schemas-microsoft-com:vml" xmlns:pvml="urn:schemas-microsoft-com:office:powerpoint" xmlns:com="http://schemas.openxmlformats.org/drawingml/2006/compatibility" xmlns:p14="http://schemas.microsoft.com/office/powerpoint/2010/main" xmlns:p15="http://schemas.microsoft.com/office/powerpoint/2012/main" xmlns:ahyp="http://schemas.microsoft.com/office/drawing/2018/hyperlinkcolor">
   <p:cSld>
     <p:spTree>
       <p:nvGrpSpPr>
-        <p:cNvPr id="101" name="Shape 101"/>
+        <p:cNvPr id="122" name="Shape 122"/>
         <p:cNvGrpSpPr/>
         <p:nvPr/>
       </p:nvGrpSpPr>
@@ -14954,7 +17906,7 @@
       </p:grpSpPr>
       <p:sp>
         <p:nvSpPr>
-          <p:cNvPr id="102" name="Google Shape;102;p6"/>
+          <p:cNvPr id="123" name="Google Shape;123;p6"/>
           <p:cNvSpPr txBox="1"/>
           <p:nvPr>
             <p:ph type="title"/>
@@ -15030,7 +17982,7 @@
       </p:sp>
       <p:sp>
         <p:nvSpPr>
-          <p:cNvPr id="103" name="Google Shape;103;p6"/>
+          <p:cNvPr id="124" name="Google Shape;124;p6"/>
           <p:cNvSpPr txBox="1"/>
           <p:nvPr>
             <p:ph idx="1" type="body"/>
@@ -15281,7 +18233,7 @@
       </p:sp>
       <p:pic>
         <p:nvPicPr>
-          <p:cNvPr descr="Picture 1" id="104" name="Google Shape;104;p6"/>
+          <p:cNvPr descr="Picture 1" id="125" name="Google Shape;125;p6"/>
           <p:cNvPicPr preferRelativeResize="0"/>
           <p:nvPr/>
         </p:nvPicPr>
@@ -15306,2215 +18258,6 @@
           </a:ln>
         </p:spPr>
       </p:pic>
-    </p:spTree>
-  </p:cSld>
-  <p:clrMapOvr>
-    <a:masterClrMapping/>
-  </p:clrMapOvr>
-</p:sld>
-</file>
-
-<file path=ppt/slides/slide7.xml><?xml version="1.0" encoding="utf-8"?>
-<p:sld xmlns:a="http://schemas.openxmlformats.org/drawingml/2006/main" xmlns:r="http://schemas.openxmlformats.org/officeDocument/2006/relationships" xmlns:mc="http://schemas.openxmlformats.org/markup-compatibility/2006" xmlns:mv="urn:schemas-microsoft-com:mac:vml" xmlns:p="http://schemas.openxmlformats.org/presentationml/2006/main" xmlns:c="http://schemas.openxmlformats.org/drawingml/2006/chart" xmlns:dgm="http://schemas.openxmlformats.org/drawingml/2006/diagram" xmlns:o="urn:schemas-microsoft-com:office:office" xmlns:v="urn:schemas-microsoft-com:vml" xmlns:pvml="urn:schemas-microsoft-com:office:powerpoint" xmlns:com="http://schemas.openxmlformats.org/drawingml/2006/compatibility" xmlns:p14="http://schemas.microsoft.com/office/powerpoint/2010/main" xmlns:p15="http://schemas.microsoft.com/office/powerpoint/2012/main" xmlns:ahyp="http://schemas.microsoft.com/office/drawing/2018/hyperlinkcolor">
-  <p:cSld>
-    <p:spTree>
-      <p:nvGrpSpPr>
-        <p:cNvPr id="108" name="Shape 108"/>
-        <p:cNvGrpSpPr/>
-        <p:nvPr/>
-      </p:nvGrpSpPr>
-      <p:grpSpPr>
-        <a:xfrm>
-          <a:off x="0" y="0"/>
-          <a:ext cx="0" cy="0"/>
-          <a:chOff x="0" y="0"/>
-          <a:chExt cx="0" cy="0"/>
-        </a:xfrm>
-      </p:grpSpPr>
-      <p:sp>
-        <p:nvSpPr>
-          <p:cNvPr id="109" name="Google Shape;109;p7"/>
-          <p:cNvSpPr txBox="1"/>
-          <p:nvPr>
-            <p:ph type="title"/>
-          </p:nvPr>
-        </p:nvSpPr>
-        <p:spPr>
-          <a:xfrm>
-            <a:off x="311724" y="500924"/>
-            <a:ext cx="8520602" cy="623702"/>
-          </a:xfrm>
-          <a:prstGeom prst="rect">
-            <a:avLst/>
-          </a:prstGeom>
-          <a:noFill/>
-          <a:ln>
-            <a:noFill/>
-          </a:ln>
-        </p:spPr>
-        <p:txBody>
-          <a:bodyPr anchorCtr="0" anchor="t" bIns="91400" lIns="91400" spcFirstLastPara="1" rIns="91400" wrap="square" tIns="91400">
-            <a:normAutofit/>
-          </a:bodyPr>
-          <a:lstStyle/>
-          <a:p>
-            <a:pPr indent="0" lvl="0" marL="0" rtl="0" algn="l">
-              <a:lnSpc>
-                <a:spcPct val="100000"/>
-              </a:lnSpc>
-              <a:spcBef>
-                <a:spcPts val="0"/>
-              </a:spcBef>
-              <a:spcAft>
-                <a:spcPts val="0"/>
-              </a:spcAft>
-              <a:buClr>
-                <a:srgbClr val="FFFFFF"/>
-              </a:buClr>
-              <a:buSzPts val="2800"/>
-              <a:buFont typeface="Merriweather"/>
-              <a:buNone/>
-            </a:pPr>
-            <a:r>
-              <a:rPr b="0" i="0" lang="en-US" sz="2800" u="none" cap="none" strike="noStrike">
-                <a:solidFill>
-                  <a:srgbClr val="FFFFFF"/>
-                </a:solidFill>
-                <a:latin typeface="Merriweather"/>
-                <a:ea typeface="Merriweather"/>
-                <a:cs typeface="Merriweather"/>
-                <a:sym typeface="Merriweather"/>
-              </a:rPr>
-              <a:t>Foreign </a:t>
-            </a:r>
-            <a:r>
-              <a:rPr lang="en-US"/>
-              <a:t>k</a:t>
-            </a:r>
-            <a:r>
-              <a:rPr b="0" i="0" lang="en-US" sz="2800" u="none" cap="none" strike="noStrike">
-                <a:solidFill>
-                  <a:srgbClr val="FFFFFF"/>
-                </a:solidFill>
-                <a:latin typeface="Merriweather"/>
-                <a:ea typeface="Merriweather"/>
-                <a:cs typeface="Merriweather"/>
-                <a:sym typeface="Merriweather"/>
-              </a:rPr>
-              <a:t>ey </a:t>
-            </a:r>
-            <a:endParaRPr/>
-          </a:p>
-        </p:txBody>
-      </p:sp>
-      <p:sp>
-        <p:nvSpPr>
-          <p:cNvPr id="110" name="Google Shape;110;p7"/>
-          <p:cNvSpPr txBox="1"/>
-          <p:nvPr>
-            <p:ph idx="1" type="body"/>
-          </p:nvPr>
-        </p:nvSpPr>
-        <p:spPr>
-          <a:xfrm>
-            <a:off x="311700" y="2012275"/>
-            <a:ext cx="3999900" cy="2569500"/>
-          </a:xfrm>
-          <a:prstGeom prst="rect">
-            <a:avLst/>
-          </a:prstGeom>
-          <a:noFill/>
-          <a:ln cap="flat" cmpd="sng" w="9525">
-            <a:solidFill>
-              <a:srgbClr val="000000"/>
-            </a:solidFill>
-            <a:prstDash val="solid"/>
-            <a:round/>
-            <a:headEnd len="sm" w="sm" type="none"/>
-            <a:tailEnd len="sm" w="sm" type="none"/>
-          </a:ln>
-        </p:spPr>
-        <p:txBody>
-          <a:bodyPr anchorCtr="0" anchor="t" bIns="91400" lIns="91400" spcFirstLastPara="1" rIns="91400" wrap="square" tIns="91400">
-            <a:normAutofit lnSpcReduction="10000"/>
-          </a:bodyPr>
-          <a:lstStyle/>
-          <a:p>
-            <a:pPr indent="0" lvl="0" marL="0" rtl="0" algn="l">
-              <a:lnSpc>
-                <a:spcPct val="115000"/>
-              </a:lnSpc>
-              <a:spcBef>
-                <a:spcPts val="0"/>
-              </a:spcBef>
-              <a:spcAft>
-                <a:spcPts val="0"/>
-              </a:spcAft>
-              <a:buSzPts val="1300"/>
-              <a:buNone/>
-            </a:pPr>
-            <a:r>
-              <a:t/>
-            </a:r>
-            <a:endParaRPr sz="1600">
-              <a:solidFill>
-                <a:schemeClr val="dk1"/>
-              </a:solidFill>
-              <a:latin typeface="Arial"/>
-              <a:ea typeface="Arial"/>
-              <a:cs typeface="Arial"/>
-              <a:sym typeface="Arial"/>
-            </a:endParaRPr>
-          </a:p>
-          <a:p>
-            <a:pPr indent="0" lvl="0" marL="0" rtl="0" algn="l">
-              <a:lnSpc>
-                <a:spcPct val="115000"/>
-              </a:lnSpc>
-              <a:spcBef>
-                <a:spcPts val="0"/>
-              </a:spcBef>
-              <a:spcAft>
-                <a:spcPts val="0"/>
-              </a:spcAft>
-              <a:buSzPts val="1300"/>
-              <a:buNone/>
-            </a:pPr>
-            <a:r>
-              <a:t/>
-            </a:r>
-            <a:endParaRPr sz="1600">
-              <a:solidFill>
-                <a:schemeClr val="dk1"/>
-              </a:solidFill>
-              <a:latin typeface="Arial"/>
-              <a:ea typeface="Arial"/>
-              <a:cs typeface="Arial"/>
-              <a:sym typeface="Arial"/>
-            </a:endParaRPr>
-          </a:p>
-          <a:p>
-            <a:pPr indent="0" lvl="0" marL="0" rtl="0" algn="l">
-              <a:lnSpc>
-                <a:spcPct val="115000"/>
-              </a:lnSpc>
-              <a:spcBef>
-                <a:spcPts val="0"/>
-              </a:spcBef>
-              <a:spcAft>
-                <a:spcPts val="0"/>
-              </a:spcAft>
-              <a:buSzPts val="1300"/>
-              <a:buNone/>
-            </a:pPr>
-            <a:r>
-              <a:t/>
-            </a:r>
-            <a:endParaRPr sz="1600">
-              <a:solidFill>
-                <a:schemeClr val="dk1"/>
-              </a:solidFill>
-              <a:latin typeface="Arial"/>
-              <a:ea typeface="Arial"/>
-              <a:cs typeface="Arial"/>
-              <a:sym typeface="Arial"/>
-            </a:endParaRPr>
-          </a:p>
-          <a:p>
-            <a:pPr indent="0" lvl="0" marL="0" rtl="0" algn="l">
-              <a:lnSpc>
-                <a:spcPct val="115000"/>
-              </a:lnSpc>
-              <a:spcBef>
-                <a:spcPts val="0"/>
-              </a:spcBef>
-              <a:spcAft>
-                <a:spcPts val="0"/>
-              </a:spcAft>
-              <a:buSzPts val="1300"/>
-              <a:buNone/>
-            </a:pPr>
-            <a:r>
-              <a:rPr b="1" lang="en-US" sz="1600">
-                <a:solidFill>
-                  <a:srgbClr val="CC7832"/>
-                </a:solidFill>
-                <a:latin typeface="Courier New"/>
-                <a:ea typeface="Courier New"/>
-                <a:cs typeface="Courier New"/>
-                <a:sym typeface="Courier New"/>
-              </a:rPr>
-              <a:t>INSERT INTO </a:t>
-            </a:r>
-            <a:r>
-              <a:rPr b="1" lang="en-US" sz="1600">
-                <a:solidFill>
-                  <a:srgbClr val="A9B7C6"/>
-                </a:solidFill>
-                <a:latin typeface="Courier New"/>
-                <a:ea typeface="Courier New"/>
-                <a:cs typeface="Courier New"/>
-                <a:sym typeface="Courier New"/>
-              </a:rPr>
-              <a:t>Score </a:t>
-            </a:r>
-            <a:endParaRPr b="1" sz="1600">
-              <a:solidFill>
-                <a:srgbClr val="A9B7C6"/>
-              </a:solidFill>
-              <a:latin typeface="Courier New"/>
-              <a:ea typeface="Courier New"/>
-              <a:cs typeface="Courier New"/>
-              <a:sym typeface="Courier New"/>
-            </a:endParaRPr>
-          </a:p>
-          <a:p>
-            <a:pPr indent="0" lvl="0" marL="0" rtl="0" algn="l">
-              <a:lnSpc>
-                <a:spcPct val="115000"/>
-              </a:lnSpc>
-              <a:spcBef>
-                <a:spcPts val="0"/>
-              </a:spcBef>
-              <a:spcAft>
-                <a:spcPts val="0"/>
-              </a:spcAft>
-              <a:buSzPts val="1300"/>
-              <a:buNone/>
-            </a:pPr>
-            <a:r>
-              <a:rPr b="1" lang="en-US" sz="1600">
-                <a:solidFill>
-                  <a:srgbClr val="CC7832"/>
-                </a:solidFill>
-                <a:latin typeface="Courier New"/>
-                <a:ea typeface="Courier New"/>
-                <a:cs typeface="Courier New"/>
-                <a:sym typeface="Courier New"/>
-              </a:rPr>
-              <a:t>VALUES</a:t>
-            </a:r>
-            <a:endParaRPr b="1" sz="1600">
-              <a:solidFill>
-                <a:srgbClr val="CC7832"/>
-              </a:solidFill>
-              <a:latin typeface="Courier New"/>
-              <a:ea typeface="Courier New"/>
-              <a:cs typeface="Courier New"/>
-              <a:sym typeface="Courier New"/>
-            </a:endParaRPr>
-          </a:p>
-          <a:p>
-            <a:pPr indent="0" lvl="0" marL="0" rtl="0" algn="l">
-              <a:lnSpc>
-                <a:spcPct val="115000"/>
-              </a:lnSpc>
-              <a:spcBef>
-                <a:spcPts val="0"/>
-              </a:spcBef>
-              <a:spcAft>
-                <a:spcPts val="0"/>
-              </a:spcAft>
-              <a:buSzPts val="1300"/>
-              <a:buNone/>
-            </a:pPr>
-            <a:r>
-              <a:rPr b="1" lang="en-US" sz="1600">
-                <a:solidFill>
-                  <a:srgbClr val="A9B7C6"/>
-                </a:solidFill>
-                <a:latin typeface="Courier New"/>
-                <a:ea typeface="Courier New"/>
-                <a:cs typeface="Courier New"/>
-                <a:sym typeface="Courier New"/>
-              </a:rPr>
-              <a:t>(</a:t>
-            </a:r>
-            <a:r>
-              <a:rPr b="1" lang="en-US" sz="1600">
-                <a:solidFill>
-                  <a:srgbClr val="6897BB"/>
-                </a:solidFill>
-                <a:latin typeface="Courier New"/>
-                <a:ea typeface="Courier New"/>
-                <a:cs typeface="Courier New"/>
-                <a:sym typeface="Courier New"/>
-              </a:rPr>
-              <a:t>4</a:t>
-            </a:r>
-            <a:r>
-              <a:rPr b="1" lang="en-US" sz="1600">
-                <a:solidFill>
-                  <a:srgbClr val="CC7832"/>
-                </a:solidFill>
-                <a:latin typeface="Courier New"/>
-                <a:ea typeface="Courier New"/>
-                <a:cs typeface="Courier New"/>
-                <a:sym typeface="Courier New"/>
-              </a:rPr>
-              <a:t>,</a:t>
-            </a:r>
-            <a:r>
-              <a:rPr b="1" lang="en-US" sz="1600">
-                <a:solidFill>
-                  <a:srgbClr val="6897BB"/>
-                </a:solidFill>
-                <a:latin typeface="Courier New"/>
-                <a:ea typeface="Courier New"/>
-                <a:cs typeface="Courier New"/>
-                <a:sym typeface="Courier New"/>
-              </a:rPr>
-              <a:t>66</a:t>
-            </a:r>
-            <a:r>
-              <a:rPr b="1" lang="en-US" sz="1600">
-                <a:solidFill>
-                  <a:srgbClr val="CC7832"/>
-                </a:solidFill>
-                <a:latin typeface="Courier New"/>
-                <a:ea typeface="Courier New"/>
-                <a:cs typeface="Courier New"/>
-                <a:sym typeface="Courier New"/>
-              </a:rPr>
-              <a:t>,</a:t>
-            </a:r>
-            <a:r>
-              <a:rPr b="1" lang="en-US" sz="1600">
-                <a:solidFill>
-                  <a:srgbClr val="6897BB"/>
-                </a:solidFill>
-                <a:latin typeface="Courier New"/>
-                <a:ea typeface="Courier New"/>
-                <a:cs typeface="Courier New"/>
-                <a:sym typeface="Courier New"/>
-              </a:rPr>
-              <a:t>78</a:t>
-            </a:r>
-            <a:r>
-              <a:rPr b="1" lang="en-US" sz="1600">
-                <a:solidFill>
-                  <a:srgbClr val="A9B7C6"/>
-                </a:solidFill>
-                <a:latin typeface="Courier New"/>
-                <a:ea typeface="Courier New"/>
-                <a:cs typeface="Courier New"/>
-                <a:sym typeface="Courier New"/>
-              </a:rPr>
-              <a:t>)</a:t>
-            </a:r>
-            <a:r>
-              <a:rPr b="1" lang="en-US" sz="1600">
-                <a:solidFill>
-                  <a:srgbClr val="CC7832"/>
-                </a:solidFill>
-                <a:latin typeface="Courier New"/>
-                <a:ea typeface="Courier New"/>
-                <a:cs typeface="Courier New"/>
-                <a:sym typeface="Courier New"/>
-              </a:rPr>
-              <a:t>;</a:t>
-            </a:r>
-            <a:endParaRPr b="1" sz="1600">
-              <a:solidFill>
-                <a:srgbClr val="CC7832"/>
-              </a:solidFill>
-              <a:latin typeface="Courier New"/>
-              <a:ea typeface="Courier New"/>
-              <a:cs typeface="Courier New"/>
-              <a:sym typeface="Courier New"/>
-            </a:endParaRPr>
-          </a:p>
-          <a:p>
-            <a:pPr indent="0" lvl="0" marL="0" rtl="0" algn="l">
-              <a:lnSpc>
-                <a:spcPct val="115000"/>
-              </a:lnSpc>
-              <a:spcBef>
-                <a:spcPts val="0"/>
-              </a:spcBef>
-              <a:spcAft>
-                <a:spcPts val="0"/>
-              </a:spcAft>
-              <a:buSzPts val="1300"/>
-              <a:buNone/>
-            </a:pPr>
-            <a:r>
-              <a:t/>
-            </a:r>
-            <a:endParaRPr b="1" sz="1600">
-              <a:solidFill>
-                <a:srgbClr val="CC7832"/>
-              </a:solidFill>
-              <a:latin typeface="Courier New"/>
-              <a:ea typeface="Courier New"/>
-              <a:cs typeface="Courier New"/>
-              <a:sym typeface="Courier New"/>
-            </a:endParaRPr>
-          </a:p>
-          <a:p>
-            <a:pPr indent="0" lvl="0" marL="0" rtl="0" algn="l">
-              <a:lnSpc>
-                <a:spcPct val="115000"/>
-              </a:lnSpc>
-              <a:spcBef>
-                <a:spcPts val="0"/>
-              </a:spcBef>
-              <a:spcAft>
-                <a:spcPts val="0"/>
-              </a:spcAft>
-              <a:buSzPts val="1300"/>
-              <a:buNone/>
-            </a:pPr>
-            <a:r>
-              <a:t/>
-            </a:r>
-            <a:endParaRPr b="1" sz="1600">
-              <a:solidFill>
-                <a:srgbClr val="CC7832"/>
-              </a:solidFill>
-              <a:latin typeface="Courier New"/>
-              <a:ea typeface="Courier New"/>
-              <a:cs typeface="Courier New"/>
-              <a:sym typeface="Courier New"/>
-            </a:endParaRPr>
-          </a:p>
-          <a:p>
-            <a:pPr indent="0" lvl="0" marL="0" rtl="0" algn="l">
-              <a:lnSpc>
-                <a:spcPct val="115000"/>
-              </a:lnSpc>
-              <a:spcBef>
-                <a:spcPts val="0"/>
-              </a:spcBef>
-              <a:spcAft>
-                <a:spcPts val="0"/>
-              </a:spcAft>
-              <a:buSzPts val="1300"/>
-              <a:buNone/>
-            </a:pPr>
-            <a:r>
-              <a:t/>
-            </a:r>
-            <a:endParaRPr sz="1600">
-              <a:solidFill>
-                <a:schemeClr val="dk1"/>
-              </a:solidFill>
-              <a:latin typeface="Arial"/>
-              <a:ea typeface="Arial"/>
-              <a:cs typeface="Arial"/>
-              <a:sym typeface="Arial"/>
-            </a:endParaRPr>
-          </a:p>
-        </p:txBody>
-      </p:sp>
-      <p:sp>
-        <p:nvSpPr>
-          <p:cNvPr id="111" name="Google Shape;111;p7"/>
-          <p:cNvSpPr txBox="1"/>
-          <p:nvPr>
-            <p:ph idx="2" type="body"/>
-          </p:nvPr>
-        </p:nvSpPr>
-        <p:spPr>
-          <a:xfrm>
-            <a:off x="4832399" y="1505699"/>
-            <a:ext cx="3999902" cy="3076201"/>
-          </a:xfrm>
-          <a:prstGeom prst="rect">
-            <a:avLst/>
-          </a:prstGeom>
-          <a:noFill/>
-          <a:ln cap="flat" cmpd="sng" w="9525">
-            <a:solidFill>
-              <a:srgbClr val="000000"/>
-            </a:solidFill>
-            <a:prstDash val="solid"/>
-            <a:round/>
-            <a:headEnd len="sm" w="sm" type="none"/>
-            <a:tailEnd len="sm" w="sm" type="none"/>
-          </a:ln>
-        </p:spPr>
-        <p:txBody>
-          <a:bodyPr anchorCtr="0" anchor="t" bIns="91400" lIns="91400" spcFirstLastPara="1" rIns="91400" wrap="square" tIns="91400">
-            <a:normAutofit/>
-          </a:bodyPr>
-          <a:lstStyle/>
-          <a:p>
-            <a:pPr indent="0" lvl="0" marL="0" rtl="0" algn="l">
-              <a:lnSpc>
-                <a:spcPct val="115000"/>
-              </a:lnSpc>
-              <a:spcBef>
-                <a:spcPts val="0"/>
-              </a:spcBef>
-              <a:spcAft>
-                <a:spcPts val="0"/>
-              </a:spcAft>
-              <a:buSzPts val="1300"/>
-              <a:buNone/>
-            </a:pPr>
-            <a:r>
-              <a:rPr lang="en-US" sz="1350">
-                <a:solidFill>
-                  <a:srgbClr val="FF0000"/>
-                </a:solidFill>
-                <a:latin typeface="Source Code Pro"/>
-                <a:ea typeface="Source Code Pro"/>
-                <a:cs typeface="Source Code Pro"/>
-                <a:sym typeface="Source Code Pro"/>
-              </a:rPr>
-              <a:t>ERROR: insert or update on table "score" violates foreign key constraint "score_id_fkey"</a:t>
-            </a:r>
-            <a:endParaRPr sz="1350">
-              <a:solidFill>
-                <a:srgbClr val="FF0000"/>
-              </a:solidFill>
-              <a:latin typeface="Source Code Pro"/>
-              <a:ea typeface="Source Code Pro"/>
-              <a:cs typeface="Source Code Pro"/>
-              <a:sym typeface="Source Code Pro"/>
-            </a:endParaRPr>
-          </a:p>
-          <a:p>
-            <a:pPr indent="0" lvl="0" marL="0" rtl="0" algn="l">
-              <a:lnSpc>
-                <a:spcPct val="115000"/>
-              </a:lnSpc>
-              <a:spcBef>
-                <a:spcPts val="0"/>
-              </a:spcBef>
-              <a:spcAft>
-                <a:spcPts val="0"/>
-              </a:spcAft>
-              <a:buSzPts val="1300"/>
-              <a:buNone/>
-            </a:pPr>
-            <a:r>
-              <a:t/>
-            </a:r>
-            <a:endParaRPr sz="1350">
-              <a:solidFill>
-                <a:srgbClr val="FF0000"/>
-              </a:solidFill>
-              <a:latin typeface="Source Code Pro"/>
-              <a:ea typeface="Source Code Pro"/>
-              <a:cs typeface="Source Code Pro"/>
-              <a:sym typeface="Source Code Pro"/>
-            </a:endParaRPr>
-          </a:p>
-          <a:p>
-            <a:pPr indent="0" lvl="0" marL="0" rtl="0" algn="l">
-              <a:lnSpc>
-                <a:spcPct val="115000"/>
-              </a:lnSpc>
-              <a:spcBef>
-                <a:spcPts val="0"/>
-              </a:spcBef>
-              <a:spcAft>
-                <a:spcPts val="0"/>
-              </a:spcAft>
-              <a:buSzPts val="1300"/>
-              <a:buNone/>
-            </a:pPr>
-            <a:r>
-              <a:rPr lang="en-US" sz="1350">
-                <a:solidFill>
-                  <a:srgbClr val="FF0000"/>
-                </a:solidFill>
-                <a:latin typeface="Source Code Pro"/>
-                <a:ea typeface="Source Code Pro"/>
-                <a:cs typeface="Source Code Pro"/>
-                <a:sym typeface="Source Code Pro"/>
-              </a:rPr>
-              <a:t>Detail: Key (id)=(4) is not present in table "student".</a:t>
-            </a:r>
-            <a:endParaRPr sz="1350">
-              <a:solidFill>
-                <a:srgbClr val="FF0000"/>
-              </a:solidFill>
-              <a:latin typeface="Source Code Pro"/>
-              <a:ea typeface="Source Code Pro"/>
-              <a:cs typeface="Source Code Pro"/>
-              <a:sym typeface="Source Code Pro"/>
-            </a:endParaRPr>
-          </a:p>
-          <a:p>
-            <a:pPr indent="0" lvl="0" marL="0" rtl="0" algn="l">
-              <a:lnSpc>
-                <a:spcPct val="115000"/>
-              </a:lnSpc>
-              <a:spcBef>
-                <a:spcPts val="0"/>
-              </a:spcBef>
-              <a:spcAft>
-                <a:spcPts val="0"/>
-              </a:spcAft>
-              <a:buClr>
-                <a:srgbClr val="666666"/>
-              </a:buClr>
-              <a:buSzPts val="1300"/>
-              <a:buFont typeface="Roboto"/>
-              <a:buNone/>
-            </a:pPr>
-            <a:r>
-              <a:t/>
-            </a:r>
-            <a:endParaRPr sz="1350">
-              <a:latin typeface="Source Code Pro"/>
-              <a:ea typeface="Source Code Pro"/>
-              <a:cs typeface="Source Code Pro"/>
-              <a:sym typeface="Source Code Pro"/>
-            </a:endParaRPr>
-          </a:p>
-          <a:p>
-            <a:pPr indent="0" lvl="0" marL="0" rtl="0" algn="l">
-              <a:lnSpc>
-                <a:spcPct val="115000"/>
-              </a:lnSpc>
-              <a:spcBef>
-                <a:spcPts val="0"/>
-              </a:spcBef>
-              <a:spcAft>
-                <a:spcPts val="0"/>
-              </a:spcAft>
-              <a:buSzPts val="1300"/>
-              <a:buNone/>
-            </a:pPr>
-            <a:r>
-              <a:t/>
-            </a:r>
-            <a:endParaRPr sz="1350">
-              <a:latin typeface="Source Code Pro"/>
-              <a:ea typeface="Source Code Pro"/>
-              <a:cs typeface="Source Code Pro"/>
-              <a:sym typeface="Source Code Pro"/>
-            </a:endParaRPr>
-          </a:p>
-        </p:txBody>
-      </p:sp>
-      <p:sp>
-        <p:nvSpPr>
-          <p:cNvPr id="112" name="Google Shape;112;p7"/>
-          <p:cNvSpPr txBox="1"/>
-          <p:nvPr/>
-        </p:nvSpPr>
-        <p:spPr>
-          <a:xfrm>
-            <a:off x="311700" y="1551525"/>
-            <a:ext cx="3999900" cy="400200"/>
-          </a:xfrm>
-          <a:prstGeom prst="rect">
-            <a:avLst/>
-          </a:prstGeom>
-          <a:noFill/>
-          <a:ln>
-            <a:noFill/>
-          </a:ln>
-        </p:spPr>
-        <p:txBody>
-          <a:bodyPr anchorCtr="0" anchor="t" bIns="91425" lIns="91425" spcFirstLastPara="1" rIns="91425" wrap="square" tIns="91425">
-            <a:spAutoFit/>
-          </a:bodyPr>
-          <a:lstStyle/>
-          <a:p>
-            <a:pPr indent="0" lvl="0" marL="0" rtl="0" algn="l">
-              <a:spcBef>
-                <a:spcPts val="0"/>
-              </a:spcBef>
-              <a:spcAft>
-                <a:spcPts val="0"/>
-              </a:spcAft>
-              <a:buNone/>
-            </a:pPr>
-            <a:r>
-              <a:rPr lang="en-US">
-                <a:latin typeface="Roboto"/>
-                <a:ea typeface="Roboto"/>
-                <a:cs typeface="Roboto"/>
-                <a:sym typeface="Roboto"/>
-              </a:rPr>
-              <a:t>Prevents insertion of invalid values</a:t>
-            </a:r>
-            <a:endParaRPr>
-              <a:latin typeface="Roboto"/>
-              <a:ea typeface="Roboto"/>
-              <a:cs typeface="Roboto"/>
-              <a:sym typeface="Roboto"/>
-            </a:endParaRPr>
-          </a:p>
-        </p:txBody>
-      </p:sp>
-    </p:spTree>
-  </p:cSld>
-  <p:clrMapOvr>
-    <a:masterClrMapping/>
-  </p:clrMapOvr>
-</p:sld>
-</file>
-
-<file path=ppt/slides/slide8.xml><?xml version="1.0" encoding="utf-8"?>
-<p:sld xmlns:a="http://schemas.openxmlformats.org/drawingml/2006/main" xmlns:r="http://schemas.openxmlformats.org/officeDocument/2006/relationships" xmlns:mc="http://schemas.openxmlformats.org/markup-compatibility/2006" xmlns:mv="urn:schemas-microsoft-com:mac:vml" xmlns:p="http://schemas.openxmlformats.org/presentationml/2006/main" xmlns:c="http://schemas.openxmlformats.org/drawingml/2006/chart" xmlns:dgm="http://schemas.openxmlformats.org/drawingml/2006/diagram" xmlns:o="urn:schemas-microsoft-com:office:office" xmlns:v="urn:schemas-microsoft-com:vml" xmlns:pvml="urn:schemas-microsoft-com:office:powerpoint" xmlns:com="http://schemas.openxmlformats.org/drawingml/2006/compatibility" xmlns:p14="http://schemas.microsoft.com/office/powerpoint/2010/main" xmlns:p15="http://schemas.microsoft.com/office/powerpoint/2012/main" xmlns:ahyp="http://schemas.microsoft.com/office/drawing/2018/hyperlinkcolor">
-  <p:cSld>
-    <p:spTree>
-      <p:nvGrpSpPr>
-        <p:cNvPr id="116" name="Shape 116"/>
-        <p:cNvGrpSpPr/>
-        <p:nvPr/>
-      </p:nvGrpSpPr>
-      <p:grpSpPr>
-        <a:xfrm>
-          <a:off x="0" y="0"/>
-          <a:ext cx="0" cy="0"/>
-          <a:chOff x="0" y="0"/>
-          <a:chExt cx="0" cy="0"/>
-        </a:xfrm>
-      </p:grpSpPr>
-      <p:sp>
-        <p:nvSpPr>
-          <p:cNvPr id="117" name="Google Shape;117;p8"/>
-          <p:cNvSpPr txBox="1"/>
-          <p:nvPr>
-            <p:ph type="title"/>
-          </p:nvPr>
-        </p:nvSpPr>
-        <p:spPr>
-          <a:xfrm>
-            <a:off x="311724" y="500924"/>
-            <a:ext cx="8520602" cy="623702"/>
-          </a:xfrm>
-          <a:prstGeom prst="rect">
-            <a:avLst/>
-          </a:prstGeom>
-          <a:noFill/>
-          <a:ln>
-            <a:noFill/>
-          </a:ln>
-        </p:spPr>
-        <p:txBody>
-          <a:bodyPr anchorCtr="0" anchor="t" bIns="91400" lIns="91400" spcFirstLastPara="1" rIns="91400" wrap="square" tIns="91400">
-            <a:normAutofit/>
-          </a:bodyPr>
-          <a:lstStyle/>
-          <a:p>
-            <a:pPr indent="0" lvl="0" marL="0" rtl="0" algn="l">
-              <a:lnSpc>
-                <a:spcPct val="100000"/>
-              </a:lnSpc>
-              <a:spcBef>
-                <a:spcPts val="0"/>
-              </a:spcBef>
-              <a:spcAft>
-                <a:spcPts val="0"/>
-              </a:spcAft>
-              <a:buClr>
-                <a:srgbClr val="FFFFFF"/>
-              </a:buClr>
-              <a:buSzPts val="2800"/>
-              <a:buFont typeface="Merriweather"/>
-              <a:buNone/>
-            </a:pPr>
-            <a:r>
-              <a:rPr b="0" i="0" lang="en-US" sz="2800" u="none" cap="none" strike="noStrike">
-                <a:solidFill>
-                  <a:srgbClr val="FFFFFF"/>
-                </a:solidFill>
-                <a:latin typeface="Merriweather"/>
-                <a:ea typeface="Merriweather"/>
-                <a:cs typeface="Merriweather"/>
-                <a:sym typeface="Merriweather"/>
-              </a:rPr>
-              <a:t>Unique key</a:t>
-            </a:r>
-            <a:endParaRPr/>
-          </a:p>
-        </p:txBody>
-      </p:sp>
-      <p:sp>
-        <p:nvSpPr>
-          <p:cNvPr id="118" name="Google Shape;118;p8"/>
-          <p:cNvSpPr txBox="1"/>
-          <p:nvPr>
-            <p:ph idx="1" type="body"/>
-          </p:nvPr>
-        </p:nvSpPr>
-        <p:spPr>
-          <a:xfrm>
-            <a:off x="311724" y="1505699"/>
-            <a:ext cx="3999902" cy="3076201"/>
-          </a:xfrm>
-          <a:prstGeom prst="rect">
-            <a:avLst/>
-          </a:prstGeom>
-          <a:noFill/>
-          <a:ln cap="flat" cmpd="sng" w="9525">
-            <a:solidFill>
-              <a:srgbClr val="000000"/>
-            </a:solidFill>
-            <a:prstDash val="solid"/>
-            <a:round/>
-            <a:headEnd len="sm" w="sm" type="none"/>
-            <a:tailEnd len="sm" w="sm" type="none"/>
-          </a:ln>
-        </p:spPr>
-        <p:txBody>
-          <a:bodyPr anchorCtr="0" anchor="t" bIns="91400" lIns="91400" spcFirstLastPara="1" rIns="91400" wrap="square" tIns="91400">
-            <a:normAutofit/>
-          </a:bodyPr>
-          <a:lstStyle/>
-          <a:p>
-            <a:pPr indent="0" lvl="0" marL="0" rtl="0" algn="l">
-              <a:lnSpc>
-                <a:spcPct val="115000"/>
-              </a:lnSpc>
-              <a:spcBef>
-                <a:spcPts val="1200"/>
-              </a:spcBef>
-              <a:spcAft>
-                <a:spcPts val="0"/>
-              </a:spcAft>
-              <a:buSzPts val="1300"/>
-              <a:buNone/>
-            </a:pPr>
-            <a:r>
-              <a:rPr b="1" lang="en-US" sz="1600">
-                <a:solidFill>
-                  <a:srgbClr val="CC7832"/>
-                </a:solidFill>
-                <a:latin typeface="Courier New"/>
-                <a:ea typeface="Courier New"/>
-                <a:cs typeface="Courier New"/>
-                <a:sym typeface="Courier New"/>
-              </a:rPr>
-              <a:t>CREATE TABLE </a:t>
-            </a:r>
-            <a:r>
-              <a:rPr b="1" lang="en-US" sz="1600">
-                <a:solidFill>
-                  <a:srgbClr val="A9B7C6"/>
-                </a:solidFill>
-                <a:latin typeface="Courier New"/>
-                <a:ea typeface="Courier New"/>
-                <a:cs typeface="Courier New"/>
-                <a:sym typeface="Courier New"/>
-              </a:rPr>
-              <a:t>Student</a:t>
-            </a:r>
-            <a:endParaRPr b="1" sz="1600">
-              <a:solidFill>
-                <a:srgbClr val="A9B7C6"/>
-              </a:solidFill>
-              <a:latin typeface="Courier New"/>
-              <a:ea typeface="Courier New"/>
-              <a:cs typeface="Courier New"/>
-              <a:sym typeface="Courier New"/>
-            </a:endParaRPr>
-          </a:p>
-          <a:p>
-            <a:pPr indent="0" lvl="0" marL="0" rtl="0" algn="l">
-              <a:lnSpc>
-                <a:spcPct val="115000"/>
-              </a:lnSpc>
-              <a:spcBef>
-                <a:spcPts val="1200"/>
-              </a:spcBef>
-              <a:spcAft>
-                <a:spcPts val="0"/>
-              </a:spcAft>
-              <a:buSzPts val="1300"/>
-              <a:buNone/>
-            </a:pPr>
-            <a:r>
-              <a:rPr b="1" lang="en-US" sz="1600">
-                <a:solidFill>
-                  <a:srgbClr val="A9B7C6"/>
-                </a:solidFill>
-                <a:latin typeface="Courier New"/>
-                <a:ea typeface="Courier New"/>
-                <a:cs typeface="Courier New"/>
-                <a:sym typeface="Courier New"/>
-              </a:rPr>
-              <a:t>(</a:t>
-            </a:r>
-            <a:r>
-              <a:rPr b="1" lang="en-US" sz="1600">
-                <a:solidFill>
-                  <a:srgbClr val="9876AA"/>
-                </a:solidFill>
-                <a:latin typeface="Courier New"/>
-                <a:ea typeface="Courier New"/>
-                <a:cs typeface="Courier New"/>
-                <a:sym typeface="Courier New"/>
-              </a:rPr>
-              <a:t>student_id </a:t>
-            </a:r>
-            <a:r>
-              <a:rPr b="1" lang="en-US" sz="1600">
-                <a:solidFill>
-                  <a:srgbClr val="CC7832"/>
-                </a:solidFill>
-                <a:latin typeface="Courier New"/>
-                <a:ea typeface="Courier New"/>
-                <a:cs typeface="Courier New"/>
-                <a:sym typeface="Courier New"/>
-              </a:rPr>
-              <a:t>INTEGER,</a:t>
-            </a:r>
-            <a:endParaRPr b="1" sz="1600">
-              <a:solidFill>
-                <a:srgbClr val="CC7832"/>
-              </a:solidFill>
-              <a:latin typeface="Courier New"/>
-              <a:ea typeface="Courier New"/>
-              <a:cs typeface="Courier New"/>
-              <a:sym typeface="Courier New"/>
-            </a:endParaRPr>
-          </a:p>
-          <a:p>
-            <a:pPr indent="0" lvl="0" marL="0" rtl="0" algn="l">
-              <a:lnSpc>
-                <a:spcPct val="115000"/>
-              </a:lnSpc>
-              <a:spcBef>
-                <a:spcPts val="1200"/>
-              </a:spcBef>
-              <a:spcAft>
-                <a:spcPts val="0"/>
-              </a:spcAft>
-              <a:buSzPts val="1300"/>
-              <a:buNone/>
-            </a:pPr>
-            <a:r>
-              <a:rPr b="1" lang="en-US" sz="1600">
-                <a:solidFill>
-                  <a:srgbClr val="9876AA"/>
-                </a:solidFill>
-                <a:latin typeface="Courier New"/>
-                <a:ea typeface="Courier New"/>
-                <a:cs typeface="Courier New"/>
-                <a:sym typeface="Courier New"/>
-              </a:rPr>
-              <a:t>first_name </a:t>
-            </a:r>
-            <a:r>
-              <a:rPr b="1" lang="en-US" sz="1600">
-                <a:solidFill>
-                  <a:srgbClr val="CC7832"/>
-                </a:solidFill>
-                <a:latin typeface="Courier New"/>
-                <a:ea typeface="Courier New"/>
-                <a:cs typeface="Courier New"/>
-                <a:sym typeface="Courier New"/>
-              </a:rPr>
-              <a:t>varchar,</a:t>
-            </a:r>
-            <a:endParaRPr b="1" sz="1600">
-              <a:solidFill>
-                <a:srgbClr val="CC7832"/>
-              </a:solidFill>
-              <a:latin typeface="Courier New"/>
-              <a:ea typeface="Courier New"/>
-              <a:cs typeface="Courier New"/>
-              <a:sym typeface="Courier New"/>
-            </a:endParaRPr>
-          </a:p>
-          <a:p>
-            <a:pPr indent="0" lvl="0" marL="0" rtl="0" algn="l">
-              <a:lnSpc>
-                <a:spcPct val="115000"/>
-              </a:lnSpc>
-              <a:spcBef>
-                <a:spcPts val="1200"/>
-              </a:spcBef>
-              <a:spcAft>
-                <a:spcPts val="0"/>
-              </a:spcAft>
-              <a:buSzPts val="1300"/>
-              <a:buNone/>
-            </a:pPr>
-            <a:r>
-              <a:rPr b="1" lang="en-US" sz="1600">
-                <a:solidFill>
-                  <a:srgbClr val="9876AA"/>
-                </a:solidFill>
-                <a:latin typeface="Courier New"/>
-                <a:ea typeface="Courier New"/>
-                <a:cs typeface="Courier New"/>
-                <a:sym typeface="Courier New"/>
-              </a:rPr>
-              <a:t>last_name </a:t>
-            </a:r>
-            <a:r>
-              <a:rPr b="1" lang="en-US" sz="1600">
-                <a:solidFill>
-                  <a:srgbClr val="CC7832"/>
-                </a:solidFill>
-                <a:latin typeface="Courier New"/>
-                <a:ea typeface="Courier New"/>
-                <a:cs typeface="Courier New"/>
-                <a:sym typeface="Courier New"/>
-              </a:rPr>
-              <a:t>varchar,</a:t>
-            </a:r>
-            <a:endParaRPr b="1" sz="1600">
-              <a:solidFill>
-                <a:srgbClr val="CC7832"/>
-              </a:solidFill>
-              <a:latin typeface="Courier New"/>
-              <a:ea typeface="Courier New"/>
-              <a:cs typeface="Courier New"/>
-              <a:sym typeface="Courier New"/>
-            </a:endParaRPr>
-          </a:p>
-          <a:p>
-            <a:pPr indent="0" lvl="0" marL="0" rtl="0" algn="l">
-              <a:lnSpc>
-                <a:spcPct val="115000"/>
-              </a:lnSpc>
-              <a:spcBef>
-                <a:spcPts val="1200"/>
-              </a:spcBef>
-              <a:spcAft>
-                <a:spcPts val="0"/>
-              </a:spcAft>
-              <a:buSzPts val="1300"/>
-              <a:buNone/>
-            </a:pPr>
-            <a:r>
-              <a:rPr b="1" lang="en-US" sz="1600">
-                <a:solidFill>
-                  <a:srgbClr val="CC7832"/>
-                </a:solidFill>
-                <a:latin typeface="Courier New"/>
-                <a:ea typeface="Courier New"/>
-                <a:cs typeface="Courier New"/>
-                <a:sym typeface="Courier New"/>
-              </a:rPr>
-              <a:t>UNIQUE KEY </a:t>
-            </a:r>
-            <a:r>
-              <a:rPr b="1" lang="en-US" sz="1600">
-                <a:solidFill>
-                  <a:srgbClr val="A9B7C6"/>
-                </a:solidFill>
-                <a:latin typeface="Courier New"/>
-                <a:ea typeface="Courier New"/>
-                <a:cs typeface="Courier New"/>
-                <a:sym typeface="Courier New"/>
-              </a:rPr>
-              <a:t>(student_id))</a:t>
-            </a:r>
-            <a:r>
-              <a:rPr b="1" lang="en-US" sz="1600">
-                <a:solidFill>
-                  <a:srgbClr val="CC7832"/>
-                </a:solidFill>
-                <a:latin typeface="Courier New"/>
-                <a:ea typeface="Courier New"/>
-                <a:cs typeface="Courier New"/>
-                <a:sym typeface="Courier New"/>
-              </a:rPr>
-              <a:t>;</a:t>
-            </a:r>
-            <a:endParaRPr b="1" sz="1600">
-              <a:solidFill>
-                <a:srgbClr val="CC7832"/>
-              </a:solidFill>
-              <a:latin typeface="Courier New"/>
-              <a:ea typeface="Courier New"/>
-              <a:cs typeface="Courier New"/>
-              <a:sym typeface="Courier New"/>
-            </a:endParaRPr>
-          </a:p>
-          <a:p>
-            <a:pPr indent="0" lvl="0" marL="0" rtl="0" algn="l">
-              <a:lnSpc>
-                <a:spcPct val="115000"/>
-              </a:lnSpc>
-              <a:spcBef>
-                <a:spcPts val="1200"/>
-              </a:spcBef>
-              <a:spcAft>
-                <a:spcPts val="0"/>
-              </a:spcAft>
-              <a:buSzPts val="1300"/>
-              <a:buNone/>
-            </a:pPr>
-            <a:r>
-              <a:t/>
-            </a:r>
-            <a:endParaRPr/>
-          </a:p>
-        </p:txBody>
-      </p:sp>
-      <p:sp>
-        <p:nvSpPr>
-          <p:cNvPr id="119" name="Google Shape;119;p8"/>
-          <p:cNvSpPr txBox="1"/>
-          <p:nvPr>
-            <p:ph idx="2" type="body"/>
-          </p:nvPr>
-        </p:nvSpPr>
-        <p:spPr>
-          <a:xfrm>
-            <a:off x="4832399" y="2179782"/>
-            <a:ext cx="3999902" cy="2402118"/>
-          </a:xfrm>
-          <a:prstGeom prst="rect">
-            <a:avLst/>
-          </a:prstGeom>
-          <a:noFill/>
-          <a:ln cap="flat" cmpd="sng" w="9525">
-            <a:solidFill>
-              <a:srgbClr val="000000"/>
-            </a:solidFill>
-            <a:prstDash val="solid"/>
-            <a:round/>
-            <a:headEnd len="sm" w="sm" type="none"/>
-            <a:tailEnd len="sm" w="sm" type="none"/>
-          </a:ln>
-        </p:spPr>
-        <p:txBody>
-          <a:bodyPr anchorCtr="0" anchor="t" bIns="91400" lIns="91400" spcFirstLastPara="1" rIns="91400" wrap="square" tIns="91400">
-            <a:normAutofit/>
-          </a:bodyPr>
-          <a:lstStyle/>
-          <a:p>
-            <a:pPr indent="0" lvl="0" marL="0" rtl="0" algn="l">
-              <a:lnSpc>
-                <a:spcPct val="115000"/>
-              </a:lnSpc>
-              <a:spcBef>
-                <a:spcPts val="1200"/>
-              </a:spcBef>
-              <a:spcAft>
-                <a:spcPts val="0"/>
-              </a:spcAft>
-              <a:buSzPts val="1300"/>
-              <a:buNone/>
-            </a:pPr>
-            <a:r>
-              <a:rPr b="1" lang="en-US" sz="1600">
-                <a:solidFill>
-                  <a:srgbClr val="CC7832"/>
-                </a:solidFill>
-                <a:latin typeface="Courier New"/>
-                <a:ea typeface="Courier New"/>
-                <a:cs typeface="Courier New"/>
-                <a:sym typeface="Courier New"/>
-              </a:rPr>
-              <a:t>INSERT INTO </a:t>
-            </a:r>
-            <a:r>
-              <a:rPr b="1" lang="en-US" sz="1600">
-                <a:solidFill>
-                  <a:srgbClr val="A9B7C6"/>
-                </a:solidFill>
-                <a:latin typeface="Courier New"/>
-                <a:ea typeface="Courier New"/>
-                <a:cs typeface="Courier New"/>
-                <a:sym typeface="Courier New"/>
-              </a:rPr>
-              <a:t>Student</a:t>
-            </a:r>
-            <a:endParaRPr b="1" sz="1600">
-              <a:solidFill>
-                <a:srgbClr val="A9B7C6"/>
-              </a:solidFill>
-              <a:latin typeface="Courier New"/>
-              <a:ea typeface="Courier New"/>
-              <a:cs typeface="Courier New"/>
-              <a:sym typeface="Courier New"/>
-            </a:endParaRPr>
-          </a:p>
-          <a:p>
-            <a:pPr indent="0" lvl="0" marL="0" rtl="0" algn="l">
-              <a:lnSpc>
-                <a:spcPct val="115000"/>
-              </a:lnSpc>
-              <a:spcBef>
-                <a:spcPts val="1200"/>
-              </a:spcBef>
-              <a:spcAft>
-                <a:spcPts val="0"/>
-              </a:spcAft>
-              <a:buSzPts val="1300"/>
-              <a:buNone/>
-            </a:pPr>
-            <a:r>
-              <a:rPr b="1" lang="en-US" sz="1600">
-                <a:solidFill>
-                  <a:srgbClr val="CC7832"/>
-                </a:solidFill>
-                <a:latin typeface="Courier New"/>
-                <a:ea typeface="Courier New"/>
-                <a:cs typeface="Courier New"/>
-                <a:sym typeface="Courier New"/>
-              </a:rPr>
-              <a:t>VALUES</a:t>
-            </a:r>
-            <a:endParaRPr b="1" sz="1600">
-              <a:solidFill>
-                <a:srgbClr val="CC7832"/>
-              </a:solidFill>
-              <a:latin typeface="Courier New"/>
-              <a:ea typeface="Courier New"/>
-              <a:cs typeface="Courier New"/>
-              <a:sym typeface="Courier New"/>
-            </a:endParaRPr>
-          </a:p>
-          <a:p>
-            <a:pPr indent="0" lvl="0" marL="0" rtl="0" algn="l">
-              <a:lnSpc>
-                <a:spcPct val="115000"/>
-              </a:lnSpc>
-              <a:spcBef>
-                <a:spcPts val="1200"/>
-              </a:spcBef>
-              <a:spcAft>
-                <a:spcPts val="0"/>
-              </a:spcAft>
-              <a:buSzPts val="1300"/>
-              <a:buNone/>
-            </a:pPr>
-            <a:r>
-              <a:rPr b="1" lang="en-US" sz="1600">
-                <a:solidFill>
-                  <a:srgbClr val="A9B7C6"/>
-                </a:solidFill>
-                <a:latin typeface="Courier New"/>
-                <a:ea typeface="Courier New"/>
-                <a:cs typeface="Courier New"/>
-                <a:sym typeface="Courier New"/>
-              </a:rPr>
-              <a:t>(</a:t>
-            </a:r>
-            <a:r>
-              <a:rPr b="1" lang="en-US" sz="1600">
-                <a:solidFill>
-                  <a:srgbClr val="CC7832"/>
-                </a:solidFill>
-                <a:latin typeface="Courier New"/>
-                <a:ea typeface="Courier New"/>
-                <a:cs typeface="Courier New"/>
-                <a:sym typeface="Courier New"/>
-              </a:rPr>
-              <a:t>NULL, </a:t>
-            </a:r>
-            <a:r>
-              <a:rPr b="1" lang="en-US" sz="1600">
-                <a:solidFill>
-                  <a:srgbClr val="6A8759"/>
-                </a:solidFill>
-                <a:latin typeface="Courier New"/>
-                <a:ea typeface="Courier New"/>
-                <a:cs typeface="Courier New"/>
-                <a:sym typeface="Courier New"/>
-              </a:rPr>
-              <a:t>'Patrick'</a:t>
-            </a:r>
-            <a:r>
-              <a:rPr b="1" lang="en-US" sz="1600">
-                <a:solidFill>
-                  <a:srgbClr val="CC7832"/>
-                </a:solidFill>
-                <a:latin typeface="Courier New"/>
-                <a:ea typeface="Courier New"/>
-                <a:cs typeface="Courier New"/>
-                <a:sym typeface="Courier New"/>
-              </a:rPr>
-              <a:t>, </a:t>
-            </a:r>
-            <a:r>
-              <a:rPr b="1" lang="en-US" sz="1600">
-                <a:solidFill>
-                  <a:srgbClr val="6A8759"/>
-                </a:solidFill>
-                <a:latin typeface="Courier New"/>
-                <a:ea typeface="Courier New"/>
-                <a:cs typeface="Courier New"/>
-                <a:sym typeface="Courier New"/>
-              </a:rPr>
-              <a:t>'Lenn'</a:t>
-            </a:r>
-            <a:r>
-              <a:rPr b="1" lang="en-US" sz="1600">
-                <a:solidFill>
-                  <a:srgbClr val="A9B7C6"/>
-                </a:solidFill>
-                <a:latin typeface="Courier New"/>
-                <a:ea typeface="Courier New"/>
-                <a:cs typeface="Courier New"/>
-                <a:sym typeface="Courier New"/>
-              </a:rPr>
-              <a:t>)</a:t>
-            </a:r>
-            <a:r>
-              <a:rPr b="1" lang="en-US" sz="1600">
-                <a:solidFill>
-                  <a:srgbClr val="CC7832"/>
-                </a:solidFill>
-                <a:latin typeface="Courier New"/>
-                <a:ea typeface="Courier New"/>
-                <a:cs typeface="Courier New"/>
-                <a:sym typeface="Courier New"/>
-              </a:rPr>
-              <a:t>;</a:t>
-            </a:r>
-            <a:endParaRPr b="1" sz="1600">
-              <a:solidFill>
-                <a:srgbClr val="CC7832"/>
-              </a:solidFill>
-              <a:latin typeface="Courier New"/>
-              <a:ea typeface="Courier New"/>
-              <a:cs typeface="Courier New"/>
-              <a:sym typeface="Courier New"/>
-            </a:endParaRPr>
-          </a:p>
-          <a:p>
-            <a:pPr indent="0" lvl="0" marL="0" rtl="0" algn="l">
-              <a:lnSpc>
-                <a:spcPct val="115000"/>
-              </a:lnSpc>
-              <a:spcBef>
-                <a:spcPts val="1200"/>
-              </a:spcBef>
-              <a:spcAft>
-                <a:spcPts val="0"/>
-              </a:spcAft>
-              <a:buSzPts val="900"/>
-              <a:buNone/>
-            </a:pPr>
-            <a:r>
-              <a:t/>
-            </a:r>
-            <a:endParaRPr/>
-          </a:p>
-          <a:p>
-            <a:pPr indent="0" lvl="0" marL="0" rtl="0" algn="l">
-              <a:lnSpc>
-                <a:spcPct val="115000"/>
-              </a:lnSpc>
-              <a:spcBef>
-                <a:spcPts val="1200"/>
-              </a:spcBef>
-              <a:spcAft>
-                <a:spcPts val="0"/>
-              </a:spcAft>
-              <a:buSzPts val="900"/>
-              <a:buNone/>
-            </a:pPr>
-            <a:r>
-              <a:rPr lang="en-US" sz="900">
-                <a:solidFill>
-                  <a:srgbClr val="222222"/>
-                </a:solidFill>
-                <a:latin typeface="Source Code Pro"/>
-                <a:ea typeface="Source Code Pro"/>
-                <a:cs typeface="Source Code Pro"/>
-                <a:sym typeface="Source Code Pro"/>
-              </a:rPr>
-              <a:t>INSERT 0 1</a:t>
-            </a:r>
-            <a:endParaRPr/>
-          </a:p>
-          <a:p>
-            <a:pPr indent="0" lvl="0" marL="0" rtl="0" algn="l">
-              <a:lnSpc>
-                <a:spcPct val="115000"/>
-              </a:lnSpc>
-              <a:spcBef>
-                <a:spcPts val="1200"/>
-              </a:spcBef>
-              <a:spcAft>
-                <a:spcPts val="0"/>
-              </a:spcAft>
-              <a:buSzPts val="900"/>
-              <a:buNone/>
-            </a:pPr>
-            <a:r>
-              <a:rPr lang="en-US" sz="900">
-                <a:solidFill>
-                  <a:srgbClr val="222222"/>
-                </a:solidFill>
-                <a:latin typeface="Source Code Pro"/>
-                <a:ea typeface="Source Code Pro"/>
-                <a:cs typeface="Source Code Pro"/>
-                <a:sym typeface="Source Code Pro"/>
-              </a:rPr>
-              <a:t>Query returned successfully in 47 msec.</a:t>
-            </a:r>
-            <a:endParaRPr/>
-          </a:p>
-        </p:txBody>
-      </p:sp>
-      <p:sp>
-        <p:nvSpPr>
-          <p:cNvPr id="120" name="Google Shape;120;p8"/>
-          <p:cNvSpPr txBox="1"/>
-          <p:nvPr/>
-        </p:nvSpPr>
-        <p:spPr>
-          <a:xfrm>
-            <a:off x="4878119" y="1505699"/>
-            <a:ext cx="3908400" cy="338700"/>
-          </a:xfrm>
-          <a:prstGeom prst="rect">
-            <a:avLst/>
-          </a:prstGeom>
-          <a:noFill/>
-          <a:ln>
-            <a:noFill/>
-          </a:ln>
-        </p:spPr>
-        <p:txBody>
-          <a:bodyPr anchorCtr="0" anchor="t" bIns="45700" lIns="45700" spcFirstLastPara="1" rIns="45700" wrap="square" tIns="45700">
-            <a:spAutoFit/>
-          </a:bodyPr>
-          <a:lstStyle/>
-          <a:p>
-            <a:pPr indent="0" lvl="0" marL="0" marR="0" rtl="0" algn="l">
-              <a:lnSpc>
-                <a:spcPct val="100000"/>
-              </a:lnSpc>
-              <a:spcBef>
-                <a:spcPts val="0"/>
-              </a:spcBef>
-              <a:spcAft>
-                <a:spcPts val="0"/>
-              </a:spcAft>
-              <a:buClr>
-                <a:srgbClr val="000000"/>
-              </a:buClr>
-              <a:buSzPts val="1400"/>
-              <a:buFont typeface="Arial"/>
-              <a:buNone/>
-            </a:pPr>
-            <a:r>
-              <a:rPr b="0" i="0" lang="en-US" sz="1600" u="none" cap="none" strike="noStrike">
-                <a:solidFill>
-                  <a:srgbClr val="000000"/>
-                </a:solidFill>
-                <a:latin typeface="Arial"/>
-                <a:ea typeface="Arial"/>
-                <a:cs typeface="Arial"/>
-                <a:sym typeface="Arial"/>
-              </a:rPr>
-              <a:t>Unique Key can be NULL</a:t>
-            </a:r>
-            <a:endParaRPr b="0" i="0" sz="1600" u="none" cap="none" strike="noStrike">
-              <a:solidFill>
-                <a:srgbClr val="000000"/>
-              </a:solidFill>
-              <a:latin typeface="Arial"/>
-              <a:ea typeface="Arial"/>
-              <a:cs typeface="Arial"/>
-              <a:sym typeface="Arial"/>
-            </a:endParaRPr>
-          </a:p>
-        </p:txBody>
-      </p:sp>
-    </p:spTree>
-  </p:cSld>
-  <p:clrMapOvr>
-    <a:masterClrMapping/>
-  </p:clrMapOvr>
-</p:sld>
-</file>
-
-<file path=ppt/slides/slide9.xml><?xml version="1.0" encoding="utf-8"?>
-<p:sld xmlns:a="http://schemas.openxmlformats.org/drawingml/2006/main" xmlns:r="http://schemas.openxmlformats.org/officeDocument/2006/relationships" xmlns:mc="http://schemas.openxmlformats.org/markup-compatibility/2006" xmlns:mv="urn:schemas-microsoft-com:mac:vml" xmlns:p="http://schemas.openxmlformats.org/presentationml/2006/main" xmlns:c="http://schemas.openxmlformats.org/drawingml/2006/chart" xmlns:dgm="http://schemas.openxmlformats.org/drawingml/2006/diagram" xmlns:o="urn:schemas-microsoft-com:office:office" xmlns:v="urn:schemas-microsoft-com:vml" xmlns:pvml="urn:schemas-microsoft-com:office:powerpoint" xmlns:com="http://schemas.openxmlformats.org/drawingml/2006/compatibility" xmlns:p14="http://schemas.microsoft.com/office/powerpoint/2010/main" xmlns:p15="http://schemas.microsoft.com/office/powerpoint/2012/main" xmlns:ahyp="http://schemas.microsoft.com/office/drawing/2018/hyperlinkcolor">
-  <p:cSld>
-    <p:spTree>
-      <p:nvGrpSpPr>
-        <p:cNvPr id="124" name="Shape 124"/>
-        <p:cNvGrpSpPr/>
-        <p:nvPr/>
-      </p:nvGrpSpPr>
-      <p:grpSpPr>
-        <a:xfrm>
-          <a:off x="0" y="0"/>
-          <a:ext cx="0" cy="0"/>
-          <a:chOff x="0" y="0"/>
-          <a:chExt cx="0" cy="0"/>
-        </a:xfrm>
-      </p:grpSpPr>
-      <p:sp>
-        <p:nvSpPr>
-          <p:cNvPr id="125" name="Google Shape;125;p9"/>
-          <p:cNvSpPr txBox="1"/>
-          <p:nvPr/>
-        </p:nvSpPr>
-        <p:spPr>
-          <a:xfrm>
-            <a:off x="549099" y="201700"/>
-            <a:ext cx="8034600" cy="400200"/>
-          </a:xfrm>
-          <a:prstGeom prst="rect">
-            <a:avLst/>
-          </a:prstGeom>
-          <a:noFill/>
-          <a:ln>
-            <a:noFill/>
-          </a:ln>
-        </p:spPr>
-        <p:txBody>
-          <a:bodyPr anchorCtr="0" anchor="t" bIns="91400" lIns="91400" spcFirstLastPara="1" rIns="91400" wrap="square" tIns="91400">
-            <a:spAutoFit/>
-          </a:bodyPr>
-          <a:lstStyle/>
-          <a:p>
-            <a:pPr indent="0" lvl="0" marL="0" marR="0" rtl="0" algn="ctr">
-              <a:lnSpc>
-                <a:spcPct val="100000"/>
-              </a:lnSpc>
-              <a:spcBef>
-                <a:spcPts val="0"/>
-              </a:spcBef>
-              <a:spcAft>
-                <a:spcPts val="0"/>
-              </a:spcAft>
-              <a:buClr>
-                <a:srgbClr val="000000"/>
-              </a:buClr>
-              <a:buSzPts val="1800"/>
-              <a:buFont typeface="Roboto"/>
-              <a:buNone/>
-            </a:pPr>
-            <a:r>
-              <a:t/>
-            </a:r>
-            <a:endParaRPr b="0" i="0" sz="1400" u="none" cap="none" strike="noStrike">
-              <a:solidFill>
-                <a:srgbClr val="000000"/>
-              </a:solidFill>
-              <a:latin typeface="Arial"/>
-              <a:ea typeface="Arial"/>
-              <a:cs typeface="Arial"/>
-              <a:sym typeface="Arial"/>
-            </a:endParaRPr>
-          </a:p>
-        </p:txBody>
-      </p:sp>
-      <p:sp>
-        <p:nvSpPr>
-          <p:cNvPr id="126" name="Google Shape;126;p9"/>
-          <p:cNvSpPr txBox="1"/>
-          <p:nvPr/>
-        </p:nvSpPr>
-        <p:spPr>
-          <a:xfrm>
-            <a:off x="683550" y="1472401"/>
-            <a:ext cx="7978500" cy="7326600"/>
-          </a:xfrm>
-          <a:prstGeom prst="rect">
-            <a:avLst/>
-          </a:prstGeom>
-          <a:noFill/>
-          <a:ln>
-            <a:noFill/>
-          </a:ln>
-        </p:spPr>
-        <p:txBody>
-          <a:bodyPr anchorCtr="0" anchor="t" bIns="91400" lIns="91400" spcFirstLastPara="1" rIns="91400" wrap="square" tIns="91400">
-            <a:spAutoFit/>
-          </a:bodyPr>
-          <a:lstStyle/>
-          <a:p>
-            <a:pPr indent="-330200" lvl="0" marL="457200" marR="0" rtl="0" algn="l">
-              <a:lnSpc>
-                <a:spcPct val="200000"/>
-              </a:lnSpc>
-              <a:spcBef>
-                <a:spcPts val="0"/>
-              </a:spcBef>
-              <a:spcAft>
-                <a:spcPts val="0"/>
-              </a:spcAft>
-              <a:buClr>
-                <a:srgbClr val="000000"/>
-              </a:buClr>
-              <a:buSzPts val="1600"/>
-              <a:buFont typeface="Arial"/>
-              <a:buChar char="●"/>
-            </a:pPr>
-            <a:r>
-              <a:rPr b="0" i="0" lang="en-US" sz="1600" u="none" cap="none" strike="noStrike">
-                <a:solidFill>
-                  <a:srgbClr val="000000"/>
-                </a:solidFill>
-                <a:latin typeface="Arial"/>
-                <a:ea typeface="Arial"/>
-                <a:cs typeface="Arial"/>
-                <a:sym typeface="Arial"/>
-              </a:rPr>
-              <a:t>Primary key are column(s) that uniquely identify each row</a:t>
-            </a:r>
-            <a:endParaRPr b="0" i="0" sz="1600" u="none" cap="none" strike="noStrike">
-              <a:solidFill>
-                <a:srgbClr val="000000"/>
-              </a:solidFill>
-              <a:latin typeface="Arial"/>
-              <a:ea typeface="Arial"/>
-              <a:cs typeface="Arial"/>
-              <a:sym typeface="Arial"/>
-            </a:endParaRPr>
-          </a:p>
-          <a:p>
-            <a:pPr indent="-330200" lvl="0" marL="457200" marR="0" rtl="0" algn="l">
-              <a:lnSpc>
-                <a:spcPct val="200000"/>
-              </a:lnSpc>
-              <a:spcBef>
-                <a:spcPts val="0"/>
-              </a:spcBef>
-              <a:spcAft>
-                <a:spcPts val="0"/>
-              </a:spcAft>
-              <a:buClr>
-                <a:srgbClr val="000000"/>
-              </a:buClr>
-              <a:buSzPts val="1600"/>
-              <a:buFont typeface="Arial"/>
-              <a:buChar char="●"/>
-            </a:pPr>
-            <a:r>
-              <a:rPr b="0" i="0" lang="en-US" sz="1600" u="none" cap="none" strike="noStrike">
-                <a:solidFill>
-                  <a:srgbClr val="000000"/>
-                </a:solidFill>
-                <a:latin typeface="Arial"/>
-                <a:ea typeface="Arial"/>
-                <a:cs typeface="Arial"/>
-                <a:sym typeface="Arial"/>
-              </a:rPr>
-              <a:t>Foreign key are column(s) used to create relationship between two tables</a:t>
-            </a:r>
-            <a:endParaRPr b="0" i="0" sz="1600" u="none" cap="none" strike="noStrike">
-              <a:solidFill>
-                <a:srgbClr val="000000"/>
-              </a:solidFill>
-              <a:latin typeface="Arial"/>
-              <a:ea typeface="Arial"/>
-              <a:cs typeface="Arial"/>
-              <a:sym typeface="Arial"/>
-            </a:endParaRPr>
-          </a:p>
-          <a:p>
-            <a:pPr indent="-330200" lvl="0" marL="457200" marR="0" rtl="0" algn="l">
-              <a:lnSpc>
-                <a:spcPct val="200000"/>
-              </a:lnSpc>
-              <a:spcBef>
-                <a:spcPts val="0"/>
-              </a:spcBef>
-              <a:spcAft>
-                <a:spcPts val="0"/>
-              </a:spcAft>
-              <a:buClr>
-                <a:srgbClr val="000000"/>
-              </a:buClr>
-              <a:buSzPts val="1600"/>
-              <a:buFont typeface="Arial"/>
-              <a:buChar char="●"/>
-            </a:pPr>
-            <a:r>
-              <a:rPr b="0" i="0" lang="en-US" sz="1600" u="none" cap="none" strike="noStrike">
-                <a:solidFill>
-                  <a:srgbClr val="000000"/>
-                </a:solidFill>
-                <a:latin typeface="Arial"/>
-                <a:ea typeface="Arial"/>
-                <a:cs typeface="Arial"/>
-                <a:sym typeface="Arial"/>
-              </a:rPr>
-              <a:t>Unique key is similar to primary key but can contain null values.</a:t>
-            </a:r>
-            <a:endParaRPr b="0" i="0" sz="1600" u="none" cap="none" strike="noStrike">
-              <a:solidFill>
-                <a:srgbClr val="000000"/>
-              </a:solidFill>
-              <a:latin typeface="Arial"/>
-              <a:ea typeface="Arial"/>
-              <a:cs typeface="Arial"/>
-              <a:sym typeface="Arial"/>
-            </a:endParaRPr>
-          </a:p>
-          <a:p>
-            <a:pPr indent="0" lvl="0" marL="0" marR="0" rtl="0" algn="l">
-              <a:lnSpc>
-                <a:spcPct val="200000"/>
-              </a:lnSpc>
-              <a:spcBef>
-                <a:spcPts val="0"/>
-              </a:spcBef>
-              <a:spcAft>
-                <a:spcPts val="0"/>
-              </a:spcAft>
-              <a:buClr>
-                <a:srgbClr val="000000"/>
-              </a:buClr>
-              <a:buSzPts val="1600"/>
-              <a:buFont typeface="Arial"/>
-              <a:buNone/>
-            </a:pPr>
-            <a:r>
-              <a:t/>
-            </a:r>
-            <a:endParaRPr b="0" i="0" sz="1600" u="none" cap="none" strike="noStrike">
-              <a:solidFill>
-                <a:srgbClr val="000000"/>
-              </a:solidFill>
-              <a:latin typeface="Arial"/>
-              <a:ea typeface="Arial"/>
-              <a:cs typeface="Arial"/>
-              <a:sym typeface="Arial"/>
-            </a:endParaRPr>
-          </a:p>
-          <a:p>
-            <a:pPr indent="0" lvl="0" marL="0" marR="0" rtl="0" algn="l">
-              <a:lnSpc>
-                <a:spcPct val="200000"/>
-              </a:lnSpc>
-              <a:spcBef>
-                <a:spcPts val="0"/>
-              </a:spcBef>
-              <a:spcAft>
-                <a:spcPts val="0"/>
-              </a:spcAft>
-              <a:buClr>
-                <a:srgbClr val="000000"/>
-              </a:buClr>
-              <a:buSzPts val="1600"/>
-              <a:buFont typeface="Arial"/>
-              <a:buNone/>
-            </a:pPr>
-            <a:r>
-              <a:t/>
-            </a:r>
-            <a:endParaRPr b="0" i="0" sz="1600" u="none" cap="none" strike="noStrike">
-              <a:solidFill>
-                <a:srgbClr val="000000"/>
-              </a:solidFill>
-              <a:latin typeface="Arial"/>
-              <a:ea typeface="Arial"/>
-              <a:cs typeface="Arial"/>
-              <a:sym typeface="Arial"/>
-            </a:endParaRPr>
-          </a:p>
-          <a:p>
-            <a:pPr indent="0" lvl="0" marL="0" marR="0" rtl="0" algn="l">
-              <a:lnSpc>
-                <a:spcPct val="200000"/>
-              </a:lnSpc>
-              <a:spcBef>
-                <a:spcPts val="0"/>
-              </a:spcBef>
-              <a:spcAft>
-                <a:spcPts val="0"/>
-              </a:spcAft>
-              <a:buClr>
-                <a:srgbClr val="000000"/>
-              </a:buClr>
-              <a:buSzPts val="1600"/>
-              <a:buFont typeface="Arial"/>
-              <a:buNone/>
-            </a:pPr>
-            <a:r>
-              <a:t/>
-            </a:r>
-            <a:endParaRPr b="0" i="0" sz="1600" u="none" cap="none" strike="noStrike">
-              <a:solidFill>
-                <a:srgbClr val="000000"/>
-              </a:solidFill>
-              <a:latin typeface="Arial"/>
-              <a:ea typeface="Arial"/>
-              <a:cs typeface="Arial"/>
-              <a:sym typeface="Arial"/>
-            </a:endParaRPr>
-          </a:p>
-          <a:p>
-            <a:pPr indent="0" lvl="0" marL="0" marR="0" rtl="0" algn="l">
-              <a:lnSpc>
-                <a:spcPct val="200000"/>
-              </a:lnSpc>
-              <a:spcBef>
-                <a:spcPts val="0"/>
-              </a:spcBef>
-              <a:spcAft>
-                <a:spcPts val="0"/>
-              </a:spcAft>
-              <a:buClr>
-                <a:srgbClr val="000000"/>
-              </a:buClr>
-              <a:buSzPts val="1600"/>
-              <a:buFont typeface="Arial"/>
-              <a:buNone/>
-            </a:pPr>
-            <a:r>
-              <a:t/>
-            </a:r>
-            <a:endParaRPr b="0" i="0" sz="1600" u="none" cap="none" strike="noStrike">
-              <a:solidFill>
-                <a:srgbClr val="000000"/>
-              </a:solidFill>
-              <a:latin typeface="Arial"/>
-              <a:ea typeface="Arial"/>
-              <a:cs typeface="Arial"/>
-              <a:sym typeface="Arial"/>
-            </a:endParaRPr>
-          </a:p>
-          <a:p>
-            <a:pPr indent="0" lvl="0" marL="0" marR="0" rtl="0" algn="l">
-              <a:lnSpc>
-                <a:spcPct val="200000"/>
-              </a:lnSpc>
-              <a:spcBef>
-                <a:spcPts val="0"/>
-              </a:spcBef>
-              <a:spcAft>
-                <a:spcPts val="0"/>
-              </a:spcAft>
-              <a:buClr>
-                <a:srgbClr val="000000"/>
-              </a:buClr>
-              <a:buSzPts val="1600"/>
-              <a:buFont typeface="Arial"/>
-              <a:buNone/>
-            </a:pPr>
-            <a:r>
-              <a:t/>
-            </a:r>
-            <a:endParaRPr b="0" i="0" sz="1600" u="none" cap="none" strike="noStrike">
-              <a:solidFill>
-                <a:srgbClr val="000000"/>
-              </a:solidFill>
-              <a:latin typeface="Arial"/>
-              <a:ea typeface="Arial"/>
-              <a:cs typeface="Arial"/>
-              <a:sym typeface="Arial"/>
-            </a:endParaRPr>
-          </a:p>
-          <a:p>
-            <a:pPr indent="0" lvl="0" marL="0" marR="0" rtl="0" algn="l">
-              <a:lnSpc>
-                <a:spcPct val="200000"/>
-              </a:lnSpc>
-              <a:spcBef>
-                <a:spcPts val="0"/>
-              </a:spcBef>
-              <a:spcAft>
-                <a:spcPts val="0"/>
-              </a:spcAft>
-              <a:buClr>
-                <a:srgbClr val="000000"/>
-              </a:buClr>
-              <a:buSzPts val="1600"/>
-              <a:buFont typeface="Arial"/>
-              <a:buNone/>
-            </a:pPr>
-            <a:r>
-              <a:t/>
-            </a:r>
-            <a:endParaRPr b="0" i="0" sz="1600" u="none" cap="none" strike="noStrike">
-              <a:solidFill>
-                <a:srgbClr val="000000"/>
-              </a:solidFill>
-              <a:latin typeface="Arial"/>
-              <a:ea typeface="Arial"/>
-              <a:cs typeface="Arial"/>
-              <a:sym typeface="Arial"/>
-            </a:endParaRPr>
-          </a:p>
-          <a:p>
-            <a:pPr indent="0" lvl="0" marL="0" marR="0" rtl="0" algn="l">
-              <a:lnSpc>
-                <a:spcPct val="200000"/>
-              </a:lnSpc>
-              <a:spcBef>
-                <a:spcPts val="0"/>
-              </a:spcBef>
-              <a:spcAft>
-                <a:spcPts val="0"/>
-              </a:spcAft>
-              <a:buClr>
-                <a:srgbClr val="000000"/>
-              </a:buClr>
-              <a:buSzPts val="1600"/>
-              <a:buFont typeface="Arial"/>
-              <a:buNone/>
-            </a:pPr>
-            <a:r>
-              <a:t/>
-            </a:r>
-            <a:endParaRPr b="0" i="0" sz="1600" u="none" cap="none" strike="noStrike">
-              <a:solidFill>
-                <a:srgbClr val="000000"/>
-              </a:solidFill>
-              <a:latin typeface="Arial"/>
-              <a:ea typeface="Arial"/>
-              <a:cs typeface="Arial"/>
-              <a:sym typeface="Arial"/>
-            </a:endParaRPr>
-          </a:p>
-          <a:p>
-            <a:pPr indent="0" lvl="0" marL="0" marR="0" rtl="0" algn="l">
-              <a:lnSpc>
-                <a:spcPct val="200000"/>
-              </a:lnSpc>
-              <a:spcBef>
-                <a:spcPts val="0"/>
-              </a:spcBef>
-              <a:spcAft>
-                <a:spcPts val="0"/>
-              </a:spcAft>
-              <a:buClr>
-                <a:srgbClr val="000000"/>
-              </a:buClr>
-              <a:buSzPts val="1600"/>
-              <a:buFont typeface="Arial"/>
-              <a:buNone/>
-            </a:pPr>
-            <a:r>
-              <a:t/>
-            </a:r>
-            <a:endParaRPr b="0" i="0" sz="1600" u="none" cap="none" strike="noStrike">
-              <a:solidFill>
-                <a:srgbClr val="000000"/>
-              </a:solidFill>
-              <a:latin typeface="Arial"/>
-              <a:ea typeface="Arial"/>
-              <a:cs typeface="Arial"/>
-              <a:sym typeface="Arial"/>
-            </a:endParaRPr>
-          </a:p>
-          <a:p>
-            <a:pPr indent="0" lvl="0" marL="0" marR="0" rtl="0" algn="l">
-              <a:lnSpc>
-                <a:spcPct val="200000"/>
-              </a:lnSpc>
-              <a:spcBef>
-                <a:spcPts val="0"/>
-              </a:spcBef>
-              <a:spcAft>
-                <a:spcPts val="0"/>
-              </a:spcAft>
-              <a:buClr>
-                <a:srgbClr val="000000"/>
-              </a:buClr>
-              <a:buSzPts val="1600"/>
-              <a:buFont typeface="Arial"/>
-              <a:buNone/>
-            </a:pPr>
-            <a:r>
-              <a:t/>
-            </a:r>
-            <a:endParaRPr b="0" i="0" sz="1600" u="none" cap="none" strike="noStrike">
-              <a:solidFill>
-                <a:srgbClr val="000000"/>
-              </a:solidFill>
-              <a:latin typeface="Arial"/>
-              <a:ea typeface="Arial"/>
-              <a:cs typeface="Arial"/>
-              <a:sym typeface="Arial"/>
-            </a:endParaRPr>
-          </a:p>
-          <a:p>
-            <a:pPr indent="0" lvl="0" marL="0" marR="0" rtl="0" algn="l">
-              <a:lnSpc>
-                <a:spcPct val="200000"/>
-              </a:lnSpc>
-              <a:spcBef>
-                <a:spcPts val="0"/>
-              </a:spcBef>
-              <a:spcAft>
-                <a:spcPts val="0"/>
-              </a:spcAft>
-              <a:buClr>
-                <a:srgbClr val="000000"/>
-              </a:buClr>
-              <a:buSzPts val="1600"/>
-              <a:buFont typeface="Arial"/>
-              <a:buNone/>
-            </a:pPr>
-            <a:r>
-              <a:t/>
-            </a:r>
-            <a:endParaRPr b="0" i="0" sz="1600" u="none" cap="none" strike="noStrike">
-              <a:solidFill>
-                <a:srgbClr val="000000"/>
-              </a:solidFill>
-              <a:latin typeface="Arial"/>
-              <a:ea typeface="Arial"/>
-              <a:cs typeface="Arial"/>
-              <a:sym typeface="Arial"/>
-            </a:endParaRPr>
-          </a:p>
-          <a:p>
-            <a:pPr indent="0" lvl="0" marL="0" marR="0" rtl="0" algn="l">
-              <a:lnSpc>
-                <a:spcPct val="200000"/>
-              </a:lnSpc>
-              <a:spcBef>
-                <a:spcPts val="0"/>
-              </a:spcBef>
-              <a:spcAft>
-                <a:spcPts val="0"/>
-              </a:spcAft>
-              <a:buClr>
-                <a:srgbClr val="000000"/>
-              </a:buClr>
-              <a:buSzPts val="1600"/>
-              <a:buFont typeface="Arial"/>
-              <a:buNone/>
-            </a:pPr>
-            <a:r>
-              <a:t/>
-            </a:r>
-            <a:endParaRPr b="0" i="0" sz="1600" u="none" cap="none" strike="noStrike">
-              <a:solidFill>
-                <a:srgbClr val="000000"/>
-              </a:solidFill>
-              <a:latin typeface="Arial"/>
-              <a:ea typeface="Arial"/>
-              <a:cs typeface="Arial"/>
-              <a:sym typeface="Arial"/>
-            </a:endParaRPr>
-          </a:p>
-          <a:p>
-            <a:pPr indent="0" lvl="0" marL="0" marR="0" rtl="0" algn="l">
-              <a:lnSpc>
-                <a:spcPct val="200000"/>
-              </a:lnSpc>
-              <a:spcBef>
-                <a:spcPts val="0"/>
-              </a:spcBef>
-              <a:spcAft>
-                <a:spcPts val="0"/>
-              </a:spcAft>
-              <a:buClr>
-                <a:srgbClr val="000000"/>
-              </a:buClr>
-              <a:buSzPts val="1600"/>
-              <a:buFont typeface="Arial"/>
-              <a:buNone/>
-            </a:pPr>
-            <a:r>
-              <a:t/>
-            </a:r>
-            <a:endParaRPr b="0" i="0" sz="1600" u="none" cap="none" strike="noStrike">
-              <a:solidFill>
-                <a:srgbClr val="000000"/>
-              </a:solidFill>
-              <a:latin typeface="Arial"/>
-              <a:ea typeface="Arial"/>
-              <a:cs typeface="Arial"/>
-              <a:sym typeface="Arial"/>
-            </a:endParaRPr>
-          </a:p>
-        </p:txBody>
-      </p:sp>
-      <p:sp>
-        <p:nvSpPr>
-          <p:cNvPr id="127" name="Google Shape;127;p9"/>
-          <p:cNvSpPr txBox="1"/>
-          <p:nvPr>
-            <p:ph type="title"/>
-          </p:nvPr>
-        </p:nvSpPr>
-        <p:spPr>
-          <a:xfrm>
-            <a:off x="311699" y="513024"/>
-            <a:ext cx="8520600" cy="623700"/>
-          </a:xfrm>
-          <a:prstGeom prst="rect">
-            <a:avLst/>
-          </a:prstGeom>
-          <a:noFill/>
-          <a:ln>
-            <a:noFill/>
-          </a:ln>
-        </p:spPr>
-        <p:txBody>
-          <a:bodyPr anchorCtr="0" anchor="t" bIns="91400" lIns="91400" spcFirstLastPara="1" rIns="91400" wrap="square" tIns="91400">
-            <a:normAutofit fontScale="90000"/>
-          </a:bodyPr>
-          <a:lstStyle/>
-          <a:p>
-            <a:pPr indent="0" lvl="0" marL="0" rtl="0" algn="l">
-              <a:lnSpc>
-                <a:spcPct val="100000"/>
-              </a:lnSpc>
-              <a:spcBef>
-                <a:spcPts val="0"/>
-              </a:spcBef>
-              <a:spcAft>
-                <a:spcPts val="0"/>
-              </a:spcAft>
-              <a:buClr>
-                <a:srgbClr val="FFFFFF"/>
-              </a:buClr>
-              <a:buSzPct val="90322"/>
-              <a:buFont typeface="Merriweather"/>
-              <a:buNone/>
-            </a:pPr>
-            <a:r>
-              <a:rPr lang="en-US" sz="3100"/>
-              <a:t>Summary</a:t>
-            </a:r>
-            <a:endParaRPr sz="3100"/>
-          </a:p>
-          <a:p>
-            <a:pPr indent="0" lvl="0" marL="0" rtl="0" algn="ctr">
-              <a:lnSpc>
-                <a:spcPct val="100000"/>
-              </a:lnSpc>
-              <a:spcBef>
-                <a:spcPts val="0"/>
-              </a:spcBef>
-              <a:spcAft>
-                <a:spcPts val="0"/>
-              </a:spcAft>
-              <a:buClr>
-                <a:srgbClr val="000000"/>
-              </a:buClr>
-              <a:buSzPct val="100000"/>
-              <a:buFont typeface="Roboto"/>
-              <a:buNone/>
-            </a:pPr>
-            <a:r>
-              <a:t/>
-            </a:r>
-            <a:endParaRPr b="1" sz="1800">
-              <a:solidFill>
-                <a:srgbClr val="000000"/>
-              </a:solidFill>
-              <a:latin typeface="Roboto"/>
-              <a:ea typeface="Roboto"/>
-              <a:cs typeface="Roboto"/>
-              <a:sym typeface="Roboto"/>
-            </a:endParaRPr>
-          </a:p>
-          <a:p>
-            <a:pPr indent="0" lvl="0" marL="0" rtl="0" algn="l">
-              <a:lnSpc>
-                <a:spcPct val="100000"/>
-              </a:lnSpc>
-              <a:spcBef>
-                <a:spcPts val="0"/>
-              </a:spcBef>
-              <a:spcAft>
-                <a:spcPts val="0"/>
-              </a:spcAft>
-              <a:buSzPct val="71428"/>
-              <a:buNone/>
-            </a:pPr>
-            <a:r>
-              <a:t/>
-            </a:r>
-            <a:endParaRPr/>
-          </a:p>
-        </p:txBody>
-      </p:sp>
     </p:spTree>
   </p:cSld>
   <p:clrMapOvr>
